--- a/Baseball_Detection_Presentation.pptx
+++ b/Baseball_Detection_Presentation.pptx
@@ -7,11 +7,15 @@
   <p:sldIdLst>
     <p:sldId id="256" r:id="rId2"/>
     <p:sldId id="257" r:id="rId3"/>
-    <p:sldId id="263" r:id="rId4"/>
-    <p:sldId id="258" r:id="rId5"/>
-    <p:sldId id="260" r:id="rId6"/>
-    <p:sldId id="262" r:id="rId7"/>
-    <p:sldId id="264" r:id="rId8"/>
+    <p:sldId id="265" r:id="rId4"/>
+    <p:sldId id="263" r:id="rId5"/>
+    <p:sldId id="266" r:id="rId6"/>
+    <p:sldId id="267" r:id="rId7"/>
+    <p:sldId id="268" r:id="rId8"/>
+    <p:sldId id="258" r:id="rId9"/>
+    <p:sldId id="260" r:id="rId10"/>
+    <p:sldId id="262" r:id="rId11"/>
+    <p:sldId id="264" r:id="rId12"/>
   </p:sldIdLst>
   <p:sldSz cx="9144000" cy="6858000" type="screen4x3"/>
   <p:notesSz cx="6858000" cy="9144000"/>
@@ -139,437 +143,6 @@
     </p:extLst>
   </p:cmAuthor>
 </p:cmAuthorLst>
-</file>
-
-<file path=ppt/revisionInfo.xml><?xml version="1.0" encoding="utf-8"?>
-<p1510:revInfo xmlns:a="http://schemas.openxmlformats.org/drawingml/2006/main" xmlns:r="http://schemas.openxmlformats.org/officeDocument/2006/relationships" xmlns:p1510="http://schemas.microsoft.com/office/powerpoint/2015/10/main">
-  <p1510:revLst>
-    <p1510:client id="{C4B12722-B9DD-407F-B855-105C94E745DD}" v="2" dt="2025-12-09T01:17:42.239"/>
-  </p1510:revLst>
-</p1510:revInfo>
-</file>
-
-<file path=ppt/changesInfos/changesInfo1.xml><?xml version="1.0" encoding="utf-8"?>
-<pc:chgInfo xmlns:a="http://schemas.openxmlformats.org/drawingml/2006/main" xmlns:r="http://schemas.openxmlformats.org/officeDocument/2006/relationships" xmlns:ac="http://schemas.microsoft.com/office/drawing/2013/main/command" xmlns:pc="http://schemas.microsoft.com/office/powerpoint/2013/main/command">
-  <pc:docChgLst>
-    <pc:chgData name="Joel W." userId="f8708d816c227c3c" providerId="LiveId" clId="{1D608B24-7B45-4E82-8ABC-A53164E511E9}"/>
-    <pc:docChg chg="undo custSel delSld modSld">
-      <pc:chgData name="Joel W." userId="f8708d816c227c3c" providerId="LiveId" clId="{1D608B24-7B45-4E82-8ABC-A53164E511E9}" dt="2025-12-09T01:18:19.329" v="31" actId="403"/>
-      <pc:docMkLst>
-        <pc:docMk/>
-      </pc:docMkLst>
-      <pc:sldChg chg="addSp modSp mod setBg addAnim">
-        <pc:chgData name="Joel W." userId="f8708d816c227c3c" providerId="LiveId" clId="{1D608B24-7B45-4E82-8ABC-A53164E511E9}" dt="2025-12-09T01:15:39.571" v="2"/>
-        <pc:sldMkLst>
-          <pc:docMk/>
-          <pc:sldMk cId="0" sldId="256"/>
-        </pc:sldMkLst>
-        <pc:spChg chg="mod">
-          <ac:chgData name="Joel W." userId="f8708d816c227c3c" providerId="LiveId" clId="{1D608B24-7B45-4E82-8ABC-A53164E511E9}" dt="2025-12-09T01:15:39.556" v="0" actId="26606"/>
-          <ac:spMkLst>
-            <pc:docMk/>
-            <pc:sldMk cId="0" sldId="256"/>
-            <ac:spMk id="2" creationId="{00000000-0000-0000-0000-000000000000}"/>
-          </ac:spMkLst>
-        </pc:spChg>
-        <pc:spChg chg="mod">
-          <ac:chgData name="Joel W." userId="f8708d816c227c3c" providerId="LiveId" clId="{1D608B24-7B45-4E82-8ABC-A53164E511E9}" dt="2025-12-09T01:15:39.556" v="0" actId="26606"/>
-          <ac:spMkLst>
-            <pc:docMk/>
-            <pc:sldMk cId="0" sldId="256"/>
-            <ac:spMk id="3" creationId="{00000000-0000-0000-0000-000000000000}"/>
-          </ac:spMkLst>
-        </pc:spChg>
-        <pc:spChg chg="add">
-          <ac:chgData name="Joel W." userId="f8708d816c227c3c" providerId="LiveId" clId="{1D608B24-7B45-4E82-8ABC-A53164E511E9}" dt="2025-12-09T01:15:39.556" v="0" actId="26606"/>
-          <ac:spMkLst>
-            <pc:docMk/>
-            <pc:sldMk cId="0" sldId="256"/>
-            <ac:spMk id="9" creationId="{4D60F200-5EB0-B223-2439-C96C67F0FEE1}"/>
-          </ac:spMkLst>
-        </pc:spChg>
-        <pc:spChg chg="add">
-          <ac:chgData name="Joel W." userId="f8708d816c227c3c" providerId="LiveId" clId="{1D608B24-7B45-4E82-8ABC-A53164E511E9}" dt="2025-12-09T01:15:39.556" v="0" actId="26606"/>
-          <ac:spMkLst>
-            <pc:docMk/>
-            <pc:sldMk cId="0" sldId="256"/>
-            <ac:spMk id="11" creationId="{F92CB243-67C5-E304-31A0-4D7D607BAFBA}"/>
-          </ac:spMkLst>
-        </pc:spChg>
-        <pc:spChg chg="add">
-          <ac:chgData name="Joel W." userId="f8708d816c227c3c" providerId="LiveId" clId="{1D608B24-7B45-4E82-8ABC-A53164E511E9}" dt="2025-12-09T01:15:39.556" v="0" actId="26606"/>
-          <ac:spMkLst>
-            <pc:docMk/>
-            <pc:sldMk cId="0" sldId="256"/>
-            <ac:spMk id="13" creationId="{11A95761-C93E-94BF-087D-D2A823789EAB}"/>
-          </ac:spMkLst>
-        </pc:spChg>
-        <pc:spChg chg="add">
-          <ac:chgData name="Joel W." userId="f8708d816c227c3c" providerId="LiveId" clId="{1D608B24-7B45-4E82-8ABC-A53164E511E9}" dt="2025-12-09T01:15:39.556" v="0" actId="26606"/>
-          <ac:spMkLst>
-            <pc:docMk/>
-            <pc:sldMk cId="0" sldId="256"/>
-            <ac:spMk id="15" creationId="{6E63D1A5-FD49-4756-F62E-786C34E631EF}"/>
-          </ac:spMkLst>
-        </pc:spChg>
-        <pc:picChg chg="add">
-          <ac:chgData name="Joel W." userId="f8708d816c227c3c" providerId="LiveId" clId="{1D608B24-7B45-4E82-8ABC-A53164E511E9}" dt="2025-12-09T01:15:39.556" v="0" actId="26606"/>
-          <ac:picMkLst>
-            <pc:docMk/>
-            <pc:sldMk cId="0" sldId="256"/>
-            <ac:picMk id="5" creationId="{F7E26319-2089-C08A-1D62-89EC98CBEAD3}"/>
-          </ac:picMkLst>
-        </pc:picChg>
-      </pc:sldChg>
-      <pc:sldChg chg="addSp modSp mod setBg">
-        <pc:chgData name="Joel W." userId="f8708d816c227c3c" providerId="LiveId" clId="{1D608B24-7B45-4E82-8ABC-A53164E511E9}" dt="2025-12-09T01:15:45.893" v="3" actId="26606"/>
-        <pc:sldMkLst>
-          <pc:docMk/>
-          <pc:sldMk cId="0" sldId="257"/>
-        </pc:sldMkLst>
-        <pc:spChg chg="mod">
-          <ac:chgData name="Joel W." userId="f8708d816c227c3c" providerId="LiveId" clId="{1D608B24-7B45-4E82-8ABC-A53164E511E9}" dt="2025-12-09T01:15:45.893" v="3" actId="26606"/>
-          <ac:spMkLst>
-            <pc:docMk/>
-            <pc:sldMk cId="0" sldId="257"/>
-            <ac:spMk id="2" creationId="{00000000-0000-0000-0000-000000000000}"/>
-          </ac:spMkLst>
-        </pc:spChg>
-        <pc:spChg chg="mod">
-          <ac:chgData name="Joel W." userId="f8708d816c227c3c" providerId="LiveId" clId="{1D608B24-7B45-4E82-8ABC-A53164E511E9}" dt="2025-12-09T01:15:45.893" v="3" actId="26606"/>
-          <ac:spMkLst>
-            <pc:docMk/>
-            <pc:sldMk cId="0" sldId="257"/>
-            <ac:spMk id="3" creationId="{00000000-0000-0000-0000-000000000000}"/>
-          </ac:spMkLst>
-        </pc:spChg>
-        <pc:spChg chg="add">
-          <ac:chgData name="Joel W." userId="f8708d816c227c3c" providerId="LiveId" clId="{1D608B24-7B45-4E82-8ABC-A53164E511E9}" dt="2025-12-09T01:15:45.893" v="3" actId="26606"/>
-          <ac:spMkLst>
-            <pc:docMk/>
-            <pc:sldMk cId="0" sldId="257"/>
-            <ac:spMk id="9" creationId="{C0763A76-9F1C-4FC5-82B7-DD475DA461B2}"/>
-          </ac:spMkLst>
-        </pc:spChg>
-        <pc:spChg chg="add">
-          <ac:chgData name="Joel W." userId="f8708d816c227c3c" providerId="LiveId" clId="{1D608B24-7B45-4E82-8ABC-A53164E511E9}" dt="2025-12-09T01:15:45.893" v="3" actId="26606"/>
-          <ac:spMkLst>
-            <pc:docMk/>
-            <pc:sldMk cId="0" sldId="257"/>
-            <ac:spMk id="11" creationId="{E81BF4F6-F2CF-4984-9D14-D6966D92F99F}"/>
-          </ac:spMkLst>
-        </pc:spChg>
-        <pc:picChg chg="add">
-          <ac:chgData name="Joel W." userId="f8708d816c227c3c" providerId="LiveId" clId="{1D608B24-7B45-4E82-8ABC-A53164E511E9}" dt="2025-12-09T01:15:45.893" v="3" actId="26606"/>
-          <ac:picMkLst>
-            <pc:docMk/>
-            <pc:sldMk cId="0" sldId="257"/>
-            <ac:picMk id="5" creationId="{AE906434-1EE2-040D-8EF0-8B76C64B1254}"/>
-          </ac:picMkLst>
-        </pc:picChg>
-      </pc:sldChg>
-      <pc:sldChg chg="addSp delSp modSp mod setBg">
-        <pc:chgData name="Joel W." userId="f8708d816c227c3c" providerId="LiveId" clId="{1D608B24-7B45-4E82-8ABC-A53164E511E9}" dt="2025-12-09T01:17:09.714" v="18" actId="26606"/>
-        <pc:sldMkLst>
-          <pc:docMk/>
-          <pc:sldMk cId="0" sldId="258"/>
-        </pc:sldMkLst>
-        <pc:spChg chg="mod ord">
-          <ac:chgData name="Joel W." userId="f8708d816c227c3c" providerId="LiveId" clId="{1D608B24-7B45-4E82-8ABC-A53164E511E9}" dt="2025-12-09T01:17:09.714" v="18" actId="26606"/>
-          <ac:spMkLst>
-            <pc:docMk/>
-            <pc:sldMk cId="0" sldId="258"/>
-            <ac:spMk id="2" creationId="{00000000-0000-0000-0000-000000000000}"/>
-          </ac:spMkLst>
-        </pc:spChg>
-        <pc:spChg chg="add del mod">
-          <ac:chgData name="Joel W." userId="f8708d816c227c3c" providerId="LiveId" clId="{1D608B24-7B45-4E82-8ABC-A53164E511E9}" dt="2025-12-09T01:17:09.714" v="18" actId="26606"/>
-          <ac:spMkLst>
-            <pc:docMk/>
-            <pc:sldMk cId="0" sldId="258"/>
-            <ac:spMk id="3" creationId="{00000000-0000-0000-0000-000000000000}"/>
-          </ac:spMkLst>
-        </pc:spChg>
-        <pc:spChg chg="add del">
-          <ac:chgData name="Joel W." userId="f8708d816c227c3c" providerId="LiveId" clId="{1D608B24-7B45-4E82-8ABC-A53164E511E9}" dt="2025-12-09T01:17:09.695" v="17" actId="26606"/>
-          <ac:spMkLst>
-            <pc:docMk/>
-            <pc:sldMk cId="0" sldId="258"/>
-            <ac:spMk id="7" creationId="{F5897CCA-486C-491C-B4C1-5E5C95A82709}"/>
-          </ac:spMkLst>
-        </pc:spChg>
-        <pc:spChg chg="add del">
-          <ac:chgData name="Joel W." userId="f8708d816c227c3c" providerId="LiveId" clId="{1D608B24-7B45-4E82-8ABC-A53164E511E9}" dt="2025-12-09T01:16:43.041" v="11" actId="26606"/>
-          <ac:spMkLst>
-            <pc:docMk/>
-            <pc:sldMk cId="0" sldId="258"/>
-            <ac:spMk id="10" creationId="{E51BA4DF-2BD4-4EC2-B1DB-B27C8AC71864}"/>
-          </ac:spMkLst>
-        </pc:spChg>
-        <pc:spChg chg="add">
-          <ac:chgData name="Joel W." userId="f8708d816c227c3c" providerId="LiveId" clId="{1D608B24-7B45-4E82-8ABC-A53164E511E9}" dt="2025-12-09T01:17:09.714" v="18" actId="26606"/>
-          <ac:spMkLst>
-            <pc:docMk/>
-            <pc:sldMk cId="0" sldId="258"/>
-            <ac:spMk id="11" creationId="{F13BE4D7-0C3D-4906-B230-A1C5B4665CCF}"/>
-          </ac:spMkLst>
-        </pc:spChg>
-        <pc:spChg chg="add">
-          <ac:chgData name="Joel W." userId="f8708d816c227c3c" providerId="LiveId" clId="{1D608B24-7B45-4E82-8ABC-A53164E511E9}" dt="2025-12-09T01:17:09.714" v="18" actId="26606"/>
-          <ac:spMkLst>
-            <pc:docMk/>
-            <pc:sldMk cId="0" sldId="258"/>
-            <ac:spMk id="12" creationId="{AE2B703B-46F9-481A-A605-82E2A828C4FA}"/>
-          </ac:spMkLst>
-        </pc:spChg>
-        <pc:spChg chg="add del">
-          <ac:chgData name="Joel W." userId="f8708d816c227c3c" providerId="LiveId" clId="{1D608B24-7B45-4E82-8ABC-A53164E511E9}" dt="2025-12-09T01:16:40.919" v="9" actId="26606"/>
-          <ac:spMkLst>
-            <pc:docMk/>
-            <pc:sldMk cId="0" sldId="258"/>
-            <ac:spMk id="15" creationId="{B50AB553-2A96-4A92-96F2-93548E096954}"/>
-          </ac:spMkLst>
-        </pc:spChg>
-        <pc:graphicFrameChg chg="add del mod modGraphic">
-          <ac:chgData name="Joel W." userId="f8708d816c227c3c" providerId="LiveId" clId="{1D608B24-7B45-4E82-8ABC-A53164E511E9}" dt="2025-12-09T01:16:43.041" v="11" actId="26606"/>
-          <ac:graphicFrameMkLst>
-            <pc:docMk/>
-            <pc:sldMk cId="0" sldId="258"/>
-            <ac:graphicFrameMk id="5" creationId="{85A0A663-DBB0-1DE8-1D9C-51E83C948923}"/>
-          </ac:graphicFrameMkLst>
-        </pc:graphicFrameChg>
-        <pc:graphicFrameChg chg="add del">
-          <ac:chgData name="Joel W." userId="f8708d816c227c3c" providerId="LiveId" clId="{1D608B24-7B45-4E82-8ABC-A53164E511E9}" dt="2025-12-09T01:17:09.695" v="17" actId="26606"/>
-          <ac:graphicFrameMkLst>
-            <pc:docMk/>
-            <pc:sldMk cId="0" sldId="258"/>
-            <ac:graphicFrameMk id="9" creationId="{0F72C490-5ED3-860A-B146-1DE04406E222}"/>
-          </ac:graphicFrameMkLst>
-        </pc:graphicFrameChg>
-        <pc:graphicFrameChg chg="add">
-          <ac:chgData name="Joel W." userId="f8708d816c227c3c" providerId="LiveId" clId="{1D608B24-7B45-4E82-8ABC-A53164E511E9}" dt="2025-12-09T01:17:09.714" v="18" actId="26606"/>
-          <ac:graphicFrameMkLst>
-            <pc:docMk/>
-            <pc:sldMk cId="0" sldId="258"/>
-            <ac:graphicFrameMk id="13" creationId="{7123F556-5EBF-E4F9-0746-32AB5946093F}"/>
-          </ac:graphicFrameMkLst>
-        </pc:graphicFrameChg>
-        <pc:picChg chg="add del mod">
-          <ac:chgData name="Joel W." userId="f8708d816c227c3c" providerId="LiveId" clId="{1D608B24-7B45-4E82-8ABC-A53164E511E9}" dt="2025-12-09T01:16:43.041" v="11" actId="26606"/>
-          <ac:picMkLst>
-            <pc:docMk/>
-            <pc:sldMk cId="0" sldId="258"/>
-            <ac:picMk id="6" creationId="{D4CD5B0A-84FD-7A77-AA97-B79198F1F34F}"/>
-          </ac:picMkLst>
-        </pc:picChg>
-        <pc:picChg chg="add del">
-          <ac:chgData name="Joel W." userId="f8708d816c227c3c" providerId="LiveId" clId="{1D608B24-7B45-4E82-8ABC-A53164E511E9}" dt="2025-12-09T01:17:09.695" v="17" actId="26606"/>
-          <ac:picMkLst>
-            <pc:docMk/>
-            <pc:sldMk cId="0" sldId="258"/>
-            <ac:picMk id="8" creationId="{584034E0-960D-C25E-EF95-284AD8AD7F1C}"/>
-          </ac:picMkLst>
-        </pc:picChg>
-      </pc:sldChg>
-      <pc:sldChg chg="addSp delSp modSp del mod setBg">
-        <pc:chgData name="Joel W." userId="f8708d816c227c3c" providerId="LiveId" clId="{1D608B24-7B45-4E82-8ABC-A53164E511E9}" dt="2025-12-09T01:16:55.594" v="15" actId="47"/>
-        <pc:sldMkLst>
-          <pc:docMk/>
-          <pc:sldMk cId="0" sldId="259"/>
-        </pc:sldMkLst>
-        <pc:spChg chg="mod">
-          <ac:chgData name="Joel W." userId="f8708d816c227c3c" providerId="LiveId" clId="{1D608B24-7B45-4E82-8ABC-A53164E511E9}" dt="2025-12-09T01:16:42.232" v="10" actId="26606"/>
-          <ac:spMkLst>
-            <pc:docMk/>
-            <pc:sldMk cId="0" sldId="259"/>
-            <ac:spMk id="2" creationId="{00000000-0000-0000-0000-000000000000}"/>
-          </ac:spMkLst>
-        </pc:spChg>
-        <pc:spChg chg="add del">
-          <ac:chgData name="Joel W." userId="f8708d816c227c3c" providerId="LiveId" clId="{1D608B24-7B45-4E82-8ABC-A53164E511E9}" dt="2025-12-09T01:16:42.232" v="10" actId="26606"/>
-          <ac:spMkLst>
-            <pc:docMk/>
-            <pc:sldMk cId="0" sldId="259"/>
-            <ac:spMk id="3" creationId="{00000000-0000-0000-0000-000000000000}"/>
-          </ac:spMkLst>
-        </pc:spChg>
-        <pc:spChg chg="add del">
-          <ac:chgData name="Joel W." userId="f8708d816c227c3c" providerId="LiveId" clId="{1D608B24-7B45-4E82-8ABC-A53164E511E9}" dt="2025-12-09T01:16:42.232" v="10" actId="26606"/>
-          <ac:spMkLst>
-            <pc:docMk/>
-            <pc:sldMk cId="0" sldId="259"/>
-            <ac:spMk id="9" creationId="{AE2B703B-46F9-481A-A605-82E2A828C4FA}"/>
-          </ac:spMkLst>
-        </pc:spChg>
-        <pc:spChg chg="add del">
-          <ac:chgData name="Joel W." userId="f8708d816c227c3c" providerId="LiveId" clId="{1D608B24-7B45-4E82-8ABC-A53164E511E9}" dt="2025-12-09T01:16:42.232" v="10" actId="26606"/>
-          <ac:spMkLst>
-            <pc:docMk/>
-            <pc:sldMk cId="0" sldId="259"/>
-            <ac:spMk id="11" creationId="{F13BE4D7-0C3D-4906-B230-A1C5B4665CCF}"/>
-          </ac:spMkLst>
-        </pc:spChg>
-        <pc:graphicFrameChg chg="add del">
-          <ac:chgData name="Joel W." userId="f8708d816c227c3c" providerId="LiveId" clId="{1D608B24-7B45-4E82-8ABC-A53164E511E9}" dt="2025-12-09T01:16:42.232" v="10" actId="26606"/>
-          <ac:graphicFrameMkLst>
-            <pc:docMk/>
-            <pc:sldMk cId="0" sldId="259"/>
-            <ac:graphicFrameMk id="5" creationId="{91100152-E3B8-A1D6-12DB-026B7E4A53B1}"/>
-          </ac:graphicFrameMkLst>
-        </pc:graphicFrameChg>
-      </pc:sldChg>
-      <pc:sldChg chg="addSp delSp modSp mod setBg">
-        <pc:chgData name="Joel W." userId="f8708d816c227c3c" providerId="LiveId" clId="{1D608B24-7B45-4E82-8ABC-A53164E511E9}" dt="2025-12-09T01:17:59.473" v="27" actId="26606"/>
-        <pc:sldMkLst>
-          <pc:docMk/>
-          <pc:sldMk cId="0" sldId="260"/>
-        </pc:sldMkLst>
-        <pc:spChg chg="mod">
-          <ac:chgData name="Joel W." userId="f8708d816c227c3c" providerId="LiveId" clId="{1D608B24-7B45-4E82-8ABC-A53164E511E9}" dt="2025-12-09T01:17:59.473" v="27" actId="26606"/>
-          <ac:spMkLst>
-            <pc:docMk/>
-            <pc:sldMk cId="0" sldId="260"/>
-            <ac:spMk id="2" creationId="{00000000-0000-0000-0000-000000000000}"/>
-          </ac:spMkLst>
-        </pc:spChg>
-        <pc:spChg chg="add del mod">
-          <ac:chgData name="Joel W." userId="f8708d816c227c3c" providerId="LiveId" clId="{1D608B24-7B45-4E82-8ABC-A53164E511E9}" dt="2025-12-09T01:17:59.473" v="27" actId="26606"/>
-          <ac:spMkLst>
-            <pc:docMk/>
-            <pc:sldMk cId="0" sldId="260"/>
-            <ac:spMk id="3" creationId="{00000000-0000-0000-0000-000000000000}"/>
-          </ac:spMkLst>
-        </pc:spChg>
-        <pc:spChg chg="add del">
-          <ac:chgData name="Joel W." userId="f8708d816c227c3c" providerId="LiveId" clId="{1D608B24-7B45-4E82-8ABC-A53164E511E9}" dt="2025-12-09T01:17:34.605" v="20" actId="26606"/>
-          <ac:spMkLst>
-            <pc:docMk/>
-            <pc:sldMk cId="0" sldId="260"/>
-            <ac:spMk id="9" creationId="{5C8908E2-EE49-44D2-9428-A28D2312A8D5}"/>
-          </ac:spMkLst>
-        </pc:spChg>
-        <pc:spChg chg="add">
-          <ac:chgData name="Joel W." userId="f8708d816c227c3c" providerId="LiveId" clId="{1D608B24-7B45-4E82-8ABC-A53164E511E9}" dt="2025-12-09T01:17:59.473" v="27" actId="26606"/>
-          <ac:spMkLst>
-            <pc:docMk/>
-            <pc:sldMk cId="0" sldId="260"/>
-            <ac:spMk id="10" creationId="{59A309A7-1751-4ABE-A3C1-EEC40366AD89}"/>
-          </ac:spMkLst>
-        </pc:spChg>
-        <pc:spChg chg="add">
-          <ac:chgData name="Joel W." userId="f8708d816c227c3c" providerId="LiveId" clId="{1D608B24-7B45-4E82-8ABC-A53164E511E9}" dt="2025-12-09T01:17:59.473" v="27" actId="26606"/>
-          <ac:spMkLst>
-            <pc:docMk/>
-            <pc:sldMk cId="0" sldId="260"/>
-            <ac:spMk id="12" creationId="{967D8EB6-EAE1-4F9C-B398-83321E287204}"/>
-          </ac:spMkLst>
-        </pc:spChg>
-        <pc:spChg chg="add del">
-          <ac:chgData name="Joel W." userId="f8708d816c227c3c" providerId="LiveId" clId="{1D608B24-7B45-4E82-8ABC-A53164E511E9}" dt="2025-12-09T01:17:34.605" v="20" actId="26606"/>
-          <ac:spMkLst>
-            <pc:docMk/>
-            <pc:sldMk cId="0" sldId="260"/>
-            <ac:spMk id="15" creationId="{7449A6C7-D15F-4AA5-BFA5-71A404B47016}"/>
-          </ac:spMkLst>
-        </pc:spChg>
-        <pc:spChg chg="add del">
-          <ac:chgData name="Joel W." userId="f8708d816c227c3c" providerId="LiveId" clId="{1D608B24-7B45-4E82-8ABC-A53164E511E9}" dt="2025-12-09T01:17:34.605" v="20" actId="26606"/>
-          <ac:spMkLst>
-            <pc:docMk/>
-            <pc:sldMk cId="0" sldId="260"/>
-            <ac:spMk id="17" creationId="{ED888B23-07FA-482A-96DF-47E31AF1A603}"/>
-          </ac:spMkLst>
-        </pc:spChg>
-        <pc:grpChg chg="add del">
-          <ac:chgData name="Joel W." userId="f8708d816c227c3c" providerId="LiveId" clId="{1D608B24-7B45-4E82-8ABC-A53164E511E9}" dt="2025-12-09T01:17:34.605" v="20" actId="26606"/>
-          <ac:grpSpMkLst>
-            <pc:docMk/>
-            <pc:sldMk cId="0" sldId="260"/>
-            <ac:grpSpMk id="11" creationId="{05314994-6337-4875-8CF5-652CAFE8342C}"/>
-          </ac:grpSpMkLst>
-        </pc:grpChg>
-        <pc:graphicFrameChg chg="add del">
-          <ac:chgData name="Joel W." userId="f8708d816c227c3c" providerId="LiveId" clId="{1D608B24-7B45-4E82-8ABC-A53164E511E9}" dt="2025-12-09T01:17:34.605" v="20" actId="26606"/>
-          <ac:graphicFrameMkLst>
-            <pc:docMk/>
-            <pc:sldMk cId="0" sldId="260"/>
-            <ac:graphicFrameMk id="5" creationId="{356D1397-2FEA-FC95-8D3B-E8C434137C89}"/>
-          </ac:graphicFrameMkLst>
-        </pc:graphicFrameChg>
-        <pc:picChg chg="add">
-          <ac:chgData name="Joel W." userId="f8708d816c227c3c" providerId="LiveId" clId="{1D608B24-7B45-4E82-8ABC-A53164E511E9}" dt="2025-12-09T01:17:59.473" v="27" actId="26606"/>
-          <ac:picMkLst>
-            <pc:docMk/>
-            <pc:sldMk cId="0" sldId="260"/>
-            <ac:picMk id="7" creationId="{4A28AE91-7439-AFB2-B8A0-80588CF324CE}"/>
-          </ac:picMkLst>
-        </pc:picChg>
-      </pc:sldChg>
-      <pc:sldChg chg="del">
-        <pc:chgData name="Joel W." userId="f8708d816c227c3c" providerId="LiveId" clId="{1D608B24-7B45-4E82-8ABC-A53164E511E9}" dt="2025-12-09T01:17:46.876" v="26" actId="47"/>
-        <pc:sldMkLst>
-          <pc:docMk/>
-          <pc:sldMk cId="0" sldId="261"/>
-        </pc:sldMkLst>
-      </pc:sldChg>
-      <pc:sldChg chg="addSp modSp mod setBg">
-        <pc:chgData name="Joel W." userId="f8708d816c227c3c" providerId="LiveId" clId="{1D608B24-7B45-4E82-8ABC-A53164E511E9}" dt="2025-12-09T01:18:19.329" v="31" actId="403"/>
-        <pc:sldMkLst>
-          <pc:docMk/>
-          <pc:sldMk cId="0" sldId="262"/>
-        </pc:sldMkLst>
-        <pc:spChg chg="mod">
-          <ac:chgData name="Joel W." userId="f8708d816c227c3c" providerId="LiveId" clId="{1D608B24-7B45-4E82-8ABC-A53164E511E9}" dt="2025-12-09T01:18:13.752" v="28" actId="26606"/>
-          <ac:spMkLst>
-            <pc:docMk/>
-            <pc:sldMk cId="0" sldId="262"/>
-            <ac:spMk id="2" creationId="{00000000-0000-0000-0000-000000000000}"/>
-          </ac:spMkLst>
-        </pc:spChg>
-        <pc:spChg chg="mod">
-          <ac:chgData name="Joel W." userId="f8708d816c227c3c" providerId="LiveId" clId="{1D608B24-7B45-4E82-8ABC-A53164E511E9}" dt="2025-12-09T01:18:19.329" v="31" actId="403"/>
-          <ac:spMkLst>
-            <pc:docMk/>
-            <pc:sldMk cId="0" sldId="262"/>
-            <ac:spMk id="3" creationId="{00000000-0000-0000-0000-000000000000}"/>
-          </ac:spMkLst>
-        </pc:spChg>
-        <pc:spChg chg="add">
-          <ac:chgData name="Joel W." userId="f8708d816c227c3c" providerId="LiveId" clId="{1D608B24-7B45-4E82-8ABC-A53164E511E9}" dt="2025-12-09T01:18:13.752" v="28" actId="26606"/>
-          <ac:spMkLst>
-            <pc:docMk/>
-            <pc:sldMk cId="0" sldId="262"/>
-            <ac:spMk id="8" creationId="{1C799903-48D5-4A31-A1A2-541072D9771E}"/>
-          </ac:spMkLst>
-        </pc:spChg>
-        <pc:spChg chg="add">
-          <ac:chgData name="Joel W." userId="f8708d816c227c3c" providerId="LiveId" clId="{1D608B24-7B45-4E82-8ABC-A53164E511E9}" dt="2025-12-09T01:18:13.752" v="28" actId="26606"/>
-          <ac:spMkLst>
-            <pc:docMk/>
-            <pc:sldMk cId="0" sldId="262"/>
-            <ac:spMk id="10" creationId="{8EFFF109-FC58-4FD3-BE05-9775A1310F55}"/>
-          </ac:spMkLst>
-        </pc:spChg>
-        <pc:spChg chg="add">
-          <ac:chgData name="Joel W." userId="f8708d816c227c3c" providerId="LiveId" clId="{1D608B24-7B45-4E82-8ABC-A53164E511E9}" dt="2025-12-09T01:18:13.752" v="28" actId="26606"/>
-          <ac:spMkLst>
-            <pc:docMk/>
-            <pc:sldMk cId="0" sldId="262"/>
-            <ac:spMk id="12" creationId="{E1B96AD6-92A9-4273-A62B-96A1C3E0BA95}"/>
-          </ac:spMkLst>
-        </pc:spChg>
-        <pc:spChg chg="add">
-          <ac:chgData name="Joel W." userId="f8708d816c227c3c" providerId="LiveId" clId="{1D608B24-7B45-4E82-8ABC-A53164E511E9}" dt="2025-12-09T01:18:13.752" v="28" actId="26606"/>
-          <ac:spMkLst>
-            <pc:docMk/>
-            <pc:sldMk cId="0" sldId="262"/>
-            <ac:spMk id="14" creationId="{463EEC44-1BA3-44ED-81FC-A644B04B2A44}"/>
-          </ac:spMkLst>
-        </pc:spChg>
-      </pc:sldChg>
-    </pc:docChg>
-  </pc:docChgLst>
-</pc:chgInfo>
 </file>
 
 <file path=ppt/comments/comment1.xml><?xml version="1.0" encoding="utf-8"?>
@@ -3546,7 +3119,7 @@
           <a:p>
             <a:fld id="{5BCAD085-E8A6-8845-BD4E-CB4CCA059FC4}" type="datetimeFigureOut">
               <a:rPr lang="en-US" smtClean="0"/>
-              <a:t>12/11/2025</a:t>
+              <a:t>12/15/2025</a:t>
             </a:fld>
             <a:endParaRPr lang="en-US"/>
           </a:p>
@@ -3714,7 +3287,7 @@
           <a:p>
             <a:fld id="{5BCAD085-E8A6-8845-BD4E-CB4CCA059FC4}" type="datetimeFigureOut">
               <a:rPr lang="en-US" smtClean="0"/>
-              <a:t>12/11/2025</a:t>
+              <a:t>12/15/2025</a:t>
             </a:fld>
             <a:endParaRPr lang="en-US"/>
           </a:p>
@@ -3892,7 +3465,7 @@
           <a:p>
             <a:fld id="{5BCAD085-E8A6-8845-BD4E-CB4CCA059FC4}" type="datetimeFigureOut">
               <a:rPr lang="en-US" smtClean="0"/>
-              <a:t>12/11/2025</a:t>
+              <a:t>12/15/2025</a:t>
             </a:fld>
             <a:endParaRPr lang="en-US"/>
           </a:p>
@@ -4060,7 +3633,7 @@
           <a:p>
             <a:fld id="{5BCAD085-E8A6-8845-BD4E-CB4CCA059FC4}" type="datetimeFigureOut">
               <a:rPr lang="en-US" smtClean="0"/>
-              <a:t>12/11/2025</a:t>
+              <a:t>12/15/2025</a:t>
             </a:fld>
             <a:endParaRPr lang="en-US"/>
           </a:p>
@@ -4305,7 +3878,7 @@
           <a:p>
             <a:fld id="{5BCAD085-E8A6-8845-BD4E-CB4CCA059FC4}" type="datetimeFigureOut">
               <a:rPr lang="en-US" smtClean="0"/>
-              <a:t>12/11/2025</a:t>
+              <a:t>12/15/2025</a:t>
             </a:fld>
             <a:endParaRPr lang="en-US"/>
           </a:p>
@@ -4590,7 +4163,7 @@
           <a:p>
             <a:fld id="{5BCAD085-E8A6-8845-BD4E-CB4CCA059FC4}" type="datetimeFigureOut">
               <a:rPr lang="en-US" smtClean="0"/>
-              <a:t>12/11/2025</a:t>
+              <a:t>12/15/2025</a:t>
             </a:fld>
             <a:endParaRPr lang="en-US"/>
           </a:p>
@@ -5009,7 +4582,7 @@
           <a:p>
             <a:fld id="{5BCAD085-E8A6-8845-BD4E-CB4CCA059FC4}" type="datetimeFigureOut">
               <a:rPr lang="en-US" smtClean="0"/>
-              <a:t>12/11/2025</a:t>
+              <a:t>12/15/2025</a:t>
             </a:fld>
             <a:endParaRPr lang="en-US"/>
           </a:p>
@@ -5126,7 +4699,7 @@
           <a:p>
             <a:fld id="{5BCAD085-E8A6-8845-BD4E-CB4CCA059FC4}" type="datetimeFigureOut">
               <a:rPr lang="en-US" smtClean="0"/>
-              <a:t>12/11/2025</a:t>
+              <a:t>12/15/2025</a:t>
             </a:fld>
             <a:endParaRPr lang="en-US"/>
           </a:p>
@@ -5221,7 +4794,7 @@
           <a:p>
             <a:fld id="{5BCAD085-E8A6-8845-BD4E-CB4CCA059FC4}" type="datetimeFigureOut">
               <a:rPr lang="en-US" smtClean="0"/>
-              <a:t>12/11/2025</a:t>
+              <a:t>12/15/2025</a:t>
             </a:fld>
             <a:endParaRPr lang="en-US"/>
           </a:p>
@@ -5496,7 +5069,7 @@
           <a:p>
             <a:fld id="{5BCAD085-E8A6-8845-BD4E-CB4CCA059FC4}" type="datetimeFigureOut">
               <a:rPr lang="en-US" smtClean="0"/>
-              <a:t>12/11/2025</a:t>
+              <a:t>12/15/2025</a:t>
             </a:fld>
             <a:endParaRPr lang="en-US"/>
           </a:p>
@@ -5748,7 +5321,7 @@
           <a:p>
             <a:fld id="{5BCAD085-E8A6-8845-BD4E-CB4CCA059FC4}" type="datetimeFigureOut">
               <a:rPr lang="en-US" smtClean="0"/>
-              <a:t>12/11/2025</a:t>
+              <a:t>12/15/2025</a:t>
             </a:fld>
             <a:endParaRPr lang="en-US"/>
           </a:p>
@@ -5959,7 +5532,7 @@
           <a:p>
             <a:fld id="{5BCAD085-E8A6-8845-BD4E-CB4CCA059FC4}" type="datetimeFigureOut">
               <a:rPr lang="en-US" smtClean="0"/>
-              <a:t>12/11/2025</a:t>
+              <a:t>12/15/2025</a:t>
             </a:fld>
             <a:endParaRPr lang="en-US"/>
           </a:p>
@@ -6851,1083 +6424,7 @@
 </p:sld>
 </file>
 
-<file path=ppt/slides/slide2.xml><?xml version="1.0" encoding="utf-8"?>
-<p:sld xmlns:a="http://schemas.openxmlformats.org/drawingml/2006/main" xmlns:r="http://schemas.openxmlformats.org/officeDocument/2006/relationships" xmlns:p="http://schemas.openxmlformats.org/presentationml/2006/main">
-  <p:cSld>
-    <p:bg>
-      <p:bgPr>
-        <a:solidFill>
-          <a:schemeClr val="bg1"/>
-        </a:solidFill>
-        <a:effectLst/>
-      </p:bgPr>
-    </p:bg>
-    <p:spTree>
-      <p:nvGrpSpPr>
-        <p:cNvPr id="1" name=""/>
-        <p:cNvGrpSpPr/>
-        <p:nvPr/>
-      </p:nvGrpSpPr>
-      <p:grpSpPr>
-        <a:xfrm>
-          <a:off x="0" y="0"/>
-          <a:ext cx="0" cy="0"/>
-          <a:chOff x="0" y="0"/>
-          <a:chExt cx="0" cy="0"/>
-        </a:xfrm>
-      </p:grpSpPr>
-      <p:sp useBgFill="1">
-        <p:nvSpPr>
-          <p:cNvPr id="9" name="Slide Background">
-            <a:extLst>
-              <a:ext uri="{FF2B5EF4-FFF2-40B4-BE49-F238E27FC236}">
-                <a16:creationId xmlns:a16="http://schemas.microsoft.com/office/drawing/2014/main" id="{C0763A76-9F1C-4FC5-82B7-DD475DA461B2}"/>
-              </a:ext>
-              <a:ext uri="{C183D7F6-B498-43B3-948B-1728B52AA6E4}">
-                <adec:decorative xmlns:adec="http://schemas.microsoft.com/office/drawing/2017/decorative" val="1"/>
-              </a:ext>
-            </a:extLst>
-          </p:cNvPr>
-          <p:cNvSpPr>
-            <a:spLocks noGrp="1" noRot="1" noChangeAspect="1" noMove="1" noResize="1" noEditPoints="1" noAdjustHandles="1" noChangeArrowheads="1" noChangeShapeType="1" noTextEdit="1"/>
-          </p:cNvSpPr>
-          <p:nvPr>
-            <p:extLst>
-              <p:ext uri="{386F3935-93C4-4BCD-93E2-E3B085C9AB24}">
-                <p16:designElem xmlns:p16="http://schemas.microsoft.com/office/powerpoint/2015/main" val="1"/>
-              </p:ext>
-            </p:extLst>
-          </p:nvPr>
-        </p:nvSpPr>
-        <p:spPr bwMode="white">
-          <a:xfrm>
-            <a:off x="0" y="0"/>
-            <a:ext cx="9143998" cy="6858000"/>
-          </a:xfrm>
-          <a:prstGeom prst="rect">
-            <a:avLst/>
-          </a:prstGeom>
-          <a:ln>
-            <a:noFill/>
-          </a:ln>
-        </p:spPr>
-        <p:style>
-          <a:lnRef idx="2">
-            <a:schemeClr val="accent1">
-              <a:shade val="50000"/>
-            </a:schemeClr>
-          </a:lnRef>
-          <a:fillRef idx="1">
-            <a:schemeClr val="accent1"/>
-          </a:fillRef>
-          <a:effectRef idx="0">
-            <a:schemeClr val="accent1"/>
-          </a:effectRef>
-          <a:fontRef idx="minor">
-            <a:schemeClr val="lt1"/>
-          </a:fontRef>
-        </p:style>
-        <p:txBody>
-          <a:bodyPr rtlCol="0" anchor="ctr"/>
-          <a:lstStyle>
-            <a:defPPr>
-              <a:defRPr lang="en-US"/>
-            </a:defPPr>
-            <a:lvl1pPr marL="0" algn="l" defTabSz="914400" rtl="0" eaLnBrk="1" latinLnBrk="0" hangingPunct="1">
-              <a:defRPr sz="1800" kern="1200">
-                <a:solidFill>
-                  <a:schemeClr val="lt1"/>
-                </a:solidFill>
-                <a:latin typeface="+mn-lt"/>
-                <a:ea typeface="+mn-ea"/>
-                <a:cs typeface="+mn-cs"/>
-              </a:defRPr>
-            </a:lvl1pPr>
-            <a:lvl2pPr marL="457200" algn="l" defTabSz="914400" rtl="0" eaLnBrk="1" latinLnBrk="0" hangingPunct="1">
-              <a:defRPr sz="1800" kern="1200">
-                <a:solidFill>
-                  <a:schemeClr val="lt1"/>
-                </a:solidFill>
-                <a:latin typeface="+mn-lt"/>
-                <a:ea typeface="+mn-ea"/>
-                <a:cs typeface="+mn-cs"/>
-              </a:defRPr>
-            </a:lvl2pPr>
-            <a:lvl3pPr marL="914400" algn="l" defTabSz="914400" rtl="0" eaLnBrk="1" latinLnBrk="0" hangingPunct="1">
-              <a:defRPr sz="1800" kern="1200">
-                <a:solidFill>
-                  <a:schemeClr val="lt1"/>
-                </a:solidFill>
-                <a:latin typeface="+mn-lt"/>
-                <a:ea typeface="+mn-ea"/>
-                <a:cs typeface="+mn-cs"/>
-              </a:defRPr>
-            </a:lvl3pPr>
-            <a:lvl4pPr marL="1371600" algn="l" defTabSz="914400" rtl="0" eaLnBrk="1" latinLnBrk="0" hangingPunct="1">
-              <a:defRPr sz="1800" kern="1200">
-                <a:solidFill>
-                  <a:schemeClr val="lt1"/>
-                </a:solidFill>
-                <a:latin typeface="+mn-lt"/>
-                <a:ea typeface="+mn-ea"/>
-                <a:cs typeface="+mn-cs"/>
-              </a:defRPr>
-            </a:lvl4pPr>
-            <a:lvl5pPr marL="1828800" algn="l" defTabSz="914400" rtl="0" eaLnBrk="1" latinLnBrk="0" hangingPunct="1">
-              <a:defRPr sz="1800" kern="1200">
-                <a:solidFill>
-                  <a:schemeClr val="lt1"/>
-                </a:solidFill>
-                <a:latin typeface="+mn-lt"/>
-                <a:ea typeface="+mn-ea"/>
-                <a:cs typeface="+mn-cs"/>
-              </a:defRPr>
-            </a:lvl5pPr>
-            <a:lvl6pPr marL="2286000" algn="l" defTabSz="914400" rtl="0" eaLnBrk="1" latinLnBrk="0" hangingPunct="1">
-              <a:defRPr sz="1800" kern="1200">
-                <a:solidFill>
-                  <a:schemeClr val="lt1"/>
-                </a:solidFill>
-                <a:latin typeface="+mn-lt"/>
-                <a:ea typeface="+mn-ea"/>
-                <a:cs typeface="+mn-cs"/>
-              </a:defRPr>
-            </a:lvl6pPr>
-            <a:lvl7pPr marL="2743200" algn="l" defTabSz="914400" rtl="0" eaLnBrk="1" latinLnBrk="0" hangingPunct="1">
-              <a:defRPr sz="1800" kern="1200">
-                <a:solidFill>
-                  <a:schemeClr val="lt1"/>
-                </a:solidFill>
-                <a:latin typeface="+mn-lt"/>
-                <a:ea typeface="+mn-ea"/>
-                <a:cs typeface="+mn-cs"/>
-              </a:defRPr>
-            </a:lvl7pPr>
-            <a:lvl8pPr marL="3200400" algn="l" defTabSz="914400" rtl="0" eaLnBrk="1" latinLnBrk="0" hangingPunct="1">
-              <a:defRPr sz="1800" kern="1200">
-                <a:solidFill>
-                  <a:schemeClr val="lt1"/>
-                </a:solidFill>
-                <a:latin typeface="+mn-lt"/>
-                <a:ea typeface="+mn-ea"/>
-                <a:cs typeface="+mn-cs"/>
-              </a:defRPr>
-            </a:lvl8pPr>
-            <a:lvl9pPr marL="3657600" algn="l" defTabSz="914400" rtl="0" eaLnBrk="1" latinLnBrk="0" hangingPunct="1">
-              <a:defRPr sz="1800" kern="1200">
-                <a:solidFill>
-                  <a:schemeClr val="lt1"/>
-                </a:solidFill>
-                <a:latin typeface="+mn-lt"/>
-                <a:ea typeface="+mn-ea"/>
-                <a:cs typeface="+mn-cs"/>
-              </a:defRPr>
-            </a:lvl9pPr>
-          </a:lstStyle>
-          <a:p>
-            <a:pPr algn="ctr"/>
-            <a:endParaRPr lang="en-US"/>
-          </a:p>
-        </p:txBody>
-      </p:sp>
-      <p:sp useBgFill="1">
-        <p:nvSpPr>
-          <p:cNvPr id="11" name="Rectangle 10">
-            <a:extLst>
-              <a:ext uri="{FF2B5EF4-FFF2-40B4-BE49-F238E27FC236}">
-                <a16:creationId xmlns:a16="http://schemas.microsoft.com/office/drawing/2014/main" id="{E81BF4F6-F2CF-4984-9D14-D6966D92F99F}"/>
-              </a:ext>
-              <a:ext uri="{C183D7F6-B498-43B3-948B-1728B52AA6E4}">
-                <adec:decorative xmlns:adec="http://schemas.microsoft.com/office/drawing/2017/decorative" val="1"/>
-              </a:ext>
-            </a:extLst>
-          </p:cNvPr>
-          <p:cNvSpPr>
-            <a:spLocks noGrp="1" noRot="1" noChangeAspect="1" noMove="1" noResize="1" noEditPoints="1" noAdjustHandles="1" noChangeArrowheads="1" noChangeShapeType="1" noTextEdit="1"/>
-          </p:cNvSpPr>
-          <p:nvPr>
-            <p:extLst>
-              <p:ext uri="{386F3935-93C4-4BCD-93E2-E3B085C9AB24}">
-                <p16:designElem xmlns:p16="http://schemas.microsoft.com/office/powerpoint/2015/main" val="1"/>
-              </p:ext>
-            </p:extLst>
-          </p:nvPr>
-        </p:nvSpPr>
-        <p:spPr>
-          <a:xfrm>
-            <a:off x="0" y="0"/>
-            <a:ext cx="6391835" cy="2285999"/>
-          </a:xfrm>
-          <a:prstGeom prst="rect">
-            <a:avLst/>
-          </a:prstGeom>
-          <a:ln>
-            <a:noFill/>
-          </a:ln>
-          <a:effectLst>
-            <a:outerShdw blurRad="596900" dist="304800" dir="7140000" sx="90000" sy="90000" algn="t" rotWithShape="0">
-              <a:srgbClr val="000000">
-                <a:alpha val="15000"/>
-              </a:srgbClr>
-            </a:outerShdw>
-          </a:effectLst>
-        </p:spPr>
-        <p:style>
-          <a:lnRef idx="2">
-            <a:schemeClr val="accent1">
-              <a:shade val="50000"/>
-            </a:schemeClr>
-          </a:lnRef>
-          <a:fillRef idx="1">
-            <a:schemeClr val="accent1"/>
-          </a:fillRef>
-          <a:effectRef idx="0">
-            <a:schemeClr val="accent1"/>
-          </a:effectRef>
-          <a:fontRef idx="minor">
-            <a:schemeClr val="lt1"/>
-          </a:fontRef>
-        </p:style>
-        <p:txBody>
-          <a:bodyPr rtlCol="0" anchor="ctr"/>
-          <a:lstStyle/>
-          <a:p>
-            <a:pPr algn="ctr"/>
-            <a:endParaRPr lang="en-US"/>
-          </a:p>
-        </p:txBody>
-      </p:sp>
-      <p:sp>
-        <p:nvSpPr>
-          <p:cNvPr id="2" name="Title 1"/>
-          <p:cNvSpPr>
-            <a:spLocks noGrp="1"/>
-          </p:cNvSpPr>
-          <p:nvPr>
-            <p:ph type="title"/>
-          </p:nvPr>
-        </p:nvSpPr>
-        <p:spPr>
-          <a:xfrm>
-            <a:off x="571352" y="350196"/>
-            <a:ext cx="3485178" cy="1624520"/>
-          </a:xfrm>
-        </p:spPr>
-        <p:txBody>
-          <a:bodyPr anchor="ctr">
-            <a:normAutofit/>
-          </a:bodyPr>
-          <a:lstStyle/>
-          <a:p>
-            <a:r>
-              <a:rPr lang="en-US" sz="3500"/>
-              <a:t>Overview</a:t>
-            </a:r>
-          </a:p>
-        </p:txBody>
-      </p:sp>
-      <p:sp>
-        <p:nvSpPr>
-          <p:cNvPr id="3" name="Content Placeholder 2"/>
-          <p:cNvSpPr>
-            <a:spLocks noGrp="1"/>
-          </p:cNvSpPr>
-          <p:nvPr>
-            <p:ph idx="1"/>
-          </p:nvPr>
-        </p:nvSpPr>
-        <p:spPr>
-          <a:xfrm>
-            <a:off x="571351" y="2743200"/>
-            <a:ext cx="3485179" cy="3613149"/>
-          </a:xfrm>
-        </p:spPr>
-        <p:txBody>
-          <a:bodyPr anchor="ctr">
-            <a:normAutofit/>
-          </a:bodyPr>
-          <a:lstStyle/>
-          <a:p>
-            <a:r>
-              <a:rPr lang="en-US" sz="1700"/>
-              <a:t>This presentation summarizes the strengths and improvement areas of the baseball video detection pipeline, which uses Faster R‑CNN for detecting moving vs. non‑moving objects in baseball footage.</a:t>
-            </a:r>
-          </a:p>
-        </p:txBody>
-      </p:sp>
-      <p:pic>
-        <p:nvPicPr>
-          <p:cNvPr id="5" name="Picture 4" descr="Baseball on home plate">
-            <a:extLst>
-              <a:ext uri="{FF2B5EF4-FFF2-40B4-BE49-F238E27FC236}">
-                <a16:creationId xmlns:a16="http://schemas.microsoft.com/office/drawing/2014/main" id="{AE906434-1EE2-040D-8EF0-8B76C64B1254}"/>
-              </a:ext>
-            </a:extLst>
-          </p:cNvPr>
-          <p:cNvPicPr>
-            <a:picLocks noChangeAspect="1"/>
-          </p:cNvPicPr>
-          <p:nvPr/>
-        </p:nvPicPr>
-        <p:blipFill>
-          <a:blip r:embed="rId2"/>
-          <a:srcRect l="23363" r="24413" b="2"/>
-          <a:stretch>
-            <a:fillRect/>
-          </a:stretch>
-        </p:blipFill>
-        <p:spPr>
-          <a:xfrm>
-            <a:off x="4572000" y="1"/>
-            <a:ext cx="4577118" cy="6858000"/>
-          </a:xfrm>
-          <a:prstGeom prst="rect">
-            <a:avLst/>
-          </a:prstGeom>
-        </p:spPr>
-      </p:pic>
-    </p:spTree>
-  </p:cSld>
-  <p:clrMapOvr>
-    <a:masterClrMapping/>
-  </p:clrMapOvr>
-</p:sld>
-</file>
-
-<file path=ppt/slides/slide3.xml><?xml version="1.0" encoding="utf-8"?>
-<p:sld xmlns:a="http://schemas.openxmlformats.org/drawingml/2006/main" xmlns:r="http://schemas.openxmlformats.org/officeDocument/2006/relationships" xmlns:p="http://schemas.openxmlformats.org/presentationml/2006/main">
-  <p:cSld>
-    <p:spTree>
-      <p:nvGrpSpPr>
-        <p:cNvPr id="1" name=""/>
-        <p:cNvGrpSpPr/>
-        <p:nvPr/>
-      </p:nvGrpSpPr>
-      <p:grpSpPr>
-        <a:xfrm>
-          <a:off x="0" y="0"/>
-          <a:ext cx="0" cy="0"/>
-          <a:chOff x="0" y="0"/>
-          <a:chExt cx="0" cy="0"/>
-        </a:xfrm>
-      </p:grpSpPr>
-      <p:sp>
-        <p:nvSpPr>
-          <p:cNvPr id="2" name="Title 1">
-            <a:extLst>
-              <a:ext uri="{FF2B5EF4-FFF2-40B4-BE49-F238E27FC236}">
-                <a16:creationId xmlns:a16="http://schemas.microsoft.com/office/drawing/2014/main" id="{090449B5-398D-4080-B733-D1C079C9340E}"/>
-              </a:ext>
-            </a:extLst>
-          </p:cNvPr>
-          <p:cNvSpPr>
-            <a:spLocks noGrp="1"/>
-          </p:cNvSpPr>
-          <p:nvPr>
-            <p:ph type="title"/>
-          </p:nvPr>
-        </p:nvSpPr>
-        <p:spPr/>
-        <p:txBody>
-          <a:bodyPr/>
-          <a:lstStyle/>
-          <a:p>
-            <a:r>
-              <a:rPr lang="en-US" dirty="0"/>
-              <a:t>Model Architecture</a:t>
-            </a:r>
-          </a:p>
-        </p:txBody>
-      </p:sp>
-      <p:sp>
-        <p:nvSpPr>
-          <p:cNvPr id="3" name="Content Placeholder 2">
-            <a:extLst>
-              <a:ext uri="{FF2B5EF4-FFF2-40B4-BE49-F238E27FC236}">
-                <a16:creationId xmlns:a16="http://schemas.microsoft.com/office/drawing/2014/main" id="{E9E74E73-B057-47BB-B693-E20D2F4BDFE3}"/>
-              </a:ext>
-            </a:extLst>
-          </p:cNvPr>
-          <p:cNvSpPr>
-            <a:spLocks noGrp="1"/>
-          </p:cNvSpPr>
-          <p:nvPr>
-            <p:ph idx="1"/>
-          </p:nvPr>
-        </p:nvSpPr>
-        <p:spPr/>
-        <p:txBody>
-          <a:bodyPr/>
-          <a:lstStyle/>
-          <a:p>
-            <a:r>
-              <a:rPr lang="en-US" sz="2400" dirty="0"/>
-              <a:t>ResNet-50 is a deep Convolutional Neural Network created by Microsoft in 2015</a:t>
-            </a:r>
-          </a:p>
-          <a:p>
-            <a:r>
-              <a:rPr lang="en-US" sz="2400" dirty="0"/>
-              <a:t>Uses residual connections to learn residual functions that map the input and desired output</a:t>
-            </a:r>
-          </a:p>
-          <a:p>
-            <a:endParaRPr lang="en-US" dirty="0"/>
-          </a:p>
-          <a:p>
-            <a:endParaRPr lang="en-US" dirty="0"/>
-          </a:p>
-        </p:txBody>
-      </p:sp>
-      <p:pic>
-        <p:nvPicPr>
-          <p:cNvPr id="1026" name="Picture 2">
-            <a:extLst>
-              <a:ext uri="{FF2B5EF4-FFF2-40B4-BE49-F238E27FC236}">
-                <a16:creationId xmlns:a16="http://schemas.microsoft.com/office/drawing/2014/main" id="{5A84D8AF-AFF0-4F7A-9893-1D2D4DC4E51C}"/>
-              </a:ext>
-            </a:extLst>
-          </p:cNvPr>
-          <p:cNvPicPr>
-            <a:picLocks noChangeAspect="1" noChangeArrowheads="1"/>
-          </p:cNvPicPr>
-          <p:nvPr/>
-        </p:nvPicPr>
-        <p:blipFill>
-          <a:blip r:embed="rId2">
-            <a:extLst>
-              <a:ext uri="{28A0092B-C50C-407E-A947-70E740481C1C}">
-                <a14:useLocalDpi xmlns:a14="http://schemas.microsoft.com/office/drawing/2010/main" val="0"/>
-              </a:ext>
-            </a:extLst>
-          </a:blip>
-          <a:srcRect/>
-          <a:stretch>
-            <a:fillRect/>
-          </a:stretch>
-        </p:blipFill>
-        <p:spPr bwMode="auto">
-          <a:xfrm>
-            <a:off x="1238250" y="4430712"/>
-            <a:ext cx="6667500" cy="2152650"/>
-          </a:xfrm>
-          <a:prstGeom prst="rect">
-            <a:avLst/>
-          </a:prstGeom>
-          <a:noFill/>
-          <a:extLst>
-            <a:ext uri="{909E8E84-426E-40DD-AFC4-6F175D3DCCD1}">
-              <a14:hiddenFill xmlns:a14="http://schemas.microsoft.com/office/drawing/2010/main">
-                <a:solidFill>
-                  <a:srgbClr val="FFFFFF"/>
-                </a:solidFill>
-              </a14:hiddenFill>
-            </a:ext>
-          </a:extLst>
-        </p:spPr>
-      </p:pic>
-      <p:sp>
-        <p:nvSpPr>
-          <p:cNvPr id="4" name="TextBox 3">
-            <a:extLst>
-              <a:ext uri="{FF2B5EF4-FFF2-40B4-BE49-F238E27FC236}">
-                <a16:creationId xmlns:a16="http://schemas.microsoft.com/office/drawing/2014/main" id="{6933015C-9EA6-4083-AB69-64F93983C1FD}"/>
-              </a:ext>
-            </a:extLst>
-          </p:cNvPr>
-          <p:cNvSpPr txBox="1"/>
-          <p:nvPr/>
-        </p:nvSpPr>
-        <p:spPr>
-          <a:xfrm>
-            <a:off x="297180" y="6423660"/>
-            <a:ext cx="1771650" cy="369332"/>
-          </a:xfrm>
-          <a:prstGeom prst="rect">
-            <a:avLst/>
-          </a:prstGeom>
-          <a:noFill/>
-        </p:spPr>
-        <p:txBody>
-          <a:bodyPr wrap="square" rtlCol="0">
-            <a:spAutoFit/>
-          </a:bodyPr>
-          <a:lstStyle/>
-          <a:p>
-            <a:r>
-              <a:rPr lang="en-US" dirty="0"/>
-              <a:t>(Kundu, 2023)</a:t>
-            </a:r>
-          </a:p>
-        </p:txBody>
-      </p:sp>
-    </p:spTree>
-    <p:extLst>
-      <p:ext uri="{BB962C8B-B14F-4D97-AF65-F5344CB8AC3E}">
-        <p14:creationId xmlns:p14="http://schemas.microsoft.com/office/powerpoint/2010/main" val="2599022161"/>
-      </p:ext>
-    </p:extLst>
-  </p:cSld>
-  <p:clrMapOvr>
-    <a:masterClrMapping/>
-  </p:clrMapOvr>
-</p:sld>
-</file>
-
-<file path=ppt/slides/slide4.xml><?xml version="1.0" encoding="utf-8"?>
-<p:sld xmlns:a="http://schemas.openxmlformats.org/drawingml/2006/main" xmlns:r="http://schemas.openxmlformats.org/officeDocument/2006/relationships" xmlns:p="http://schemas.openxmlformats.org/presentationml/2006/main">
-  <p:cSld>
-    <p:bg>
-      <p:bgPr>
-        <a:solidFill>
-          <a:schemeClr val="bg1"/>
-        </a:solidFill>
-        <a:effectLst/>
-      </p:bgPr>
-    </p:bg>
-    <p:spTree>
-      <p:nvGrpSpPr>
-        <p:cNvPr id="1" name=""/>
-        <p:cNvGrpSpPr/>
-        <p:nvPr/>
-      </p:nvGrpSpPr>
-      <p:grpSpPr>
-        <a:xfrm>
-          <a:off x="0" y="0"/>
-          <a:ext cx="0" cy="0"/>
-          <a:chOff x="0" y="0"/>
-          <a:chExt cx="0" cy="0"/>
-        </a:xfrm>
-      </p:grpSpPr>
-      <p:sp>
-        <p:nvSpPr>
-          <p:cNvPr id="12" name="Rectangle 11">
-            <a:extLst>
-              <a:ext uri="{FF2B5EF4-FFF2-40B4-BE49-F238E27FC236}">
-                <a16:creationId xmlns:a16="http://schemas.microsoft.com/office/drawing/2014/main" id="{AE2B703B-46F9-481A-A605-82E2A828C4FA}"/>
-              </a:ext>
-              <a:ext uri="{C183D7F6-B498-43B3-948B-1728B52AA6E4}">
-                <adec:decorative xmlns:adec="http://schemas.microsoft.com/office/drawing/2017/decorative" val="1"/>
-              </a:ext>
-            </a:extLst>
-          </p:cNvPr>
-          <p:cNvSpPr>
-            <a:spLocks noGrp="1" noRot="1" noChangeAspect="1" noMove="1" noResize="1" noEditPoints="1" noAdjustHandles="1" noChangeArrowheads="1" noChangeShapeType="1" noTextEdit="1"/>
-          </p:cNvSpPr>
-          <p:nvPr>
-            <p:extLst>
-              <p:ext uri="{386F3935-93C4-4BCD-93E2-E3B085C9AB24}">
-                <p16:designElem xmlns:p16="http://schemas.microsoft.com/office/powerpoint/2015/main" val="1"/>
-              </p:ext>
-            </p:extLst>
-          </p:nvPr>
-        </p:nvSpPr>
-        <p:spPr>
-          <a:xfrm>
-            <a:off x="0" y="0"/>
-            <a:ext cx="9144000" cy="6858000"/>
-          </a:xfrm>
-          <a:prstGeom prst="rect">
-            <a:avLst/>
-          </a:prstGeom>
-          <a:solidFill>
-            <a:schemeClr val="accent2"/>
-          </a:solidFill>
-          <a:ln>
-            <a:noFill/>
-          </a:ln>
-        </p:spPr>
-        <p:style>
-          <a:lnRef idx="2">
-            <a:schemeClr val="accent1">
-              <a:shade val="50000"/>
-            </a:schemeClr>
-          </a:lnRef>
-          <a:fillRef idx="1">
-            <a:schemeClr val="accent1"/>
-          </a:fillRef>
-          <a:effectRef idx="0">
-            <a:schemeClr val="accent1"/>
-          </a:effectRef>
-          <a:fontRef idx="minor">
-            <a:schemeClr val="lt1"/>
-          </a:fontRef>
-        </p:style>
-        <p:txBody>
-          <a:bodyPr rtlCol="0" anchor="ctr"/>
-          <a:lstStyle/>
-          <a:p>
-            <a:pPr algn="ctr"/>
-            <a:endParaRPr lang="en-US"/>
-          </a:p>
-        </p:txBody>
-      </p:sp>
-      <p:sp>
-        <p:nvSpPr>
-          <p:cNvPr id="2" name="Title 1"/>
-          <p:cNvSpPr>
-            <a:spLocks noGrp="1"/>
-          </p:cNvSpPr>
-          <p:nvPr>
-            <p:ph type="title"/>
-          </p:nvPr>
-        </p:nvSpPr>
-        <p:spPr>
-          <a:xfrm>
-            <a:off x="628650" y="459863"/>
-            <a:ext cx="7886700" cy="1004594"/>
-          </a:xfrm>
-        </p:spPr>
-        <p:txBody>
-          <a:bodyPr>
-            <a:normAutofit/>
-          </a:bodyPr>
-          <a:lstStyle/>
-          <a:p>
-            <a:r>
-              <a:rPr lang="en-US">
-                <a:solidFill>
-                  <a:srgbClr val="FFFFFF"/>
-                </a:solidFill>
-              </a:rPr>
-              <a:t>Key Strengths of the Pipeline</a:t>
-            </a:r>
-          </a:p>
-        </p:txBody>
-      </p:sp>
-      <p:sp>
-        <p:nvSpPr>
-          <p:cNvPr id="11" name="Rectangle: Rounded Corners 10">
-            <a:extLst>
-              <a:ext uri="{FF2B5EF4-FFF2-40B4-BE49-F238E27FC236}">
-                <a16:creationId xmlns:a16="http://schemas.microsoft.com/office/drawing/2014/main" id="{F13BE4D7-0C3D-4906-B230-A1C5B4665CCF}"/>
-              </a:ext>
-              <a:ext uri="{C183D7F6-B498-43B3-948B-1728B52AA6E4}">
-                <adec:decorative xmlns:adec="http://schemas.microsoft.com/office/drawing/2017/decorative" val="1"/>
-              </a:ext>
-            </a:extLst>
-          </p:cNvPr>
-          <p:cNvSpPr>
-            <a:spLocks noGrp="1" noRot="1" noChangeAspect="1" noMove="1" noResize="1" noEditPoints="1" noAdjustHandles="1" noChangeArrowheads="1" noChangeShapeType="1" noTextEdit="1"/>
-          </p:cNvSpPr>
-          <p:nvPr>
-            <p:extLst>
-              <p:ext uri="{386F3935-93C4-4BCD-93E2-E3B085C9AB24}">
-                <p16:designElem xmlns:p16="http://schemas.microsoft.com/office/powerpoint/2015/main" val="1"/>
-              </p:ext>
-            </p:extLst>
-          </p:nvPr>
-        </p:nvSpPr>
-        <p:spPr>
-          <a:xfrm>
-            <a:off x="434622" y="1587970"/>
-            <a:ext cx="8274756" cy="4768380"/>
-          </a:xfrm>
-          <a:prstGeom prst="roundRect">
-            <a:avLst>
-              <a:gd name="adj" fmla="val 3174"/>
-            </a:avLst>
-          </a:prstGeom>
-          <a:solidFill>
-            <a:schemeClr val="bg1">
-              <a:alpha val="95000"/>
-            </a:schemeClr>
-          </a:solidFill>
-          <a:ln>
-            <a:noFill/>
-          </a:ln>
-        </p:spPr>
-        <p:style>
-          <a:lnRef idx="2">
-            <a:schemeClr val="accent1">
-              <a:shade val="50000"/>
-            </a:schemeClr>
-          </a:lnRef>
-          <a:fillRef idx="1">
-            <a:schemeClr val="accent1"/>
-          </a:fillRef>
-          <a:effectRef idx="0">
-            <a:schemeClr val="accent1"/>
-          </a:effectRef>
-          <a:fontRef idx="minor">
-            <a:schemeClr val="lt1"/>
-          </a:fontRef>
-        </p:style>
-        <p:txBody>
-          <a:bodyPr rtlCol="0" anchor="ctr"/>
-          <a:lstStyle/>
-          <a:p>
-            <a:pPr algn="ctr"/>
-            <a:endParaRPr lang="en-US"/>
-          </a:p>
-        </p:txBody>
-      </p:sp>
-      <p:graphicFrame>
-        <p:nvGraphicFramePr>
-          <p:cNvPr id="13" name="Content Placeholder 2">
-            <a:extLst>
-              <a:ext uri="{FF2B5EF4-FFF2-40B4-BE49-F238E27FC236}">
-                <a16:creationId xmlns:a16="http://schemas.microsoft.com/office/drawing/2014/main" id="{7123F556-5EBF-E4F9-0746-32AB5946093F}"/>
-              </a:ext>
-            </a:extLst>
-          </p:cNvPr>
-          <p:cNvGraphicFramePr>
-            <a:graphicFrameLocks noGrp="1"/>
-          </p:cNvGraphicFramePr>
-          <p:nvPr>
-            <p:ph idx="1"/>
-            <p:extLst>
-              <p:ext uri="{D42A27DB-BD31-4B8C-83A1-F6EECF244321}">
-                <p14:modId xmlns:p14="http://schemas.microsoft.com/office/powerpoint/2010/main" val="1720489260"/>
-              </p:ext>
-            </p:extLst>
-          </p:nvPr>
-        </p:nvGraphicFramePr>
-        <p:xfrm>
-          <a:off x="628650" y="1800911"/>
-          <a:ext cx="7886700" cy="4351338"/>
-        </p:xfrm>
-        <a:graphic>
-          <a:graphicData uri="http://schemas.openxmlformats.org/drawingml/2006/diagram">
-            <dgm:relIds xmlns:dgm="http://schemas.openxmlformats.org/drawingml/2006/diagram" xmlns:r="http://schemas.openxmlformats.org/officeDocument/2006/relationships" r:dm="rId2" r:lo="rId3" r:qs="rId4" r:cs="rId5"/>
-          </a:graphicData>
-        </a:graphic>
-      </p:graphicFrame>
-    </p:spTree>
-  </p:cSld>
-  <p:clrMapOvr>
-    <a:masterClrMapping/>
-  </p:clrMapOvr>
-</p:sld>
-</file>
-
-<file path=ppt/slides/slide5.xml><?xml version="1.0" encoding="utf-8"?>
-<p:sld xmlns:a="http://schemas.openxmlformats.org/drawingml/2006/main" xmlns:r="http://schemas.openxmlformats.org/officeDocument/2006/relationships" xmlns:p="http://schemas.openxmlformats.org/presentationml/2006/main">
-  <p:cSld>
-    <p:bg>
-      <p:bgPr>
-        <a:solidFill>
-          <a:schemeClr val="bg1"/>
-        </a:solidFill>
-        <a:effectLst/>
-      </p:bgPr>
-    </p:bg>
-    <p:spTree>
-      <p:nvGrpSpPr>
-        <p:cNvPr id="1" name=""/>
-        <p:cNvGrpSpPr/>
-        <p:nvPr/>
-      </p:nvGrpSpPr>
-      <p:grpSpPr>
-        <a:xfrm>
-          <a:off x="0" y="0"/>
-          <a:ext cx="0" cy="0"/>
-          <a:chOff x="0" y="0"/>
-          <a:chExt cx="0" cy="0"/>
-        </a:xfrm>
-      </p:grpSpPr>
-      <p:sp>
-        <p:nvSpPr>
-          <p:cNvPr id="2" name="Title 1"/>
-          <p:cNvSpPr>
-            <a:spLocks noGrp="1"/>
-          </p:cNvSpPr>
-          <p:nvPr>
-            <p:ph type="title"/>
-          </p:nvPr>
-        </p:nvSpPr>
-        <p:spPr>
-          <a:xfrm>
-            <a:off x="840699" y="687480"/>
-            <a:ext cx="5605629" cy="994172"/>
-          </a:xfrm>
-        </p:spPr>
-        <p:txBody>
-          <a:bodyPr>
-            <a:normAutofit/>
-          </a:bodyPr>
-          <a:lstStyle/>
-          <a:p>
-            <a:r>
-              <a:rPr lang="en-US" sz="3850"/>
-              <a:t>Areas for Improvement</a:t>
-            </a:r>
-          </a:p>
-        </p:txBody>
-      </p:sp>
-      <p:sp>
-        <p:nvSpPr>
-          <p:cNvPr id="3" name="Content Placeholder 2"/>
-          <p:cNvSpPr>
-            <a:spLocks noGrp="1"/>
-          </p:cNvSpPr>
-          <p:nvPr>
-            <p:ph idx="1"/>
-          </p:nvPr>
-        </p:nvSpPr>
-        <p:spPr>
-          <a:xfrm>
-            <a:off x="852321" y="2227943"/>
-            <a:ext cx="5033221" cy="3788227"/>
-          </a:xfrm>
-        </p:spPr>
-        <p:txBody>
-          <a:bodyPr anchor="ctr">
-            <a:normAutofit/>
-          </a:bodyPr>
-          <a:lstStyle/>
-          <a:p>
-            <a:pPr>
-              <a:lnSpc>
-                <a:spcPct val="90000"/>
-              </a:lnSpc>
-            </a:pPr>
-            <a:endParaRPr lang="en-US" sz="1800"/>
-          </a:p>
-          <a:p>
-            <a:pPr lvl="1">
-              <a:lnSpc>
-                <a:spcPct val="90000"/>
-              </a:lnSpc>
-            </a:pPr>
-            <a:r>
-              <a:rPr lang="en-US" sz="1800"/>
-              <a:t>Add data augmentation to improve generalization.</a:t>
-            </a:r>
-          </a:p>
-          <a:p>
-            <a:pPr lvl="1">
-              <a:lnSpc>
-                <a:spcPct val="90000"/>
-              </a:lnSpc>
-            </a:pPr>
-            <a:r>
-              <a:rPr lang="en-US" sz="1800"/>
-              <a:t>Strengthen frame–annotation alignment to prevent indexing drift.</a:t>
-            </a:r>
-          </a:p>
-          <a:p>
-            <a:pPr lvl="1">
-              <a:lnSpc>
-                <a:spcPct val="90000"/>
-              </a:lnSpc>
-            </a:pPr>
-            <a:r>
-              <a:rPr lang="en-US" sz="1800"/>
-              <a:t>Consider pretrained backbones to reduce training time.</a:t>
-            </a:r>
-          </a:p>
-          <a:p>
-            <a:pPr lvl="1">
-              <a:lnSpc>
-                <a:spcPct val="90000"/>
-              </a:lnSpc>
-            </a:pPr>
-            <a:r>
-              <a:rPr lang="en-US" sz="1800"/>
-              <a:t>Expand evaluation metrics beyond binary accuracy (add IoU, mAP, recall).</a:t>
-            </a:r>
-          </a:p>
-          <a:p>
-            <a:pPr lvl="1">
-              <a:lnSpc>
-                <a:spcPct val="90000"/>
-              </a:lnSpc>
-            </a:pPr>
-            <a:r>
-              <a:rPr lang="en-US" sz="1800"/>
-              <a:t>Improve memory efficiency for larger datasets.</a:t>
-            </a:r>
-          </a:p>
-          <a:p>
-            <a:pPr lvl="1">
-              <a:lnSpc>
-                <a:spcPct val="90000"/>
-              </a:lnSpc>
-            </a:pPr>
-            <a:r>
-              <a:rPr lang="en-US" sz="1800"/>
-              <a:t>Externalize hyperparameters into a configuration file.</a:t>
-            </a:r>
-          </a:p>
-        </p:txBody>
-      </p:sp>
-      <p:sp>
-        <p:nvSpPr>
-          <p:cNvPr id="10" name="Rectangle 9">
-            <a:extLst>
-              <a:ext uri="{FF2B5EF4-FFF2-40B4-BE49-F238E27FC236}">
-                <a16:creationId xmlns:a16="http://schemas.microsoft.com/office/drawing/2014/main" id="{59A309A7-1751-4ABE-A3C1-EEC40366AD89}"/>
-              </a:ext>
-              <a:ext uri="{C183D7F6-B498-43B3-948B-1728B52AA6E4}">
-                <adec:decorative xmlns:adec="http://schemas.microsoft.com/office/drawing/2017/decorative" val="1"/>
-              </a:ext>
-            </a:extLst>
-          </p:cNvPr>
-          <p:cNvSpPr>
-            <a:spLocks noGrp="1" noRot="1" noChangeAspect="1" noMove="1" noResize="1" noEditPoints="1" noAdjustHandles="1" noChangeArrowheads="1" noChangeShapeType="1" noTextEdit="1"/>
-          </p:cNvSpPr>
-          <p:nvPr>
-            <p:extLst>
-              <p:ext uri="{386F3935-93C4-4BCD-93E2-E3B085C9AB24}">
-                <p16:designElem xmlns:p16="http://schemas.microsoft.com/office/powerpoint/2015/main" val="1"/>
-              </p:ext>
-            </p:extLst>
-          </p:nvPr>
-        </p:nvSpPr>
-        <p:spPr>
-          <a:xfrm>
-            <a:off x="7189435" y="0"/>
-            <a:ext cx="1954565" cy="6858000"/>
-          </a:xfrm>
-          <a:prstGeom prst="rect">
-            <a:avLst/>
-          </a:prstGeom>
-          <a:solidFill>
-            <a:schemeClr val="accent1"/>
-          </a:solidFill>
-          <a:ln>
-            <a:noFill/>
-          </a:ln>
-        </p:spPr>
-        <p:style>
-          <a:lnRef idx="2">
-            <a:schemeClr val="accent1">
-              <a:shade val="50000"/>
-            </a:schemeClr>
-          </a:lnRef>
-          <a:fillRef idx="1">
-            <a:schemeClr val="accent1"/>
-          </a:fillRef>
-          <a:effectRef idx="0">
-            <a:schemeClr val="accent1"/>
-          </a:effectRef>
-          <a:fontRef idx="minor">
-            <a:schemeClr val="lt1"/>
-          </a:fontRef>
-        </p:style>
-        <p:txBody>
-          <a:bodyPr rtlCol="0" anchor="ctr"/>
-          <a:lstStyle/>
-          <a:p>
-            <a:pPr algn="ctr"/>
-            <a:endParaRPr lang="en-US" sz="1350"/>
-          </a:p>
-        </p:txBody>
-      </p:sp>
-      <p:sp>
-        <p:nvSpPr>
-          <p:cNvPr id="12" name="Oval 11">
-            <a:extLst>
-              <a:ext uri="{FF2B5EF4-FFF2-40B4-BE49-F238E27FC236}">
-                <a16:creationId xmlns:a16="http://schemas.microsoft.com/office/drawing/2014/main" id="{967D8EB6-EAE1-4F9C-B398-83321E287204}"/>
-              </a:ext>
-              <a:ext uri="{C183D7F6-B498-43B3-948B-1728B52AA6E4}">
-                <adec:decorative xmlns:adec="http://schemas.microsoft.com/office/drawing/2017/decorative" val="1"/>
-              </a:ext>
-            </a:extLst>
-          </p:cNvPr>
-          <p:cNvSpPr>
-            <a:spLocks noGrp="1" noRot="1" noChangeAspect="1" noMove="1" noResize="1" noEditPoints="1" noAdjustHandles="1" noChangeArrowheads="1" noChangeShapeType="1" noTextEdit="1"/>
-          </p:cNvSpPr>
-          <p:nvPr>
-            <p:extLst>
-              <p:ext uri="{386F3935-93C4-4BCD-93E2-E3B085C9AB24}">
-                <p16:designElem xmlns:p16="http://schemas.microsoft.com/office/powerpoint/2015/main" val="1"/>
-              </p:ext>
-            </p:extLst>
-          </p:nvPr>
-        </p:nvSpPr>
-        <p:spPr>
-          <a:xfrm>
-            <a:off x="6129567" y="2369132"/>
-            <a:ext cx="2119736" cy="2119736"/>
-          </a:xfrm>
-          <a:prstGeom prst="ellipse">
-            <a:avLst/>
-          </a:prstGeom>
-          <a:solidFill>
-            <a:srgbClr val="FFFFFF"/>
-          </a:solidFill>
-          <a:ln w="22225">
-            <a:solidFill>
-              <a:schemeClr val="accent1"/>
-            </a:solidFill>
-          </a:ln>
-        </p:spPr>
-        <p:style>
-          <a:lnRef idx="2">
-            <a:schemeClr val="accent1">
-              <a:shade val="50000"/>
-            </a:schemeClr>
-          </a:lnRef>
-          <a:fillRef idx="1">
-            <a:schemeClr val="accent1"/>
-          </a:fillRef>
-          <a:effectRef idx="0">
-            <a:schemeClr val="accent1"/>
-          </a:effectRef>
-          <a:fontRef idx="minor">
-            <a:schemeClr val="lt1"/>
-          </a:fontRef>
-        </p:style>
-        <p:txBody>
-          <a:bodyPr rtlCol="0" anchor="ctr"/>
-          <a:lstStyle/>
-          <a:p>
-            <a:pPr algn="ctr"/>
-            <a:endParaRPr lang="en-US" sz="1350"/>
-          </a:p>
-        </p:txBody>
-      </p:sp>
-      <p:pic>
-        <p:nvPicPr>
-          <p:cNvPr id="7" name="Graphic 6" descr="Bar chart">
-            <a:extLst>
-              <a:ext uri="{FF2B5EF4-FFF2-40B4-BE49-F238E27FC236}">
-                <a16:creationId xmlns:a16="http://schemas.microsoft.com/office/drawing/2014/main" id="{4A28AE91-7439-AFB2-B8A0-80588CF324CE}"/>
-              </a:ext>
-            </a:extLst>
-          </p:cNvPr>
-          <p:cNvPicPr>
-            <a:picLocks noChangeAspect="1"/>
-          </p:cNvPicPr>
-          <p:nvPr/>
-        </p:nvPicPr>
-        <p:blipFill>
-          <a:blip r:embed="rId2">
-            <a:extLst>
-              <a:ext uri="{28A0092B-C50C-407E-A947-70E740481C1C}">
-                <a14:useLocalDpi xmlns:a14="http://schemas.microsoft.com/office/drawing/2010/main" val="0"/>
-              </a:ext>
-              <a:ext uri="{96DAC541-7B7A-43D3-8B79-37D633B846F1}">
-                <asvg:svgBlip xmlns:asvg="http://schemas.microsoft.com/office/drawing/2016/SVG/main" r:embed="rId3"/>
-              </a:ext>
-            </a:extLst>
-          </a:blip>
-          <a:stretch>
-            <a:fillRect/>
-          </a:stretch>
-        </p:blipFill>
-        <p:spPr>
-          <a:xfrm>
-            <a:off x="6624964" y="2865141"/>
-            <a:ext cx="1143455" cy="1143455"/>
-          </a:xfrm>
-          <a:prstGeom prst="rect">
-            <a:avLst/>
-          </a:prstGeom>
-        </p:spPr>
-      </p:pic>
-    </p:spTree>
-  </p:cSld>
-  <p:clrMapOvr>
-    <a:masterClrMapping/>
-  </p:clrMapOvr>
-</p:sld>
-</file>
-
-<file path=ppt/slides/slide6.xml><?xml version="1.0" encoding="utf-8"?>
+<file path=ppt/slides/slide10.xml><?xml version="1.0" encoding="utf-8"?>
 <p:sld xmlns:a="http://schemas.openxmlformats.org/drawingml/2006/main" xmlns:r="http://schemas.openxmlformats.org/officeDocument/2006/relationships" xmlns:p="http://schemas.openxmlformats.org/presentationml/2006/main">
   <p:cSld>
     <p:bg>
@@ -8481,6 +6978,1367 @@
 </p:sld>
 </file>
 
+<file path=ppt/slides/slide11.xml><?xml version="1.0" encoding="utf-8"?>
+<p:sld xmlns:a="http://schemas.openxmlformats.org/drawingml/2006/main" xmlns:r="http://schemas.openxmlformats.org/officeDocument/2006/relationships" xmlns:p="http://schemas.openxmlformats.org/presentationml/2006/main">
+  <p:cSld>
+    <p:spTree>
+      <p:nvGrpSpPr>
+        <p:cNvPr id="1" name=""/>
+        <p:cNvGrpSpPr/>
+        <p:nvPr/>
+      </p:nvGrpSpPr>
+      <p:grpSpPr>
+        <a:xfrm>
+          <a:off x="0" y="0"/>
+          <a:ext cx="0" cy="0"/>
+          <a:chOff x="0" y="0"/>
+          <a:chExt cx="0" cy="0"/>
+        </a:xfrm>
+      </p:grpSpPr>
+      <p:sp>
+        <p:nvSpPr>
+          <p:cNvPr id="2" name="Title 1">
+            <a:extLst>
+              <a:ext uri="{FF2B5EF4-FFF2-40B4-BE49-F238E27FC236}">
+                <a16:creationId xmlns:a16="http://schemas.microsoft.com/office/drawing/2014/main" id="{CBDE88BA-37DB-4666-8639-5D2E8B534B81}"/>
+              </a:ext>
+            </a:extLst>
+          </p:cNvPr>
+          <p:cNvSpPr>
+            <a:spLocks noGrp="1"/>
+          </p:cNvSpPr>
+          <p:nvPr>
+            <p:ph type="title"/>
+          </p:nvPr>
+        </p:nvSpPr>
+        <p:spPr/>
+        <p:txBody>
+          <a:bodyPr/>
+          <a:lstStyle/>
+          <a:p>
+            <a:r>
+              <a:rPr lang="en-US" dirty="0"/>
+              <a:t>Works Cited</a:t>
+            </a:r>
+          </a:p>
+        </p:txBody>
+      </p:sp>
+      <p:sp>
+        <p:nvSpPr>
+          <p:cNvPr id="3" name="Content Placeholder 2">
+            <a:extLst>
+              <a:ext uri="{FF2B5EF4-FFF2-40B4-BE49-F238E27FC236}">
+                <a16:creationId xmlns:a16="http://schemas.microsoft.com/office/drawing/2014/main" id="{719C0494-104D-4F21-973C-E2187B0A6F05}"/>
+              </a:ext>
+            </a:extLst>
+          </p:cNvPr>
+          <p:cNvSpPr>
+            <a:spLocks noGrp="1"/>
+          </p:cNvSpPr>
+          <p:nvPr>
+            <p:ph idx="1"/>
+          </p:nvPr>
+        </p:nvSpPr>
+        <p:spPr/>
+        <p:txBody>
+          <a:bodyPr>
+            <a:normAutofit/>
+          </a:bodyPr>
+          <a:lstStyle/>
+          <a:p>
+            <a:pPr marL="0" indent="0">
+              <a:buNone/>
+            </a:pPr>
+            <a:r>
+              <a:rPr lang="en-US" sz="1400" dirty="0">
+                <a:effectLst/>
+              </a:rPr>
+              <a:t>Kundu, N. (2023, January 1). </a:t>
+            </a:r>
+            <a:r>
+              <a:rPr lang="en-US" sz="1400" i="1" dirty="0">
+                <a:effectLst/>
+              </a:rPr>
+              <a:t>Exploring Resnet50: An in-depth look at the model architecture and code implementation | by Nitish Kundu | Medium</a:t>
+            </a:r>
+            <a:r>
+              <a:rPr lang="en-US" sz="1400" dirty="0">
+                <a:effectLst/>
+              </a:rPr>
+              <a:t>. Exploring ResNet50: An In-Depth Look at the Model Architecture and Code Implementation. </a:t>
+            </a:r>
+            <a:r>
+              <a:rPr lang="en-US" sz="1400" dirty="0">
+                <a:effectLst/>
+                <a:hlinkClick r:id="rId2"/>
+              </a:rPr>
+              <a:t>https://medium.com/@nitishkundu1993/exploring-resnet50-an-in-depth-look-at-the-model-architecture-and-code-implementation-d8d8fa67e46f</a:t>
+            </a:r>
+            <a:r>
+              <a:rPr lang="en-US" sz="1400" dirty="0">
+                <a:effectLst/>
+              </a:rPr>
+              <a:t> </a:t>
+            </a:r>
+          </a:p>
+          <a:p>
+            <a:pPr marL="0" indent="0">
+              <a:buNone/>
+            </a:pPr>
+            <a:endParaRPr lang="en-US" sz="1400" dirty="0"/>
+          </a:p>
+          <a:p>
+            <a:pPr marL="0" indent="0">
+              <a:buNone/>
+            </a:pPr>
+            <a:r>
+              <a:rPr lang="en-US" sz="1400" dirty="0">
+                <a:hlinkClick r:id="rId3"/>
+              </a:rPr>
+              <a:t>https://www.geeksforgeeks.org/machine-learning/faster-r-cnn-ml/</a:t>
+            </a:r>
+            <a:endParaRPr lang="en-US" sz="1400" dirty="0"/>
+          </a:p>
+          <a:p>
+            <a:pPr marL="0" indent="0">
+              <a:buNone/>
+            </a:pPr>
+            <a:endParaRPr lang="en-US" sz="1400" dirty="0"/>
+          </a:p>
+          <a:p>
+            <a:pPr marL="0" indent="0">
+              <a:buNone/>
+            </a:pPr>
+            <a:r>
+              <a:rPr lang="en-US" sz="1400" dirty="0"/>
+              <a:t>https://www.geeksforgeeks.org/deep-learning/residual-networks-resnet-deep-learning/</a:t>
+            </a:r>
+          </a:p>
+          <a:p>
+            <a:pPr marL="0" indent="0">
+              <a:buNone/>
+            </a:pPr>
+            <a:endParaRPr lang="en-US" sz="1400" dirty="0"/>
+          </a:p>
+          <a:p>
+            <a:pPr marL="0" indent="0">
+              <a:buNone/>
+            </a:pPr>
+            <a:endParaRPr lang="en-US" sz="1400" dirty="0"/>
+          </a:p>
+        </p:txBody>
+      </p:sp>
+    </p:spTree>
+    <p:extLst>
+      <p:ext uri="{BB962C8B-B14F-4D97-AF65-F5344CB8AC3E}">
+        <p14:creationId xmlns:p14="http://schemas.microsoft.com/office/powerpoint/2010/main" val="2994786574"/>
+      </p:ext>
+    </p:extLst>
+  </p:cSld>
+  <p:clrMapOvr>
+    <a:masterClrMapping/>
+  </p:clrMapOvr>
+</p:sld>
+</file>
+
+<file path=ppt/slides/slide2.xml><?xml version="1.0" encoding="utf-8"?>
+<p:sld xmlns:a="http://schemas.openxmlformats.org/drawingml/2006/main" xmlns:r="http://schemas.openxmlformats.org/officeDocument/2006/relationships" xmlns:p="http://schemas.openxmlformats.org/presentationml/2006/main">
+  <p:cSld>
+    <p:bg>
+      <p:bgPr>
+        <a:solidFill>
+          <a:schemeClr val="bg1"/>
+        </a:solidFill>
+        <a:effectLst/>
+      </p:bgPr>
+    </p:bg>
+    <p:spTree>
+      <p:nvGrpSpPr>
+        <p:cNvPr id="1" name=""/>
+        <p:cNvGrpSpPr/>
+        <p:nvPr/>
+      </p:nvGrpSpPr>
+      <p:grpSpPr>
+        <a:xfrm>
+          <a:off x="0" y="0"/>
+          <a:ext cx="0" cy="0"/>
+          <a:chOff x="0" y="0"/>
+          <a:chExt cx="0" cy="0"/>
+        </a:xfrm>
+      </p:grpSpPr>
+      <p:sp useBgFill="1">
+        <p:nvSpPr>
+          <p:cNvPr id="9" name="Slide Background">
+            <a:extLst>
+              <a:ext uri="{FF2B5EF4-FFF2-40B4-BE49-F238E27FC236}">
+                <a16:creationId xmlns:a16="http://schemas.microsoft.com/office/drawing/2014/main" id="{C0763A76-9F1C-4FC5-82B7-DD475DA461B2}"/>
+              </a:ext>
+              <a:ext uri="{C183D7F6-B498-43B3-948B-1728B52AA6E4}">
+                <adec:decorative xmlns:adec="http://schemas.microsoft.com/office/drawing/2017/decorative" val="1"/>
+              </a:ext>
+            </a:extLst>
+          </p:cNvPr>
+          <p:cNvSpPr>
+            <a:spLocks noGrp="1" noRot="1" noChangeAspect="1" noMove="1" noResize="1" noEditPoints="1" noAdjustHandles="1" noChangeArrowheads="1" noChangeShapeType="1" noTextEdit="1"/>
+          </p:cNvSpPr>
+          <p:nvPr>
+            <p:extLst>
+              <p:ext uri="{386F3935-93C4-4BCD-93E2-E3B085C9AB24}">
+                <p16:designElem xmlns:p16="http://schemas.microsoft.com/office/powerpoint/2015/main" val="1"/>
+              </p:ext>
+            </p:extLst>
+          </p:nvPr>
+        </p:nvSpPr>
+        <p:spPr bwMode="white">
+          <a:xfrm>
+            <a:off x="0" y="0"/>
+            <a:ext cx="9143998" cy="6858000"/>
+          </a:xfrm>
+          <a:prstGeom prst="rect">
+            <a:avLst/>
+          </a:prstGeom>
+          <a:ln>
+            <a:noFill/>
+          </a:ln>
+        </p:spPr>
+        <p:style>
+          <a:lnRef idx="2">
+            <a:schemeClr val="accent1">
+              <a:shade val="50000"/>
+            </a:schemeClr>
+          </a:lnRef>
+          <a:fillRef idx="1">
+            <a:schemeClr val="accent1"/>
+          </a:fillRef>
+          <a:effectRef idx="0">
+            <a:schemeClr val="accent1"/>
+          </a:effectRef>
+          <a:fontRef idx="minor">
+            <a:schemeClr val="lt1"/>
+          </a:fontRef>
+        </p:style>
+        <p:txBody>
+          <a:bodyPr rtlCol="0" anchor="ctr"/>
+          <a:lstStyle>
+            <a:defPPr>
+              <a:defRPr lang="en-US"/>
+            </a:defPPr>
+            <a:lvl1pPr marL="0" algn="l" defTabSz="914400" rtl="0" eaLnBrk="1" latinLnBrk="0" hangingPunct="1">
+              <a:defRPr sz="1800" kern="1200">
+                <a:solidFill>
+                  <a:schemeClr val="lt1"/>
+                </a:solidFill>
+                <a:latin typeface="+mn-lt"/>
+                <a:ea typeface="+mn-ea"/>
+                <a:cs typeface="+mn-cs"/>
+              </a:defRPr>
+            </a:lvl1pPr>
+            <a:lvl2pPr marL="457200" algn="l" defTabSz="914400" rtl="0" eaLnBrk="1" latinLnBrk="0" hangingPunct="1">
+              <a:defRPr sz="1800" kern="1200">
+                <a:solidFill>
+                  <a:schemeClr val="lt1"/>
+                </a:solidFill>
+                <a:latin typeface="+mn-lt"/>
+                <a:ea typeface="+mn-ea"/>
+                <a:cs typeface="+mn-cs"/>
+              </a:defRPr>
+            </a:lvl2pPr>
+            <a:lvl3pPr marL="914400" algn="l" defTabSz="914400" rtl="0" eaLnBrk="1" latinLnBrk="0" hangingPunct="1">
+              <a:defRPr sz="1800" kern="1200">
+                <a:solidFill>
+                  <a:schemeClr val="lt1"/>
+                </a:solidFill>
+                <a:latin typeface="+mn-lt"/>
+                <a:ea typeface="+mn-ea"/>
+                <a:cs typeface="+mn-cs"/>
+              </a:defRPr>
+            </a:lvl3pPr>
+            <a:lvl4pPr marL="1371600" algn="l" defTabSz="914400" rtl="0" eaLnBrk="1" latinLnBrk="0" hangingPunct="1">
+              <a:defRPr sz="1800" kern="1200">
+                <a:solidFill>
+                  <a:schemeClr val="lt1"/>
+                </a:solidFill>
+                <a:latin typeface="+mn-lt"/>
+                <a:ea typeface="+mn-ea"/>
+                <a:cs typeface="+mn-cs"/>
+              </a:defRPr>
+            </a:lvl4pPr>
+            <a:lvl5pPr marL="1828800" algn="l" defTabSz="914400" rtl="0" eaLnBrk="1" latinLnBrk="0" hangingPunct="1">
+              <a:defRPr sz="1800" kern="1200">
+                <a:solidFill>
+                  <a:schemeClr val="lt1"/>
+                </a:solidFill>
+                <a:latin typeface="+mn-lt"/>
+                <a:ea typeface="+mn-ea"/>
+                <a:cs typeface="+mn-cs"/>
+              </a:defRPr>
+            </a:lvl5pPr>
+            <a:lvl6pPr marL="2286000" algn="l" defTabSz="914400" rtl="0" eaLnBrk="1" latinLnBrk="0" hangingPunct="1">
+              <a:defRPr sz="1800" kern="1200">
+                <a:solidFill>
+                  <a:schemeClr val="lt1"/>
+                </a:solidFill>
+                <a:latin typeface="+mn-lt"/>
+                <a:ea typeface="+mn-ea"/>
+                <a:cs typeface="+mn-cs"/>
+              </a:defRPr>
+            </a:lvl6pPr>
+            <a:lvl7pPr marL="2743200" algn="l" defTabSz="914400" rtl="0" eaLnBrk="1" latinLnBrk="0" hangingPunct="1">
+              <a:defRPr sz="1800" kern="1200">
+                <a:solidFill>
+                  <a:schemeClr val="lt1"/>
+                </a:solidFill>
+                <a:latin typeface="+mn-lt"/>
+                <a:ea typeface="+mn-ea"/>
+                <a:cs typeface="+mn-cs"/>
+              </a:defRPr>
+            </a:lvl7pPr>
+            <a:lvl8pPr marL="3200400" algn="l" defTabSz="914400" rtl="0" eaLnBrk="1" latinLnBrk="0" hangingPunct="1">
+              <a:defRPr sz="1800" kern="1200">
+                <a:solidFill>
+                  <a:schemeClr val="lt1"/>
+                </a:solidFill>
+                <a:latin typeface="+mn-lt"/>
+                <a:ea typeface="+mn-ea"/>
+                <a:cs typeface="+mn-cs"/>
+              </a:defRPr>
+            </a:lvl8pPr>
+            <a:lvl9pPr marL="3657600" algn="l" defTabSz="914400" rtl="0" eaLnBrk="1" latinLnBrk="0" hangingPunct="1">
+              <a:defRPr sz="1800" kern="1200">
+                <a:solidFill>
+                  <a:schemeClr val="lt1"/>
+                </a:solidFill>
+                <a:latin typeface="+mn-lt"/>
+                <a:ea typeface="+mn-ea"/>
+                <a:cs typeface="+mn-cs"/>
+              </a:defRPr>
+            </a:lvl9pPr>
+          </a:lstStyle>
+          <a:p>
+            <a:pPr algn="ctr"/>
+            <a:endParaRPr lang="en-US"/>
+          </a:p>
+        </p:txBody>
+      </p:sp>
+      <p:sp useBgFill="1">
+        <p:nvSpPr>
+          <p:cNvPr id="11" name="Rectangle 10">
+            <a:extLst>
+              <a:ext uri="{FF2B5EF4-FFF2-40B4-BE49-F238E27FC236}">
+                <a16:creationId xmlns:a16="http://schemas.microsoft.com/office/drawing/2014/main" id="{E81BF4F6-F2CF-4984-9D14-D6966D92F99F}"/>
+              </a:ext>
+              <a:ext uri="{C183D7F6-B498-43B3-948B-1728B52AA6E4}">
+                <adec:decorative xmlns:adec="http://schemas.microsoft.com/office/drawing/2017/decorative" val="1"/>
+              </a:ext>
+            </a:extLst>
+          </p:cNvPr>
+          <p:cNvSpPr>
+            <a:spLocks noGrp="1" noRot="1" noChangeAspect="1" noMove="1" noResize="1" noEditPoints="1" noAdjustHandles="1" noChangeArrowheads="1" noChangeShapeType="1" noTextEdit="1"/>
+          </p:cNvSpPr>
+          <p:nvPr>
+            <p:extLst>
+              <p:ext uri="{386F3935-93C4-4BCD-93E2-E3B085C9AB24}">
+                <p16:designElem xmlns:p16="http://schemas.microsoft.com/office/powerpoint/2015/main" val="1"/>
+              </p:ext>
+            </p:extLst>
+          </p:nvPr>
+        </p:nvSpPr>
+        <p:spPr>
+          <a:xfrm>
+            <a:off x="0" y="0"/>
+            <a:ext cx="6391835" cy="2285999"/>
+          </a:xfrm>
+          <a:prstGeom prst="rect">
+            <a:avLst/>
+          </a:prstGeom>
+          <a:ln>
+            <a:noFill/>
+          </a:ln>
+          <a:effectLst>
+            <a:outerShdw blurRad="596900" dist="304800" dir="7140000" sx="90000" sy="90000" algn="t" rotWithShape="0">
+              <a:srgbClr val="000000">
+                <a:alpha val="15000"/>
+              </a:srgbClr>
+            </a:outerShdw>
+          </a:effectLst>
+        </p:spPr>
+        <p:style>
+          <a:lnRef idx="2">
+            <a:schemeClr val="accent1">
+              <a:shade val="50000"/>
+            </a:schemeClr>
+          </a:lnRef>
+          <a:fillRef idx="1">
+            <a:schemeClr val="accent1"/>
+          </a:fillRef>
+          <a:effectRef idx="0">
+            <a:schemeClr val="accent1"/>
+          </a:effectRef>
+          <a:fontRef idx="minor">
+            <a:schemeClr val="lt1"/>
+          </a:fontRef>
+        </p:style>
+        <p:txBody>
+          <a:bodyPr rtlCol="0" anchor="ctr"/>
+          <a:lstStyle/>
+          <a:p>
+            <a:pPr algn="ctr"/>
+            <a:endParaRPr lang="en-US"/>
+          </a:p>
+        </p:txBody>
+      </p:sp>
+      <p:sp>
+        <p:nvSpPr>
+          <p:cNvPr id="2" name="Title 1"/>
+          <p:cNvSpPr>
+            <a:spLocks noGrp="1"/>
+          </p:cNvSpPr>
+          <p:nvPr>
+            <p:ph type="title"/>
+          </p:nvPr>
+        </p:nvSpPr>
+        <p:spPr>
+          <a:xfrm>
+            <a:off x="571352" y="350196"/>
+            <a:ext cx="3485178" cy="1624520"/>
+          </a:xfrm>
+        </p:spPr>
+        <p:txBody>
+          <a:bodyPr anchor="ctr">
+            <a:normAutofit/>
+          </a:bodyPr>
+          <a:lstStyle/>
+          <a:p>
+            <a:r>
+              <a:rPr lang="en-US" sz="3500"/>
+              <a:t>Overview</a:t>
+            </a:r>
+          </a:p>
+        </p:txBody>
+      </p:sp>
+      <p:sp>
+        <p:nvSpPr>
+          <p:cNvPr id="3" name="Content Placeholder 2"/>
+          <p:cNvSpPr>
+            <a:spLocks noGrp="1"/>
+          </p:cNvSpPr>
+          <p:nvPr>
+            <p:ph idx="1"/>
+          </p:nvPr>
+        </p:nvSpPr>
+        <p:spPr>
+          <a:xfrm>
+            <a:off x="571351" y="2743200"/>
+            <a:ext cx="3485179" cy="3613149"/>
+          </a:xfrm>
+        </p:spPr>
+        <p:txBody>
+          <a:bodyPr anchor="ctr">
+            <a:normAutofit/>
+          </a:bodyPr>
+          <a:lstStyle/>
+          <a:p>
+            <a:r>
+              <a:rPr lang="en-US" sz="1700"/>
+              <a:t>This presentation summarizes the strengths and improvement areas of the baseball video detection pipeline, which uses Faster R‑CNN for detecting moving vs. non‑moving objects in baseball footage.</a:t>
+            </a:r>
+          </a:p>
+        </p:txBody>
+      </p:sp>
+      <p:pic>
+        <p:nvPicPr>
+          <p:cNvPr id="5" name="Picture 4" descr="Baseball on home plate">
+            <a:extLst>
+              <a:ext uri="{FF2B5EF4-FFF2-40B4-BE49-F238E27FC236}">
+                <a16:creationId xmlns:a16="http://schemas.microsoft.com/office/drawing/2014/main" id="{AE906434-1EE2-040D-8EF0-8B76C64B1254}"/>
+              </a:ext>
+            </a:extLst>
+          </p:cNvPr>
+          <p:cNvPicPr>
+            <a:picLocks noChangeAspect="1"/>
+          </p:cNvPicPr>
+          <p:nvPr/>
+        </p:nvPicPr>
+        <p:blipFill>
+          <a:blip r:embed="rId2"/>
+          <a:srcRect l="23363" r="24413" b="2"/>
+          <a:stretch>
+            <a:fillRect/>
+          </a:stretch>
+        </p:blipFill>
+        <p:spPr>
+          <a:xfrm>
+            <a:off x="4572000" y="1"/>
+            <a:ext cx="4577118" cy="6858000"/>
+          </a:xfrm>
+          <a:prstGeom prst="rect">
+            <a:avLst/>
+          </a:prstGeom>
+        </p:spPr>
+      </p:pic>
+    </p:spTree>
+  </p:cSld>
+  <p:clrMapOvr>
+    <a:masterClrMapping/>
+  </p:clrMapOvr>
+</p:sld>
+</file>
+
+<file path=ppt/slides/slide3.xml><?xml version="1.0" encoding="utf-8"?>
+<p:sld xmlns:a="http://schemas.openxmlformats.org/drawingml/2006/main" xmlns:r="http://schemas.openxmlformats.org/officeDocument/2006/relationships" xmlns:p="http://schemas.openxmlformats.org/presentationml/2006/main">
+  <p:cSld>
+    <p:spTree>
+      <p:nvGrpSpPr>
+        <p:cNvPr id="1" name=""/>
+        <p:cNvGrpSpPr/>
+        <p:nvPr/>
+      </p:nvGrpSpPr>
+      <p:grpSpPr>
+        <a:xfrm>
+          <a:off x="0" y="0"/>
+          <a:ext cx="0" cy="0"/>
+          <a:chOff x="0" y="0"/>
+          <a:chExt cx="0" cy="0"/>
+        </a:xfrm>
+      </p:grpSpPr>
+      <p:sp>
+        <p:nvSpPr>
+          <p:cNvPr id="2" name="Title 1">
+            <a:extLst>
+              <a:ext uri="{FF2B5EF4-FFF2-40B4-BE49-F238E27FC236}">
+                <a16:creationId xmlns:a16="http://schemas.microsoft.com/office/drawing/2014/main" id="{47BF84F8-6A34-68D2-0BEF-D8B297C2097B}"/>
+              </a:ext>
+            </a:extLst>
+          </p:cNvPr>
+          <p:cNvSpPr>
+            <a:spLocks noGrp="1"/>
+          </p:cNvSpPr>
+          <p:nvPr>
+            <p:ph type="title"/>
+          </p:nvPr>
+        </p:nvSpPr>
+        <p:spPr/>
+        <p:txBody>
+          <a:bodyPr/>
+          <a:lstStyle/>
+          <a:p>
+            <a:r>
+              <a:rPr lang="en-US" dirty="0"/>
+              <a:t>Data Pipeline</a:t>
+            </a:r>
+          </a:p>
+        </p:txBody>
+      </p:sp>
+      <p:sp>
+        <p:nvSpPr>
+          <p:cNvPr id="3" name="Content Placeholder 2">
+            <a:extLst>
+              <a:ext uri="{FF2B5EF4-FFF2-40B4-BE49-F238E27FC236}">
+                <a16:creationId xmlns:a16="http://schemas.microsoft.com/office/drawing/2014/main" id="{4BAA18AA-959A-29BA-CFFF-F32B3C3996A3}"/>
+              </a:ext>
+            </a:extLst>
+          </p:cNvPr>
+          <p:cNvSpPr>
+            <a:spLocks noGrp="1"/>
+          </p:cNvSpPr>
+          <p:nvPr>
+            <p:ph idx="1"/>
+          </p:nvPr>
+        </p:nvSpPr>
+        <p:spPr/>
+        <p:txBody>
+          <a:bodyPr/>
+          <a:lstStyle/>
+          <a:p>
+            <a:r>
+              <a:rPr lang="en-US" dirty="0"/>
+              <a:t>3288 annotated frames across 76 videos</a:t>
+            </a:r>
+          </a:p>
+        </p:txBody>
+      </p:sp>
+    </p:spTree>
+    <p:extLst>
+      <p:ext uri="{BB962C8B-B14F-4D97-AF65-F5344CB8AC3E}">
+        <p14:creationId xmlns:p14="http://schemas.microsoft.com/office/powerpoint/2010/main" val="285677868"/>
+      </p:ext>
+    </p:extLst>
+  </p:cSld>
+  <p:clrMapOvr>
+    <a:masterClrMapping/>
+  </p:clrMapOvr>
+</p:sld>
+</file>
+
+<file path=ppt/slides/slide4.xml><?xml version="1.0" encoding="utf-8"?>
+<p:sld xmlns:a="http://schemas.openxmlformats.org/drawingml/2006/main" xmlns:r="http://schemas.openxmlformats.org/officeDocument/2006/relationships" xmlns:p="http://schemas.openxmlformats.org/presentationml/2006/main">
+  <p:cSld>
+    <p:spTree>
+      <p:nvGrpSpPr>
+        <p:cNvPr id="1" name=""/>
+        <p:cNvGrpSpPr/>
+        <p:nvPr/>
+      </p:nvGrpSpPr>
+      <p:grpSpPr>
+        <a:xfrm>
+          <a:off x="0" y="0"/>
+          <a:ext cx="0" cy="0"/>
+          <a:chOff x="0" y="0"/>
+          <a:chExt cx="0" cy="0"/>
+        </a:xfrm>
+      </p:grpSpPr>
+      <p:sp>
+        <p:nvSpPr>
+          <p:cNvPr id="2" name="Title 1">
+            <a:extLst>
+              <a:ext uri="{FF2B5EF4-FFF2-40B4-BE49-F238E27FC236}">
+                <a16:creationId xmlns:a16="http://schemas.microsoft.com/office/drawing/2014/main" id="{090449B5-398D-4080-B733-D1C079C9340E}"/>
+              </a:ext>
+            </a:extLst>
+          </p:cNvPr>
+          <p:cNvSpPr>
+            <a:spLocks noGrp="1"/>
+          </p:cNvSpPr>
+          <p:nvPr>
+            <p:ph type="title"/>
+          </p:nvPr>
+        </p:nvSpPr>
+        <p:spPr/>
+        <p:txBody>
+          <a:bodyPr/>
+          <a:lstStyle/>
+          <a:p>
+            <a:r>
+              <a:rPr lang="en-US" dirty="0"/>
+              <a:t>Model Architecture</a:t>
+            </a:r>
+          </a:p>
+        </p:txBody>
+      </p:sp>
+      <p:sp>
+        <p:nvSpPr>
+          <p:cNvPr id="3" name="Content Placeholder 2">
+            <a:extLst>
+              <a:ext uri="{FF2B5EF4-FFF2-40B4-BE49-F238E27FC236}">
+                <a16:creationId xmlns:a16="http://schemas.microsoft.com/office/drawing/2014/main" id="{E9E74E73-B057-47BB-B693-E20D2F4BDFE3}"/>
+              </a:ext>
+            </a:extLst>
+          </p:cNvPr>
+          <p:cNvSpPr>
+            <a:spLocks noGrp="1"/>
+          </p:cNvSpPr>
+          <p:nvPr>
+            <p:ph idx="1"/>
+          </p:nvPr>
+        </p:nvSpPr>
+        <p:spPr>
+          <a:xfrm>
+            <a:off x="457200" y="1600200"/>
+            <a:ext cx="8229600" cy="4983162"/>
+          </a:xfrm>
+        </p:spPr>
+        <p:txBody>
+          <a:bodyPr>
+            <a:normAutofit lnSpcReduction="10000"/>
+          </a:bodyPr>
+          <a:lstStyle/>
+          <a:p>
+            <a:r>
+              <a:rPr lang="en-US" sz="2400" dirty="0"/>
+              <a:t>ResNet-50 as our backbone</a:t>
+            </a:r>
+          </a:p>
+          <a:p>
+            <a:pPr lvl="1"/>
+            <a:r>
+              <a:rPr lang="en-US" sz="2000" dirty="0"/>
+              <a:t>ResNet-50 is a deep Convolutional Neural Network created by Microsoft in 2015</a:t>
+            </a:r>
+          </a:p>
+          <a:p>
+            <a:pPr lvl="1"/>
+            <a:r>
+              <a:rPr lang="en-US" sz="2000" dirty="0"/>
+              <a:t>Uses Residual Blocks to solve the vanishing/exploding gradient problem</a:t>
+            </a:r>
+          </a:p>
+          <a:p>
+            <a:pPr lvl="2"/>
+            <a:r>
+              <a:rPr lang="en-US" sz="1600" dirty="0"/>
+              <a:t>Activations skip layers to form residual block</a:t>
+            </a:r>
+          </a:p>
+          <a:p>
+            <a:pPr lvl="1"/>
+            <a:r>
+              <a:rPr lang="en-US" sz="2000" dirty="0"/>
+              <a:t>Extracts feature maps</a:t>
+            </a:r>
+          </a:p>
+          <a:p>
+            <a:r>
+              <a:rPr lang="en-US" sz="2400" dirty="0"/>
+              <a:t>Faster R-CNN as our feature proposal framework</a:t>
+            </a:r>
+            <a:endParaRPr lang="en-US" sz="2000" dirty="0"/>
+          </a:p>
+          <a:p>
+            <a:r>
+              <a:rPr lang="en-US" sz="2400" dirty="0"/>
+              <a:t>Faster R-CNN’s main improvement over other Convolutional Neural Networks was Region Proposal Networks</a:t>
+            </a:r>
+          </a:p>
+          <a:p>
+            <a:pPr lvl="1"/>
+            <a:r>
+              <a:rPr lang="en-US" sz="2000" dirty="0"/>
+              <a:t>Integrates object proposals directly within the model</a:t>
+            </a:r>
+          </a:p>
+          <a:p>
+            <a:pPr lvl="2"/>
+            <a:r>
+              <a:rPr lang="en-US" sz="1600" dirty="0"/>
+              <a:t>Small network that slides over a feature map to decide an “</a:t>
+            </a:r>
+            <a:r>
+              <a:rPr lang="en-US" sz="1600" dirty="0" err="1"/>
+              <a:t>Objectness</a:t>
+            </a:r>
+            <a:r>
+              <a:rPr lang="en-US" sz="1600" dirty="0"/>
+              <a:t>” Score and bounding box coordinates</a:t>
+            </a:r>
+          </a:p>
+          <a:p>
+            <a:pPr lvl="1"/>
+            <a:r>
+              <a:rPr lang="en-US" sz="2000" dirty="0"/>
+              <a:t>Faster R-CNN pools the feature maps (Region of Interest pooling)</a:t>
+            </a:r>
+          </a:p>
+          <a:p>
+            <a:pPr lvl="1"/>
+            <a:r>
+              <a:rPr lang="en-US" sz="2000" dirty="0"/>
+              <a:t>Passes pooled feature maps to </a:t>
+            </a:r>
+          </a:p>
+          <a:p>
+            <a:pPr marL="0" indent="0">
+              <a:buNone/>
+            </a:pPr>
+            <a:endParaRPr lang="en-US" dirty="0"/>
+          </a:p>
+        </p:txBody>
+      </p:sp>
+    </p:spTree>
+    <p:extLst>
+      <p:ext uri="{BB962C8B-B14F-4D97-AF65-F5344CB8AC3E}">
+        <p14:creationId xmlns:p14="http://schemas.microsoft.com/office/powerpoint/2010/main" val="2599022161"/>
+      </p:ext>
+    </p:extLst>
+  </p:cSld>
+  <p:clrMapOvr>
+    <a:masterClrMapping/>
+  </p:clrMapOvr>
+</p:sld>
+</file>
+
+<file path=ppt/slides/slide5.xml><?xml version="1.0" encoding="utf-8"?>
+<p:sld xmlns:a="http://schemas.openxmlformats.org/drawingml/2006/main" xmlns:r="http://schemas.openxmlformats.org/officeDocument/2006/relationships" xmlns:p="http://schemas.openxmlformats.org/presentationml/2006/main">
+  <p:cSld>
+    <p:spTree>
+      <p:nvGrpSpPr>
+        <p:cNvPr id="1" name=""/>
+        <p:cNvGrpSpPr/>
+        <p:nvPr/>
+      </p:nvGrpSpPr>
+      <p:grpSpPr>
+        <a:xfrm>
+          <a:off x="0" y="0"/>
+          <a:ext cx="0" cy="0"/>
+          <a:chOff x="0" y="0"/>
+          <a:chExt cx="0" cy="0"/>
+        </a:xfrm>
+      </p:grpSpPr>
+      <p:sp>
+        <p:nvSpPr>
+          <p:cNvPr id="2" name="Title 1">
+            <a:extLst>
+              <a:ext uri="{FF2B5EF4-FFF2-40B4-BE49-F238E27FC236}">
+                <a16:creationId xmlns:a16="http://schemas.microsoft.com/office/drawing/2014/main" id="{D8DFBAAB-F420-A8C2-CA3D-9AFDB98A0E39}"/>
+              </a:ext>
+            </a:extLst>
+          </p:cNvPr>
+          <p:cNvSpPr>
+            <a:spLocks noGrp="1"/>
+          </p:cNvSpPr>
+          <p:nvPr>
+            <p:ph type="title"/>
+          </p:nvPr>
+        </p:nvSpPr>
+        <p:spPr/>
+        <p:txBody>
+          <a:bodyPr/>
+          <a:lstStyle/>
+          <a:p>
+            <a:r>
+              <a:rPr lang="en-US" dirty="0"/>
+              <a:t>Model Diagrams</a:t>
+            </a:r>
+          </a:p>
+        </p:txBody>
+      </p:sp>
+      <p:sp>
+        <p:nvSpPr>
+          <p:cNvPr id="3" name="Content Placeholder 2">
+            <a:extLst>
+              <a:ext uri="{FF2B5EF4-FFF2-40B4-BE49-F238E27FC236}">
+                <a16:creationId xmlns:a16="http://schemas.microsoft.com/office/drawing/2014/main" id="{7ABC6F12-99EB-0D65-C578-DC6CDE4FD91E}"/>
+              </a:ext>
+            </a:extLst>
+          </p:cNvPr>
+          <p:cNvSpPr>
+            <a:spLocks noGrp="1"/>
+          </p:cNvSpPr>
+          <p:nvPr>
+            <p:ph idx="1"/>
+          </p:nvPr>
+        </p:nvSpPr>
+        <p:spPr>
+          <a:xfrm>
+            <a:off x="6644201" y="2223504"/>
+            <a:ext cx="2499799" cy="1225231"/>
+          </a:xfrm>
+        </p:spPr>
+        <p:txBody>
+          <a:bodyPr>
+            <a:normAutofit/>
+          </a:bodyPr>
+          <a:lstStyle/>
+          <a:p>
+            <a:pPr marL="0" indent="0" algn="ctr">
+              <a:buNone/>
+            </a:pPr>
+            <a:r>
+              <a:rPr lang="en-US" sz="1800" dirty="0"/>
+              <a:t>Diagram showing ResNet50’s structure</a:t>
+            </a:r>
+          </a:p>
+          <a:p>
+            <a:pPr marL="0" indent="0" algn="ctr">
+              <a:buNone/>
+            </a:pPr>
+            <a:r>
+              <a:rPr lang="en-US" sz="1800" dirty="0"/>
+              <a:t>(Kundu, 2023)</a:t>
+            </a:r>
+          </a:p>
+        </p:txBody>
+      </p:sp>
+      <p:pic>
+        <p:nvPicPr>
+          <p:cNvPr id="9" name="Picture 8" descr="A diagram of a computer network&#10;&#10;AI-generated content may be incorrect.">
+            <a:extLst>
+              <a:ext uri="{FF2B5EF4-FFF2-40B4-BE49-F238E27FC236}">
+                <a16:creationId xmlns:a16="http://schemas.microsoft.com/office/drawing/2014/main" id="{B7EE8C12-DC8A-D0FE-F38E-F214204C2DFD}"/>
+              </a:ext>
+            </a:extLst>
+          </p:cNvPr>
+          <p:cNvPicPr>
+            <a:picLocks noChangeAspect="1"/>
+          </p:cNvPicPr>
+          <p:nvPr/>
+        </p:nvPicPr>
+        <p:blipFill>
+          <a:blip r:embed="rId2"/>
+          <a:srcRect l="758" r="1349"/>
+          <a:stretch>
+            <a:fillRect/>
+          </a:stretch>
+        </p:blipFill>
+        <p:spPr>
+          <a:xfrm>
+            <a:off x="490092" y="3945407"/>
+            <a:ext cx="4247008" cy="2466922"/>
+          </a:xfrm>
+          <a:prstGeom prst="rect">
+            <a:avLst/>
+          </a:prstGeom>
+          <a:ln w="12700">
+            <a:solidFill>
+              <a:schemeClr val="tx1"/>
+            </a:solidFill>
+          </a:ln>
+        </p:spPr>
+      </p:pic>
+      <p:pic>
+        <p:nvPicPr>
+          <p:cNvPr id="1026" name="Picture 2">
+            <a:extLst>
+              <a:ext uri="{FF2B5EF4-FFF2-40B4-BE49-F238E27FC236}">
+                <a16:creationId xmlns:a16="http://schemas.microsoft.com/office/drawing/2014/main" id="{5A84D8AF-AFF0-4F7A-9893-1D2D4DC4E51C}"/>
+              </a:ext>
+            </a:extLst>
+          </p:cNvPr>
+          <p:cNvPicPr>
+            <a:picLocks noChangeAspect="1" noChangeArrowheads="1"/>
+          </p:cNvPicPr>
+          <p:nvPr/>
+        </p:nvPicPr>
+        <p:blipFill>
+          <a:blip r:embed="rId3">
+            <a:extLst>
+              <a:ext uri="{28A0092B-C50C-407E-A947-70E740481C1C}">
+                <a14:useLocalDpi xmlns:a14="http://schemas.microsoft.com/office/drawing/2010/main" val="0"/>
+              </a:ext>
+            </a:extLst>
+          </a:blip>
+          <a:srcRect/>
+          <a:stretch>
+            <a:fillRect/>
+          </a:stretch>
+        </p:blipFill>
+        <p:spPr bwMode="auto">
+          <a:xfrm>
+            <a:off x="490092" y="1804772"/>
+            <a:ext cx="6121217" cy="1848535"/>
+          </a:xfrm>
+          <a:prstGeom prst="rect">
+            <a:avLst/>
+          </a:prstGeom>
+          <a:noFill/>
+          <a:ln w="12700">
+            <a:solidFill>
+              <a:schemeClr val="tx1"/>
+            </a:solidFill>
+          </a:ln>
+          <a:extLst>
+            <a:ext uri="{909E8E84-426E-40DD-AFC4-6F175D3DCCD1}">
+              <a14:hiddenFill xmlns:a14="http://schemas.microsoft.com/office/drawing/2010/main">
+                <a:solidFill>
+                  <a:srgbClr val="FFFFFF"/>
+                </a:solidFill>
+              </a14:hiddenFill>
+            </a:ext>
+          </a:extLst>
+        </p:spPr>
+      </p:pic>
+      <p:sp>
+        <p:nvSpPr>
+          <p:cNvPr id="5" name="Content Placeholder 2">
+            <a:extLst>
+              <a:ext uri="{FF2B5EF4-FFF2-40B4-BE49-F238E27FC236}">
+                <a16:creationId xmlns:a16="http://schemas.microsoft.com/office/drawing/2014/main" id="{8F616421-8EBC-723B-F2B1-31B3695F5737}"/>
+              </a:ext>
+            </a:extLst>
+          </p:cNvPr>
+          <p:cNvSpPr txBox="1">
+            <a:spLocks/>
+          </p:cNvSpPr>
+          <p:nvPr/>
+        </p:nvSpPr>
+        <p:spPr>
+          <a:xfrm>
+            <a:off x="4473324" y="4807736"/>
+            <a:ext cx="4560681" cy="742263"/>
+          </a:xfrm>
+          <a:prstGeom prst="rect">
+            <a:avLst/>
+          </a:prstGeom>
+        </p:spPr>
+        <p:txBody>
+          <a:bodyPr vert="horz" lIns="91440" tIns="45720" rIns="91440" bIns="45720" rtlCol="0">
+            <a:noAutofit/>
+          </a:bodyPr>
+          <a:lstStyle>
+            <a:lvl1pPr marL="342900" indent="-342900" algn="l" defTabSz="457200" rtl="0" eaLnBrk="1" latinLnBrk="0" hangingPunct="1">
+              <a:spcBef>
+                <a:spcPct val="20000"/>
+              </a:spcBef>
+              <a:buFont typeface="Arial"/>
+              <a:buChar char="•"/>
+              <a:defRPr sz="3200" kern="1200">
+                <a:solidFill>
+                  <a:schemeClr val="tx1"/>
+                </a:solidFill>
+                <a:latin typeface="+mn-lt"/>
+                <a:ea typeface="+mn-ea"/>
+                <a:cs typeface="+mn-cs"/>
+              </a:defRPr>
+            </a:lvl1pPr>
+            <a:lvl2pPr marL="742950" indent="-285750" algn="l" defTabSz="457200" rtl="0" eaLnBrk="1" latinLnBrk="0" hangingPunct="1">
+              <a:spcBef>
+                <a:spcPct val="20000"/>
+              </a:spcBef>
+              <a:buFont typeface="Arial"/>
+              <a:buChar char="–"/>
+              <a:defRPr sz="2800" kern="1200">
+                <a:solidFill>
+                  <a:schemeClr val="tx1"/>
+                </a:solidFill>
+                <a:latin typeface="+mn-lt"/>
+                <a:ea typeface="+mn-ea"/>
+                <a:cs typeface="+mn-cs"/>
+              </a:defRPr>
+            </a:lvl2pPr>
+            <a:lvl3pPr marL="1143000" indent="-228600" algn="l" defTabSz="457200" rtl="0" eaLnBrk="1" latinLnBrk="0" hangingPunct="1">
+              <a:spcBef>
+                <a:spcPct val="20000"/>
+              </a:spcBef>
+              <a:buFont typeface="Arial"/>
+              <a:buChar char="•"/>
+              <a:defRPr sz="2400" kern="1200">
+                <a:solidFill>
+                  <a:schemeClr val="tx1"/>
+                </a:solidFill>
+                <a:latin typeface="+mn-lt"/>
+                <a:ea typeface="+mn-ea"/>
+                <a:cs typeface="+mn-cs"/>
+              </a:defRPr>
+            </a:lvl3pPr>
+            <a:lvl4pPr marL="1600200" indent="-228600" algn="l" defTabSz="457200" rtl="0" eaLnBrk="1" latinLnBrk="0" hangingPunct="1">
+              <a:spcBef>
+                <a:spcPct val="20000"/>
+              </a:spcBef>
+              <a:buFont typeface="Arial"/>
+              <a:buChar char="–"/>
+              <a:defRPr sz="2000" kern="1200">
+                <a:solidFill>
+                  <a:schemeClr val="tx1"/>
+                </a:solidFill>
+                <a:latin typeface="+mn-lt"/>
+                <a:ea typeface="+mn-ea"/>
+                <a:cs typeface="+mn-cs"/>
+              </a:defRPr>
+            </a:lvl4pPr>
+            <a:lvl5pPr marL="2057400" indent="-228600" algn="l" defTabSz="457200" rtl="0" eaLnBrk="1" latinLnBrk="0" hangingPunct="1">
+              <a:spcBef>
+                <a:spcPct val="20000"/>
+              </a:spcBef>
+              <a:buFont typeface="Arial"/>
+              <a:buChar char="»"/>
+              <a:defRPr sz="2000" kern="1200">
+                <a:solidFill>
+                  <a:schemeClr val="tx1"/>
+                </a:solidFill>
+                <a:latin typeface="+mn-lt"/>
+                <a:ea typeface="+mn-ea"/>
+                <a:cs typeface="+mn-cs"/>
+              </a:defRPr>
+            </a:lvl5pPr>
+            <a:lvl6pPr marL="2514600" indent="-228600" algn="l" defTabSz="457200" rtl="0" eaLnBrk="1" latinLnBrk="0" hangingPunct="1">
+              <a:spcBef>
+                <a:spcPct val="20000"/>
+              </a:spcBef>
+              <a:buFont typeface="Arial"/>
+              <a:buChar char="•"/>
+              <a:defRPr sz="2000" kern="1200">
+                <a:solidFill>
+                  <a:schemeClr val="tx1"/>
+                </a:solidFill>
+                <a:latin typeface="+mn-lt"/>
+                <a:ea typeface="+mn-ea"/>
+                <a:cs typeface="+mn-cs"/>
+              </a:defRPr>
+            </a:lvl6pPr>
+            <a:lvl7pPr marL="2971800" indent="-228600" algn="l" defTabSz="457200" rtl="0" eaLnBrk="1" latinLnBrk="0" hangingPunct="1">
+              <a:spcBef>
+                <a:spcPct val="20000"/>
+              </a:spcBef>
+              <a:buFont typeface="Arial"/>
+              <a:buChar char="•"/>
+              <a:defRPr sz="2000" kern="1200">
+                <a:solidFill>
+                  <a:schemeClr val="tx1"/>
+                </a:solidFill>
+                <a:latin typeface="+mn-lt"/>
+                <a:ea typeface="+mn-ea"/>
+                <a:cs typeface="+mn-cs"/>
+              </a:defRPr>
+            </a:lvl7pPr>
+            <a:lvl8pPr marL="3429000" indent="-228600" algn="l" defTabSz="457200" rtl="0" eaLnBrk="1" latinLnBrk="0" hangingPunct="1">
+              <a:spcBef>
+                <a:spcPct val="20000"/>
+              </a:spcBef>
+              <a:buFont typeface="Arial"/>
+              <a:buChar char="•"/>
+              <a:defRPr sz="2000" kern="1200">
+                <a:solidFill>
+                  <a:schemeClr val="tx1"/>
+                </a:solidFill>
+                <a:latin typeface="+mn-lt"/>
+                <a:ea typeface="+mn-ea"/>
+                <a:cs typeface="+mn-cs"/>
+              </a:defRPr>
+            </a:lvl8pPr>
+            <a:lvl9pPr marL="3886200" indent="-228600" algn="l" defTabSz="457200" rtl="0" eaLnBrk="1" latinLnBrk="0" hangingPunct="1">
+              <a:spcBef>
+                <a:spcPct val="20000"/>
+              </a:spcBef>
+              <a:buFont typeface="Arial"/>
+              <a:buChar char="•"/>
+              <a:defRPr sz="2000" kern="1200">
+                <a:solidFill>
+                  <a:schemeClr val="tx1"/>
+                </a:solidFill>
+                <a:latin typeface="+mn-lt"/>
+                <a:ea typeface="+mn-ea"/>
+                <a:cs typeface="+mn-cs"/>
+              </a:defRPr>
+            </a:lvl9pPr>
+          </a:lstStyle>
+          <a:p>
+            <a:pPr marL="0" indent="0" algn="ctr">
+              <a:buNone/>
+            </a:pPr>
+            <a:r>
+              <a:rPr lang="en-US" sz="1800" dirty="0"/>
+              <a:t>Diagram of Faster R-CNN showing feature maps and region proposal network</a:t>
+            </a:r>
+          </a:p>
+          <a:p>
+            <a:pPr marL="0" indent="0" algn="ctr">
+              <a:buNone/>
+            </a:pPr>
+            <a:r>
+              <a:rPr lang="en-US" sz="1800" dirty="0"/>
+              <a:t>(G4G, 2025)</a:t>
+            </a:r>
+          </a:p>
+        </p:txBody>
+      </p:sp>
+    </p:spTree>
+    <p:extLst>
+      <p:ext uri="{BB962C8B-B14F-4D97-AF65-F5344CB8AC3E}">
+        <p14:creationId xmlns:p14="http://schemas.microsoft.com/office/powerpoint/2010/main" val="3960836636"/>
+      </p:ext>
+    </p:extLst>
+  </p:cSld>
+  <p:clrMapOvr>
+    <a:masterClrMapping/>
+  </p:clrMapOvr>
+</p:sld>
+</file>
+
+<file path=ppt/slides/slide6.xml><?xml version="1.0" encoding="utf-8"?>
+<p:sld xmlns:a="http://schemas.openxmlformats.org/drawingml/2006/main" xmlns:r="http://schemas.openxmlformats.org/officeDocument/2006/relationships" xmlns:p="http://schemas.openxmlformats.org/presentationml/2006/main">
+  <p:cSld>
+    <p:spTree>
+      <p:nvGrpSpPr>
+        <p:cNvPr id="1" name=""/>
+        <p:cNvGrpSpPr/>
+        <p:nvPr/>
+      </p:nvGrpSpPr>
+      <p:grpSpPr>
+        <a:xfrm>
+          <a:off x="0" y="0"/>
+          <a:ext cx="0" cy="0"/>
+          <a:chOff x="0" y="0"/>
+          <a:chExt cx="0" cy="0"/>
+        </a:xfrm>
+      </p:grpSpPr>
+      <p:sp>
+        <p:nvSpPr>
+          <p:cNvPr id="2" name="Title 1">
+            <a:extLst>
+              <a:ext uri="{FF2B5EF4-FFF2-40B4-BE49-F238E27FC236}">
+                <a16:creationId xmlns:a16="http://schemas.microsoft.com/office/drawing/2014/main" id="{A70B5100-7DAD-C533-A5FF-233062DC1FA1}"/>
+              </a:ext>
+            </a:extLst>
+          </p:cNvPr>
+          <p:cNvSpPr>
+            <a:spLocks noGrp="1"/>
+          </p:cNvSpPr>
+          <p:nvPr>
+            <p:ph type="title"/>
+          </p:nvPr>
+        </p:nvSpPr>
+        <p:spPr/>
+        <p:txBody>
+          <a:bodyPr/>
+          <a:lstStyle/>
+          <a:p>
+            <a:r>
+              <a:rPr lang="en-US" dirty="0"/>
+              <a:t>Model Diagrams Cont.</a:t>
+            </a:r>
+          </a:p>
+        </p:txBody>
+      </p:sp>
+      <p:pic>
+        <p:nvPicPr>
+          <p:cNvPr id="5" name="Picture 4" descr="A diagram of a window&#10;&#10;AI-generated content may be incorrect.">
+            <a:extLst>
+              <a:ext uri="{FF2B5EF4-FFF2-40B4-BE49-F238E27FC236}">
+                <a16:creationId xmlns:a16="http://schemas.microsoft.com/office/drawing/2014/main" id="{ADC6B235-011D-16BB-539B-3803CE9B7FF5}"/>
+              </a:ext>
+            </a:extLst>
+          </p:cNvPr>
+          <p:cNvPicPr>
+            <a:picLocks noChangeAspect="1"/>
+          </p:cNvPicPr>
+          <p:nvPr/>
+        </p:nvPicPr>
+        <p:blipFill>
+          <a:blip r:embed="rId2"/>
+          <a:srcRect l="638" t="1371" r="1059" b="690"/>
+          <a:stretch>
+            <a:fillRect/>
+          </a:stretch>
+        </p:blipFill>
+        <p:spPr>
+          <a:xfrm>
+            <a:off x="490538" y="1347788"/>
+            <a:ext cx="5134009" cy="2576512"/>
+          </a:xfrm>
+          <a:prstGeom prst="rect">
+            <a:avLst/>
+          </a:prstGeom>
+          <a:ln w="12700">
+            <a:solidFill>
+              <a:schemeClr val="tx1"/>
+            </a:solidFill>
+          </a:ln>
+        </p:spPr>
+      </p:pic>
+      <p:pic>
+        <p:nvPicPr>
+          <p:cNvPr id="7" name="Picture 6" descr="A screen shot of a project&#10;&#10;AI-generated content may be incorrect.">
+            <a:extLst>
+              <a:ext uri="{FF2B5EF4-FFF2-40B4-BE49-F238E27FC236}">
+                <a16:creationId xmlns:a16="http://schemas.microsoft.com/office/drawing/2014/main" id="{DE5BAD9B-1019-A550-5BBB-FD8B3DB40C04}"/>
+              </a:ext>
+            </a:extLst>
+          </p:cNvPr>
+          <p:cNvPicPr>
+            <a:picLocks noChangeAspect="1"/>
+          </p:cNvPicPr>
+          <p:nvPr/>
+        </p:nvPicPr>
+        <p:blipFill>
+          <a:blip r:embed="rId3"/>
+          <a:srcRect l="638" t="2308" r="1059" b="1867"/>
+          <a:stretch>
+            <a:fillRect/>
+          </a:stretch>
+        </p:blipFill>
+        <p:spPr>
+          <a:xfrm>
+            <a:off x="490538" y="4133893"/>
+            <a:ext cx="5134009" cy="2527257"/>
+          </a:xfrm>
+          <a:prstGeom prst="rect">
+            <a:avLst/>
+          </a:prstGeom>
+          <a:ln w="12700">
+            <a:solidFill>
+              <a:schemeClr val="tx1"/>
+            </a:solidFill>
+          </a:ln>
+        </p:spPr>
+      </p:pic>
+      <p:sp>
+        <p:nvSpPr>
+          <p:cNvPr id="10" name="TextBox 9">
+            <a:extLst>
+              <a:ext uri="{FF2B5EF4-FFF2-40B4-BE49-F238E27FC236}">
+                <a16:creationId xmlns:a16="http://schemas.microsoft.com/office/drawing/2014/main" id="{AFE1B724-B79C-4196-15D8-7E34A0806170}"/>
+              </a:ext>
+            </a:extLst>
+          </p:cNvPr>
+          <p:cNvSpPr txBox="1"/>
+          <p:nvPr/>
+        </p:nvSpPr>
+        <p:spPr>
+          <a:xfrm>
+            <a:off x="5756115" y="2165419"/>
+            <a:ext cx="3295787" cy="923330"/>
+          </a:xfrm>
+          <a:prstGeom prst="rect">
+            <a:avLst/>
+          </a:prstGeom>
+          <a:noFill/>
+        </p:spPr>
+        <p:txBody>
+          <a:bodyPr wrap="square" rtlCol="0">
+            <a:spAutoFit/>
+          </a:bodyPr>
+          <a:lstStyle/>
+          <a:p>
+            <a:pPr algn="ctr"/>
+            <a:r>
+              <a:rPr lang="en-US" dirty="0"/>
+              <a:t>Diagram showing Faster R-CNN’s Regional Proposal Network</a:t>
+            </a:r>
+          </a:p>
+          <a:p>
+            <a:pPr algn="ctr"/>
+            <a:r>
+              <a:rPr lang="en-US" dirty="0"/>
+              <a:t>(G4G, 2025)</a:t>
+            </a:r>
+          </a:p>
+        </p:txBody>
+      </p:sp>
+      <p:sp>
+        <p:nvSpPr>
+          <p:cNvPr id="11" name="TextBox 10">
+            <a:extLst>
+              <a:ext uri="{FF2B5EF4-FFF2-40B4-BE49-F238E27FC236}">
+                <a16:creationId xmlns:a16="http://schemas.microsoft.com/office/drawing/2014/main" id="{95438658-F42A-DE5F-F7DC-951145F43830}"/>
+              </a:ext>
+            </a:extLst>
+          </p:cNvPr>
+          <p:cNvSpPr txBox="1"/>
+          <p:nvPr/>
+        </p:nvSpPr>
+        <p:spPr>
+          <a:xfrm>
+            <a:off x="5679848" y="4930054"/>
+            <a:ext cx="3295787" cy="923330"/>
+          </a:xfrm>
+          <a:prstGeom prst="rect">
+            <a:avLst/>
+          </a:prstGeom>
+          <a:noFill/>
+        </p:spPr>
+        <p:txBody>
+          <a:bodyPr wrap="square" rtlCol="0">
+            <a:spAutoFit/>
+          </a:bodyPr>
+          <a:lstStyle/>
+          <a:p>
+            <a:pPr algn="ctr"/>
+            <a:r>
+              <a:rPr lang="en-US" dirty="0"/>
+              <a:t>Diagram showing Faster R-CNN’s Region of Interest pooling</a:t>
+            </a:r>
+          </a:p>
+          <a:p>
+            <a:pPr algn="ctr"/>
+            <a:r>
+              <a:rPr lang="en-US" dirty="0"/>
+              <a:t>(G4G, 2025)</a:t>
+            </a:r>
+          </a:p>
+        </p:txBody>
+      </p:sp>
+    </p:spTree>
+    <p:extLst>
+      <p:ext uri="{BB962C8B-B14F-4D97-AF65-F5344CB8AC3E}">
+        <p14:creationId xmlns:p14="http://schemas.microsoft.com/office/powerpoint/2010/main" val="2759002400"/>
+      </p:ext>
+    </p:extLst>
+  </p:cSld>
+  <p:clrMapOvr>
+    <a:masterClrMapping/>
+  </p:clrMapOvr>
+</p:sld>
+</file>
+
 <file path=ppt/slides/slide7.xml><?xml version="1.0" encoding="utf-8"?>
 <p:sld xmlns:a="http://schemas.openxmlformats.org/drawingml/2006/main" xmlns:r="http://schemas.openxmlformats.org/officeDocument/2006/relationships" xmlns:p="http://schemas.openxmlformats.org/presentationml/2006/main">
   <p:cSld>
@@ -8503,7 +8361,7 @@
           <p:cNvPr id="2" name="Title 1">
             <a:extLst>
               <a:ext uri="{FF2B5EF4-FFF2-40B4-BE49-F238E27FC236}">
-                <a16:creationId xmlns:a16="http://schemas.microsoft.com/office/drawing/2014/main" id="{CBDE88BA-37DB-4666-8639-5D2E8B534B81}"/>
+                <a16:creationId xmlns:a16="http://schemas.microsoft.com/office/drawing/2014/main" id="{DEF67501-C4B9-685F-CA5B-A734C35C0C88}"/>
               </a:ext>
             </a:extLst>
           </p:cNvPr>
@@ -8521,28 +8379,209 @@
           <a:p>
             <a:r>
               <a:rPr lang="en-US" dirty="0"/>
-              <a:t>Works Cited</a:t>
-            </a:r>
-          </a:p>
-        </p:txBody>
-      </p:sp>
-      <p:sp>
-        <p:nvSpPr>
-          <p:cNvPr id="3" name="Content Placeholder 2">
+              <a:t>Model Diagrams Cont.</a:t>
+            </a:r>
+          </a:p>
+        </p:txBody>
+      </p:sp>
+      <p:pic>
+        <p:nvPicPr>
+          <p:cNvPr id="4" name="Content Placeholder 3" descr="A diagram of a machine&#10;&#10;AI-generated content may be incorrect.">
             <a:extLst>
               <a:ext uri="{FF2B5EF4-FFF2-40B4-BE49-F238E27FC236}">
-                <a16:creationId xmlns:a16="http://schemas.microsoft.com/office/drawing/2014/main" id="{719C0494-104D-4F21-973C-E2187B0A6F05}"/>
+                <a16:creationId xmlns:a16="http://schemas.microsoft.com/office/drawing/2014/main" id="{E57E82E2-DF39-D0D7-024E-ACF28364E49C}"/>
               </a:ext>
             </a:extLst>
           </p:cNvPr>
+          <p:cNvPicPr>
+            <a:picLocks noGrp="1" noChangeAspect="1"/>
+          </p:cNvPicPr>
+          <p:nvPr>
+            <p:ph idx="1"/>
+          </p:nvPr>
+        </p:nvPicPr>
+        <p:blipFill>
+          <a:blip r:embed="rId2"/>
+          <a:srcRect l="726" t="1373" r="820" b="2323"/>
+          <a:stretch>
+            <a:fillRect/>
+          </a:stretch>
+        </p:blipFill>
+        <p:spPr>
+          <a:xfrm>
+            <a:off x="1301750" y="1803399"/>
+            <a:ext cx="6534150" cy="3219451"/>
+          </a:xfrm>
+          <a:prstGeom prst="rect">
+            <a:avLst/>
+          </a:prstGeom>
+          <a:ln w="12700">
+            <a:solidFill>
+              <a:schemeClr val="tx1"/>
+            </a:solidFill>
+          </a:ln>
+        </p:spPr>
+      </p:pic>
+      <p:sp>
+        <p:nvSpPr>
+          <p:cNvPr id="5" name="TextBox 4">
+            <a:extLst>
+              <a:ext uri="{FF2B5EF4-FFF2-40B4-BE49-F238E27FC236}">
+                <a16:creationId xmlns:a16="http://schemas.microsoft.com/office/drawing/2014/main" id="{F98B6692-48A0-A1DA-B165-89E4DF78CDD7}"/>
+              </a:ext>
+            </a:extLst>
+          </p:cNvPr>
+          <p:cNvSpPr txBox="1"/>
+          <p:nvPr/>
+        </p:nvSpPr>
+        <p:spPr>
+          <a:xfrm>
+            <a:off x="1253697" y="5295627"/>
+            <a:ext cx="6636607" cy="646331"/>
+          </a:xfrm>
+          <a:prstGeom prst="rect">
+            <a:avLst/>
+          </a:prstGeom>
+          <a:noFill/>
+        </p:spPr>
+        <p:txBody>
+          <a:bodyPr wrap="square" rtlCol="0">
+            <a:spAutoFit/>
+          </a:bodyPr>
+          <a:lstStyle/>
+          <a:p>
+            <a:pPr algn="ctr"/>
+            <a:r>
+              <a:rPr lang="en-US" dirty="0"/>
+              <a:t>Diagram showing Faster R-CNN’s Detection Network</a:t>
+            </a:r>
+          </a:p>
+          <a:p>
+            <a:pPr algn="ctr"/>
+            <a:r>
+              <a:rPr lang="en-US" dirty="0"/>
+              <a:t>(G4G, 2025)</a:t>
+            </a:r>
+          </a:p>
+        </p:txBody>
+      </p:sp>
+    </p:spTree>
+    <p:extLst>
+      <p:ext uri="{BB962C8B-B14F-4D97-AF65-F5344CB8AC3E}">
+        <p14:creationId xmlns:p14="http://schemas.microsoft.com/office/powerpoint/2010/main" val="3339996143"/>
+      </p:ext>
+    </p:extLst>
+  </p:cSld>
+  <p:clrMapOvr>
+    <a:masterClrMapping/>
+  </p:clrMapOvr>
+</p:sld>
+</file>
+
+<file path=ppt/slides/slide8.xml><?xml version="1.0" encoding="utf-8"?>
+<p:sld xmlns:a="http://schemas.openxmlformats.org/drawingml/2006/main" xmlns:r="http://schemas.openxmlformats.org/officeDocument/2006/relationships" xmlns:p="http://schemas.openxmlformats.org/presentationml/2006/main">
+  <p:cSld>
+    <p:bg>
+      <p:bgPr>
+        <a:solidFill>
+          <a:schemeClr val="bg1"/>
+        </a:solidFill>
+        <a:effectLst/>
+      </p:bgPr>
+    </p:bg>
+    <p:spTree>
+      <p:nvGrpSpPr>
+        <p:cNvPr id="1" name=""/>
+        <p:cNvGrpSpPr/>
+        <p:nvPr/>
+      </p:nvGrpSpPr>
+      <p:grpSpPr>
+        <a:xfrm>
+          <a:off x="0" y="0"/>
+          <a:ext cx="0" cy="0"/>
+          <a:chOff x="0" y="0"/>
+          <a:chExt cx="0" cy="0"/>
+        </a:xfrm>
+      </p:grpSpPr>
+      <p:sp>
+        <p:nvSpPr>
+          <p:cNvPr id="12" name="Rectangle 11">
+            <a:extLst>
+              <a:ext uri="{FF2B5EF4-FFF2-40B4-BE49-F238E27FC236}">
+                <a16:creationId xmlns:a16="http://schemas.microsoft.com/office/drawing/2014/main" id="{AE2B703B-46F9-481A-A605-82E2A828C4FA}"/>
+              </a:ext>
+              <a:ext uri="{C183D7F6-B498-43B3-948B-1728B52AA6E4}">
+                <adec:decorative xmlns:adec="http://schemas.microsoft.com/office/drawing/2017/decorative" val="1"/>
+              </a:ext>
+            </a:extLst>
+          </p:cNvPr>
+          <p:cNvSpPr>
+            <a:spLocks noGrp="1" noRot="1" noChangeAspect="1" noMove="1" noResize="1" noEditPoints="1" noAdjustHandles="1" noChangeArrowheads="1" noChangeShapeType="1" noTextEdit="1"/>
+          </p:cNvSpPr>
+          <p:nvPr>
+            <p:extLst>
+              <p:ext uri="{386F3935-93C4-4BCD-93E2-E3B085C9AB24}">
+                <p16:designElem xmlns:p16="http://schemas.microsoft.com/office/powerpoint/2015/main" val="1"/>
+              </p:ext>
+            </p:extLst>
+          </p:nvPr>
+        </p:nvSpPr>
+        <p:spPr>
+          <a:xfrm>
+            <a:off x="0" y="0"/>
+            <a:ext cx="9144000" cy="6858000"/>
+          </a:xfrm>
+          <a:prstGeom prst="rect">
+            <a:avLst/>
+          </a:prstGeom>
+          <a:solidFill>
+            <a:schemeClr val="accent2"/>
+          </a:solidFill>
+          <a:ln>
+            <a:noFill/>
+          </a:ln>
+        </p:spPr>
+        <p:style>
+          <a:lnRef idx="2">
+            <a:schemeClr val="accent1">
+              <a:shade val="50000"/>
+            </a:schemeClr>
+          </a:lnRef>
+          <a:fillRef idx="1">
+            <a:schemeClr val="accent1"/>
+          </a:fillRef>
+          <a:effectRef idx="0">
+            <a:schemeClr val="accent1"/>
+          </a:effectRef>
+          <a:fontRef idx="minor">
+            <a:schemeClr val="lt1"/>
+          </a:fontRef>
+        </p:style>
+        <p:txBody>
+          <a:bodyPr rtlCol="0" anchor="ctr"/>
+          <a:lstStyle/>
+          <a:p>
+            <a:pPr algn="ctr"/>
+            <a:endParaRPr lang="en-US"/>
+          </a:p>
+        </p:txBody>
+      </p:sp>
+      <p:sp>
+        <p:nvSpPr>
+          <p:cNvPr id="2" name="Title 1"/>
           <p:cNvSpPr>
             <a:spLocks noGrp="1"/>
           </p:cNvSpPr>
           <p:nvPr>
-            <p:ph idx="1"/>
-          </p:nvPr>
-        </p:nvSpPr>
-        <p:spPr/>
+            <p:ph type="title"/>
+          </p:nvPr>
+        </p:nvSpPr>
+        <p:spPr>
+          <a:xfrm>
+            <a:off x="628650" y="459863"/>
+            <a:ext cx="7886700" cy="1004594"/>
+          </a:xfrm>
+        </p:spPr>
         <p:txBody>
           <a:bodyPr>
             <a:normAutofit/>
@@ -8550,35 +8589,441 @@
           <a:lstStyle/>
           <a:p>
             <a:r>
-              <a:rPr lang="en-US" sz="1400" dirty="0">
-                <a:effectLst/>
+              <a:rPr lang="en-US">
+                <a:solidFill>
+                  <a:srgbClr val="FFFFFF"/>
+                </a:solidFill>
               </a:rPr>
-              <a:t>Kundu, N. (2023, January 1). </a:t>
-            </a:r>
-            <a:r>
-              <a:rPr lang="en-US" sz="1400" i="1" dirty="0">
-                <a:effectLst/>
-              </a:rPr>
-              <a:t>Exploring Resnet50: An in-depth look at the model architecture and code implementation | by Nitish Kundu | Medium</a:t>
-            </a:r>
-            <a:r>
-              <a:rPr lang="en-US" sz="1400" dirty="0">
-                <a:effectLst/>
-              </a:rPr>
-              <a:t>. Exploring ResNet50: An In-Depth Look at the Model Architecture and Code Implementation. https://medium.com/@nitishkundu1993/exploring-resnet50-an-in-depth-look-at-the-model-architecture-and-code-implementation-d8d8fa67e46f </a:t>
-            </a:r>
-          </a:p>
-          <a:p>
-            <a:endParaRPr lang="en-US" sz="1400" dirty="0"/>
-          </a:p>
-        </p:txBody>
-      </p:sp>
+              <a:t>Key Strengths of the Pipeline</a:t>
+            </a:r>
+          </a:p>
+        </p:txBody>
+      </p:sp>
+      <p:sp>
+        <p:nvSpPr>
+          <p:cNvPr id="11" name="Rectangle: Rounded Corners 10">
+            <a:extLst>
+              <a:ext uri="{FF2B5EF4-FFF2-40B4-BE49-F238E27FC236}">
+                <a16:creationId xmlns:a16="http://schemas.microsoft.com/office/drawing/2014/main" id="{F13BE4D7-0C3D-4906-B230-A1C5B4665CCF}"/>
+              </a:ext>
+              <a:ext uri="{C183D7F6-B498-43B3-948B-1728B52AA6E4}">
+                <adec:decorative xmlns:adec="http://schemas.microsoft.com/office/drawing/2017/decorative" val="1"/>
+              </a:ext>
+            </a:extLst>
+          </p:cNvPr>
+          <p:cNvSpPr>
+            <a:spLocks noGrp="1" noRot="1" noChangeAspect="1" noMove="1" noResize="1" noEditPoints="1" noAdjustHandles="1" noChangeArrowheads="1" noChangeShapeType="1" noTextEdit="1"/>
+          </p:cNvSpPr>
+          <p:nvPr>
+            <p:extLst>
+              <p:ext uri="{386F3935-93C4-4BCD-93E2-E3B085C9AB24}">
+                <p16:designElem xmlns:p16="http://schemas.microsoft.com/office/powerpoint/2015/main" val="1"/>
+              </p:ext>
+            </p:extLst>
+          </p:nvPr>
+        </p:nvSpPr>
+        <p:spPr>
+          <a:xfrm>
+            <a:off x="434622" y="1587970"/>
+            <a:ext cx="8274756" cy="4768380"/>
+          </a:xfrm>
+          <a:prstGeom prst="roundRect">
+            <a:avLst>
+              <a:gd name="adj" fmla="val 3174"/>
+            </a:avLst>
+          </a:prstGeom>
+          <a:solidFill>
+            <a:schemeClr val="bg1">
+              <a:alpha val="95000"/>
+            </a:schemeClr>
+          </a:solidFill>
+          <a:ln>
+            <a:noFill/>
+          </a:ln>
+        </p:spPr>
+        <p:style>
+          <a:lnRef idx="2">
+            <a:schemeClr val="accent1">
+              <a:shade val="50000"/>
+            </a:schemeClr>
+          </a:lnRef>
+          <a:fillRef idx="1">
+            <a:schemeClr val="accent1"/>
+          </a:fillRef>
+          <a:effectRef idx="0">
+            <a:schemeClr val="accent1"/>
+          </a:effectRef>
+          <a:fontRef idx="minor">
+            <a:schemeClr val="lt1"/>
+          </a:fontRef>
+        </p:style>
+        <p:txBody>
+          <a:bodyPr rtlCol="0" anchor="ctr"/>
+          <a:lstStyle/>
+          <a:p>
+            <a:pPr algn="ctr"/>
+            <a:endParaRPr lang="en-US"/>
+          </a:p>
+        </p:txBody>
+      </p:sp>
+      <p:graphicFrame>
+        <p:nvGraphicFramePr>
+          <p:cNvPr id="13" name="Content Placeholder 2">
+            <a:extLst>
+              <a:ext uri="{FF2B5EF4-FFF2-40B4-BE49-F238E27FC236}">
+                <a16:creationId xmlns:a16="http://schemas.microsoft.com/office/drawing/2014/main" id="{7123F556-5EBF-E4F9-0746-32AB5946093F}"/>
+              </a:ext>
+            </a:extLst>
+          </p:cNvPr>
+          <p:cNvGraphicFramePr>
+            <a:graphicFrameLocks noGrp="1"/>
+          </p:cNvGraphicFramePr>
+          <p:nvPr>
+            <p:ph idx="1"/>
+            <p:extLst>
+              <p:ext uri="{D42A27DB-BD31-4B8C-83A1-F6EECF244321}">
+                <p14:modId xmlns:p14="http://schemas.microsoft.com/office/powerpoint/2010/main" val="1720489260"/>
+              </p:ext>
+            </p:extLst>
+          </p:nvPr>
+        </p:nvGraphicFramePr>
+        <p:xfrm>
+          <a:off x="628650" y="1800911"/>
+          <a:ext cx="7886700" cy="4351338"/>
+        </p:xfrm>
+        <a:graphic>
+          <a:graphicData uri="http://schemas.openxmlformats.org/drawingml/2006/diagram">
+            <dgm:relIds xmlns:dgm="http://schemas.openxmlformats.org/drawingml/2006/diagram" xmlns:r="http://schemas.openxmlformats.org/officeDocument/2006/relationships" r:dm="rId2" r:lo="rId3" r:qs="rId4" r:cs="rId5"/>
+          </a:graphicData>
+        </a:graphic>
+      </p:graphicFrame>
     </p:spTree>
-    <p:extLst>
-      <p:ext uri="{BB962C8B-B14F-4D97-AF65-F5344CB8AC3E}">
-        <p14:creationId xmlns:p14="http://schemas.microsoft.com/office/powerpoint/2010/main" val="2994786574"/>
-      </p:ext>
-    </p:extLst>
+  </p:cSld>
+  <p:clrMapOvr>
+    <a:masterClrMapping/>
+  </p:clrMapOvr>
+</p:sld>
+</file>
+
+<file path=ppt/slides/slide9.xml><?xml version="1.0" encoding="utf-8"?>
+<p:sld xmlns:a="http://schemas.openxmlformats.org/drawingml/2006/main" xmlns:r="http://schemas.openxmlformats.org/officeDocument/2006/relationships" xmlns:p="http://schemas.openxmlformats.org/presentationml/2006/main">
+  <p:cSld>
+    <p:bg>
+      <p:bgPr>
+        <a:solidFill>
+          <a:schemeClr val="bg1"/>
+        </a:solidFill>
+        <a:effectLst/>
+      </p:bgPr>
+    </p:bg>
+    <p:spTree>
+      <p:nvGrpSpPr>
+        <p:cNvPr id="1" name=""/>
+        <p:cNvGrpSpPr/>
+        <p:nvPr/>
+      </p:nvGrpSpPr>
+      <p:grpSpPr>
+        <a:xfrm>
+          <a:off x="0" y="0"/>
+          <a:ext cx="0" cy="0"/>
+          <a:chOff x="0" y="0"/>
+          <a:chExt cx="0" cy="0"/>
+        </a:xfrm>
+      </p:grpSpPr>
+      <p:sp>
+        <p:nvSpPr>
+          <p:cNvPr id="2" name="Title 1"/>
+          <p:cNvSpPr>
+            <a:spLocks noGrp="1"/>
+          </p:cNvSpPr>
+          <p:nvPr>
+            <p:ph type="title"/>
+          </p:nvPr>
+        </p:nvSpPr>
+        <p:spPr>
+          <a:xfrm>
+            <a:off x="840699" y="687480"/>
+            <a:ext cx="5605629" cy="994172"/>
+          </a:xfrm>
+        </p:spPr>
+        <p:txBody>
+          <a:bodyPr>
+            <a:normAutofit/>
+          </a:bodyPr>
+          <a:lstStyle/>
+          <a:p>
+            <a:r>
+              <a:rPr lang="en-US" sz="3850"/>
+              <a:t>Areas for Improvement</a:t>
+            </a:r>
+          </a:p>
+        </p:txBody>
+      </p:sp>
+      <p:sp>
+        <p:nvSpPr>
+          <p:cNvPr id="3" name="Content Placeholder 2"/>
+          <p:cNvSpPr>
+            <a:spLocks noGrp="1"/>
+          </p:cNvSpPr>
+          <p:nvPr>
+            <p:ph idx="1"/>
+          </p:nvPr>
+        </p:nvSpPr>
+        <p:spPr>
+          <a:xfrm>
+            <a:off x="852321" y="2227943"/>
+            <a:ext cx="5033221" cy="3788227"/>
+          </a:xfrm>
+        </p:spPr>
+        <p:txBody>
+          <a:bodyPr anchor="ctr">
+            <a:normAutofit/>
+          </a:bodyPr>
+          <a:lstStyle/>
+          <a:p>
+            <a:pPr>
+              <a:lnSpc>
+                <a:spcPct val="90000"/>
+              </a:lnSpc>
+            </a:pPr>
+            <a:endParaRPr lang="en-US" sz="1800"/>
+          </a:p>
+          <a:p>
+            <a:pPr lvl="1">
+              <a:lnSpc>
+                <a:spcPct val="90000"/>
+              </a:lnSpc>
+            </a:pPr>
+            <a:r>
+              <a:rPr lang="en-US" sz="1800"/>
+              <a:t>Add data augmentation to improve generalization.</a:t>
+            </a:r>
+          </a:p>
+          <a:p>
+            <a:pPr lvl="1">
+              <a:lnSpc>
+                <a:spcPct val="90000"/>
+              </a:lnSpc>
+            </a:pPr>
+            <a:r>
+              <a:rPr lang="en-US" sz="1800"/>
+              <a:t>Strengthen frame–annotation alignment to prevent indexing drift.</a:t>
+            </a:r>
+          </a:p>
+          <a:p>
+            <a:pPr lvl="1">
+              <a:lnSpc>
+                <a:spcPct val="90000"/>
+              </a:lnSpc>
+            </a:pPr>
+            <a:r>
+              <a:rPr lang="en-US" sz="1800"/>
+              <a:t>Consider pretrained backbones to reduce training time.</a:t>
+            </a:r>
+          </a:p>
+          <a:p>
+            <a:pPr lvl="1">
+              <a:lnSpc>
+                <a:spcPct val="90000"/>
+              </a:lnSpc>
+            </a:pPr>
+            <a:r>
+              <a:rPr lang="en-US" sz="1800"/>
+              <a:t>Expand evaluation metrics beyond binary accuracy (add IoU, mAP, recall).</a:t>
+            </a:r>
+          </a:p>
+          <a:p>
+            <a:pPr lvl="1">
+              <a:lnSpc>
+                <a:spcPct val="90000"/>
+              </a:lnSpc>
+            </a:pPr>
+            <a:r>
+              <a:rPr lang="en-US" sz="1800"/>
+              <a:t>Improve memory efficiency for larger datasets.</a:t>
+            </a:r>
+          </a:p>
+          <a:p>
+            <a:pPr lvl="1">
+              <a:lnSpc>
+                <a:spcPct val="90000"/>
+              </a:lnSpc>
+            </a:pPr>
+            <a:r>
+              <a:rPr lang="en-US" sz="1800"/>
+              <a:t>Externalize hyperparameters into a configuration file.</a:t>
+            </a:r>
+          </a:p>
+        </p:txBody>
+      </p:sp>
+      <p:sp>
+        <p:nvSpPr>
+          <p:cNvPr id="10" name="Rectangle 9">
+            <a:extLst>
+              <a:ext uri="{FF2B5EF4-FFF2-40B4-BE49-F238E27FC236}">
+                <a16:creationId xmlns:a16="http://schemas.microsoft.com/office/drawing/2014/main" id="{59A309A7-1751-4ABE-A3C1-EEC40366AD89}"/>
+              </a:ext>
+              <a:ext uri="{C183D7F6-B498-43B3-948B-1728B52AA6E4}">
+                <adec:decorative xmlns:adec="http://schemas.microsoft.com/office/drawing/2017/decorative" val="1"/>
+              </a:ext>
+            </a:extLst>
+          </p:cNvPr>
+          <p:cNvSpPr>
+            <a:spLocks noGrp="1" noRot="1" noChangeAspect="1" noMove="1" noResize="1" noEditPoints="1" noAdjustHandles="1" noChangeArrowheads="1" noChangeShapeType="1" noTextEdit="1"/>
+          </p:cNvSpPr>
+          <p:nvPr>
+            <p:extLst>
+              <p:ext uri="{386F3935-93C4-4BCD-93E2-E3B085C9AB24}">
+                <p16:designElem xmlns:p16="http://schemas.microsoft.com/office/powerpoint/2015/main" val="1"/>
+              </p:ext>
+            </p:extLst>
+          </p:nvPr>
+        </p:nvSpPr>
+        <p:spPr>
+          <a:xfrm>
+            <a:off x="7189435" y="0"/>
+            <a:ext cx="1954565" cy="6858000"/>
+          </a:xfrm>
+          <a:prstGeom prst="rect">
+            <a:avLst/>
+          </a:prstGeom>
+          <a:solidFill>
+            <a:schemeClr val="accent1"/>
+          </a:solidFill>
+          <a:ln>
+            <a:noFill/>
+          </a:ln>
+        </p:spPr>
+        <p:style>
+          <a:lnRef idx="2">
+            <a:schemeClr val="accent1">
+              <a:shade val="50000"/>
+            </a:schemeClr>
+          </a:lnRef>
+          <a:fillRef idx="1">
+            <a:schemeClr val="accent1"/>
+          </a:fillRef>
+          <a:effectRef idx="0">
+            <a:schemeClr val="accent1"/>
+          </a:effectRef>
+          <a:fontRef idx="minor">
+            <a:schemeClr val="lt1"/>
+          </a:fontRef>
+        </p:style>
+        <p:txBody>
+          <a:bodyPr rtlCol="0" anchor="ctr"/>
+          <a:lstStyle/>
+          <a:p>
+            <a:pPr algn="ctr"/>
+            <a:endParaRPr lang="en-US" sz="1350"/>
+          </a:p>
+        </p:txBody>
+      </p:sp>
+      <p:sp>
+        <p:nvSpPr>
+          <p:cNvPr id="12" name="Oval 11">
+            <a:extLst>
+              <a:ext uri="{FF2B5EF4-FFF2-40B4-BE49-F238E27FC236}">
+                <a16:creationId xmlns:a16="http://schemas.microsoft.com/office/drawing/2014/main" id="{967D8EB6-EAE1-4F9C-B398-83321E287204}"/>
+              </a:ext>
+              <a:ext uri="{C183D7F6-B498-43B3-948B-1728B52AA6E4}">
+                <adec:decorative xmlns:adec="http://schemas.microsoft.com/office/drawing/2017/decorative" val="1"/>
+              </a:ext>
+            </a:extLst>
+          </p:cNvPr>
+          <p:cNvSpPr>
+            <a:spLocks noGrp="1" noRot="1" noChangeAspect="1" noMove="1" noResize="1" noEditPoints="1" noAdjustHandles="1" noChangeArrowheads="1" noChangeShapeType="1" noTextEdit="1"/>
+          </p:cNvSpPr>
+          <p:nvPr>
+            <p:extLst>
+              <p:ext uri="{386F3935-93C4-4BCD-93E2-E3B085C9AB24}">
+                <p16:designElem xmlns:p16="http://schemas.microsoft.com/office/powerpoint/2015/main" val="1"/>
+              </p:ext>
+            </p:extLst>
+          </p:nvPr>
+        </p:nvSpPr>
+        <p:spPr>
+          <a:xfrm>
+            <a:off x="6129567" y="2369132"/>
+            <a:ext cx="2119736" cy="2119736"/>
+          </a:xfrm>
+          <a:prstGeom prst="ellipse">
+            <a:avLst/>
+          </a:prstGeom>
+          <a:solidFill>
+            <a:srgbClr val="FFFFFF"/>
+          </a:solidFill>
+          <a:ln w="22225">
+            <a:solidFill>
+              <a:schemeClr val="accent1"/>
+            </a:solidFill>
+          </a:ln>
+        </p:spPr>
+        <p:style>
+          <a:lnRef idx="2">
+            <a:schemeClr val="accent1">
+              <a:shade val="50000"/>
+            </a:schemeClr>
+          </a:lnRef>
+          <a:fillRef idx="1">
+            <a:schemeClr val="accent1"/>
+          </a:fillRef>
+          <a:effectRef idx="0">
+            <a:schemeClr val="accent1"/>
+          </a:effectRef>
+          <a:fontRef idx="minor">
+            <a:schemeClr val="lt1"/>
+          </a:fontRef>
+        </p:style>
+        <p:txBody>
+          <a:bodyPr rtlCol="0" anchor="ctr"/>
+          <a:lstStyle/>
+          <a:p>
+            <a:pPr algn="ctr"/>
+            <a:endParaRPr lang="en-US" sz="1350"/>
+          </a:p>
+        </p:txBody>
+      </p:sp>
+      <p:pic>
+        <p:nvPicPr>
+          <p:cNvPr id="7" name="Graphic 6" descr="Bar chart">
+            <a:extLst>
+              <a:ext uri="{FF2B5EF4-FFF2-40B4-BE49-F238E27FC236}">
+                <a16:creationId xmlns:a16="http://schemas.microsoft.com/office/drawing/2014/main" id="{4A28AE91-7439-AFB2-B8A0-80588CF324CE}"/>
+              </a:ext>
+            </a:extLst>
+          </p:cNvPr>
+          <p:cNvPicPr>
+            <a:picLocks noChangeAspect="1"/>
+          </p:cNvPicPr>
+          <p:nvPr/>
+        </p:nvPicPr>
+        <p:blipFill>
+          <a:blip r:embed="rId2">
+            <a:extLst>
+              <a:ext uri="{28A0092B-C50C-407E-A947-70E740481C1C}">
+                <a14:useLocalDpi xmlns:a14="http://schemas.microsoft.com/office/drawing/2010/main" val="0"/>
+              </a:ext>
+              <a:ext uri="{96DAC541-7B7A-43D3-8B79-37D633B846F1}">
+                <asvg:svgBlip xmlns:asvg="http://schemas.microsoft.com/office/drawing/2016/SVG/main" r:embed="rId3"/>
+              </a:ext>
+            </a:extLst>
+          </a:blip>
+          <a:stretch>
+            <a:fillRect/>
+          </a:stretch>
+        </p:blipFill>
+        <p:spPr>
+          <a:xfrm>
+            <a:off x="6624964" y="2865141"/>
+            <a:ext cx="1143455" cy="1143455"/>
+          </a:xfrm>
+          <a:prstGeom prst="rect">
+            <a:avLst/>
+          </a:prstGeom>
+        </p:spPr>
+      </p:pic>
+    </p:spTree>
   </p:cSld>
   <p:clrMapOvr>
     <a:masterClrMapping/>

--- a/Baseball_Detection_Presentation.pptx
+++ b/Baseball_Detection_Presentation.pptx
@@ -4,6 +4,9 @@
   <p:sldMasterIdLst>
     <p:sldMasterId id="2147483648" r:id="rId1"/>
   </p:sldMasterIdLst>
+  <p:notesMasterIdLst>
+    <p:notesMasterId r:id="rId13"/>
+  </p:notesMasterIdLst>
   <p:sldIdLst>
     <p:sldId id="256" r:id="rId2"/>
     <p:sldId id="257" r:id="rId3"/>
@@ -1279,7 +1282,7 @@
   <dgm:whole/>
   <dgm:extLst>
     <a:ext uri="http://schemas.microsoft.com/office/drawing/2008/diagram">
-      <dsp:dataModelExt xmlns:dsp="http://schemas.microsoft.com/office/drawing/2008/diagram" relId="rId6" minVer="http://schemas.openxmlformats.org/drawingml/2006/diagram"/>
+      <dsp:dataModelExt xmlns:dsp="http://schemas.microsoft.com/office/drawing/2008/diagram" relId="rId7" minVer="http://schemas.openxmlformats.org/drawingml/2006/diagram"/>
     </a:ext>
   </dgm:extLst>
 </dgm:dataModel>
@@ -2940,6 +2943,1225 @@
 </dgm:styleDef>
 </file>
 
+<file path=ppt/notesMasters/notesMaster1.xml><?xml version="1.0" encoding="utf-8"?>
+<p:notesMaster xmlns:a="http://schemas.openxmlformats.org/drawingml/2006/main" xmlns:r="http://schemas.openxmlformats.org/officeDocument/2006/relationships" xmlns:p="http://schemas.openxmlformats.org/presentationml/2006/main">
+  <p:cSld>
+    <p:bg>
+      <p:bgRef idx="1001">
+        <a:schemeClr val="bg1"/>
+      </p:bgRef>
+    </p:bg>
+    <p:spTree>
+      <p:nvGrpSpPr>
+        <p:cNvPr id="1" name=""/>
+        <p:cNvGrpSpPr/>
+        <p:nvPr/>
+      </p:nvGrpSpPr>
+      <p:grpSpPr>
+        <a:xfrm>
+          <a:off x="0" y="0"/>
+          <a:ext cx="0" cy="0"/>
+          <a:chOff x="0" y="0"/>
+          <a:chExt cx="0" cy="0"/>
+        </a:xfrm>
+      </p:grpSpPr>
+      <p:sp>
+        <p:nvSpPr>
+          <p:cNvPr id="2" name="Header Placeholder 1"/>
+          <p:cNvSpPr>
+            <a:spLocks noGrp="1"/>
+          </p:cNvSpPr>
+          <p:nvPr>
+            <p:ph type="hdr" sz="quarter"/>
+          </p:nvPr>
+        </p:nvSpPr>
+        <p:spPr>
+          <a:xfrm>
+            <a:off x="0" y="0"/>
+            <a:ext cx="2971800" cy="458788"/>
+          </a:xfrm>
+          <a:prstGeom prst="rect">
+            <a:avLst/>
+          </a:prstGeom>
+        </p:spPr>
+        <p:txBody>
+          <a:bodyPr vert="horz" lIns="91440" tIns="45720" rIns="91440" bIns="45720" rtlCol="0"/>
+          <a:lstStyle>
+            <a:lvl1pPr algn="l">
+              <a:defRPr sz="1200"/>
+            </a:lvl1pPr>
+          </a:lstStyle>
+          <a:p>
+            <a:endParaRPr lang="en-US"/>
+          </a:p>
+        </p:txBody>
+      </p:sp>
+      <p:sp>
+        <p:nvSpPr>
+          <p:cNvPr id="3" name="Date Placeholder 2"/>
+          <p:cNvSpPr>
+            <a:spLocks noGrp="1"/>
+          </p:cNvSpPr>
+          <p:nvPr>
+            <p:ph type="dt" idx="1"/>
+          </p:nvPr>
+        </p:nvSpPr>
+        <p:spPr>
+          <a:xfrm>
+            <a:off x="3884613" y="0"/>
+            <a:ext cx="2971800" cy="458788"/>
+          </a:xfrm>
+          <a:prstGeom prst="rect">
+            <a:avLst/>
+          </a:prstGeom>
+        </p:spPr>
+        <p:txBody>
+          <a:bodyPr vert="horz" lIns="91440" tIns="45720" rIns="91440" bIns="45720" rtlCol="0"/>
+          <a:lstStyle>
+            <a:lvl1pPr algn="r">
+              <a:defRPr sz="1200"/>
+            </a:lvl1pPr>
+          </a:lstStyle>
+          <a:p>
+            <a:fld id="{F17FC36D-3C7C-4D22-BF03-9D8688A1C323}" type="datetimeFigureOut">
+              <a:rPr lang="en-US" smtClean="0"/>
+              <a:t>12/15/2025</a:t>
+            </a:fld>
+            <a:endParaRPr lang="en-US"/>
+          </a:p>
+        </p:txBody>
+      </p:sp>
+      <p:sp>
+        <p:nvSpPr>
+          <p:cNvPr id="4" name="Slide Image Placeholder 3"/>
+          <p:cNvSpPr>
+            <a:spLocks noGrp="1" noRot="1" noChangeAspect="1"/>
+          </p:cNvSpPr>
+          <p:nvPr>
+            <p:ph type="sldImg" idx="2"/>
+          </p:nvPr>
+        </p:nvSpPr>
+        <p:spPr>
+          <a:xfrm>
+            <a:off x="1371600" y="1143000"/>
+            <a:ext cx="4114800" cy="3086100"/>
+          </a:xfrm>
+          <a:prstGeom prst="rect">
+            <a:avLst/>
+          </a:prstGeom>
+          <a:noFill/>
+          <a:ln w="12700">
+            <a:solidFill>
+              <a:prstClr val="black"/>
+            </a:solidFill>
+          </a:ln>
+        </p:spPr>
+        <p:txBody>
+          <a:bodyPr vert="horz" lIns="91440" tIns="45720" rIns="91440" bIns="45720" rtlCol="0" anchor="ctr"/>
+          <a:lstStyle/>
+          <a:p>
+            <a:endParaRPr lang="en-US"/>
+          </a:p>
+        </p:txBody>
+      </p:sp>
+      <p:sp>
+        <p:nvSpPr>
+          <p:cNvPr id="5" name="Notes Placeholder 4"/>
+          <p:cNvSpPr>
+            <a:spLocks noGrp="1"/>
+          </p:cNvSpPr>
+          <p:nvPr>
+            <p:ph type="body" sz="quarter" idx="3"/>
+          </p:nvPr>
+        </p:nvSpPr>
+        <p:spPr>
+          <a:xfrm>
+            <a:off x="685800" y="4400550"/>
+            <a:ext cx="5486400" cy="3600450"/>
+          </a:xfrm>
+          <a:prstGeom prst="rect">
+            <a:avLst/>
+          </a:prstGeom>
+        </p:spPr>
+        <p:txBody>
+          <a:bodyPr vert="horz" lIns="91440" tIns="45720" rIns="91440" bIns="45720" rtlCol="0"/>
+          <a:lstStyle/>
+          <a:p>
+            <a:pPr lvl="0"/>
+            <a:r>
+              <a:rPr lang="en-US"/>
+              <a:t>Click to edit Master text styles</a:t>
+            </a:r>
+          </a:p>
+          <a:p>
+            <a:pPr lvl="1"/>
+            <a:r>
+              <a:rPr lang="en-US"/>
+              <a:t>Second level</a:t>
+            </a:r>
+          </a:p>
+          <a:p>
+            <a:pPr lvl="2"/>
+            <a:r>
+              <a:rPr lang="en-US"/>
+              <a:t>Third level</a:t>
+            </a:r>
+          </a:p>
+          <a:p>
+            <a:pPr lvl="3"/>
+            <a:r>
+              <a:rPr lang="en-US"/>
+              <a:t>Fourth level</a:t>
+            </a:r>
+          </a:p>
+          <a:p>
+            <a:pPr lvl="4"/>
+            <a:r>
+              <a:rPr lang="en-US"/>
+              <a:t>Fifth level</a:t>
+            </a:r>
+          </a:p>
+        </p:txBody>
+      </p:sp>
+      <p:sp>
+        <p:nvSpPr>
+          <p:cNvPr id="6" name="Footer Placeholder 5"/>
+          <p:cNvSpPr>
+            <a:spLocks noGrp="1"/>
+          </p:cNvSpPr>
+          <p:nvPr>
+            <p:ph type="ftr" sz="quarter" idx="4"/>
+          </p:nvPr>
+        </p:nvSpPr>
+        <p:spPr>
+          <a:xfrm>
+            <a:off x="0" y="8685213"/>
+            <a:ext cx="2971800" cy="458787"/>
+          </a:xfrm>
+          <a:prstGeom prst="rect">
+            <a:avLst/>
+          </a:prstGeom>
+        </p:spPr>
+        <p:txBody>
+          <a:bodyPr vert="horz" lIns="91440" tIns="45720" rIns="91440" bIns="45720" rtlCol="0" anchor="b"/>
+          <a:lstStyle>
+            <a:lvl1pPr algn="l">
+              <a:defRPr sz="1200"/>
+            </a:lvl1pPr>
+          </a:lstStyle>
+          <a:p>
+            <a:endParaRPr lang="en-US"/>
+          </a:p>
+        </p:txBody>
+      </p:sp>
+      <p:sp>
+        <p:nvSpPr>
+          <p:cNvPr id="7" name="Slide Number Placeholder 6"/>
+          <p:cNvSpPr>
+            <a:spLocks noGrp="1"/>
+          </p:cNvSpPr>
+          <p:nvPr>
+            <p:ph type="sldNum" sz="quarter" idx="5"/>
+          </p:nvPr>
+        </p:nvSpPr>
+        <p:spPr>
+          <a:xfrm>
+            <a:off x="3884613" y="8685213"/>
+            <a:ext cx="2971800" cy="458787"/>
+          </a:xfrm>
+          <a:prstGeom prst="rect">
+            <a:avLst/>
+          </a:prstGeom>
+        </p:spPr>
+        <p:txBody>
+          <a:bodyPr vert="horz" lIns="91440" tIns="45720" rIns="91440" bIns="45720" rtlCol="0" anchor="b"/>
+          <a:lstStyle>
+            <a:lvl1pPr algn="r">
+              <a:defRPr sz="1200"/>
+            </a:lvl1pPr>
+          </a:lstStyle>
+          <a:p>
+            <a:fld id="{A2185CFA-6D28-4E27-A70B-CCF45ABD8690}" type="slidenum">
+              <a:rPr lang="en-US" smtClean="0"/>
+              <a:t>‹#›</a:t>
+            </a:fld>
+            <a:endParaRPr lang="en-US"/>
+          </a:p>
+        </p:txBody>
+      </p:sp>
+    </p:spTree>
+    <p:extLst>
+      <p:ext uri="{BB962C8B-B14F-4D97-AF65-F5344CB8AC3E}">
+        <p14:creationId xmlns:p14="http://schemas.microsoft.com/office/powerpoint/2010/main" val="1933415738"/>
+      </p:ext>
+    </p:extLst>
+  </p:cSld>
+  <p:clrMap bg1="lt1" tx1="dk1" bg2="lt2" tx2="dk2" accent1="accent1" accent2="accent2" accent3="accent3" accent4="accent4" accent5="accent5" accent6="accent6" hlink="hlink" folHlink="folHlink"/>
+  <p:notesStyle>
+    <a:lvl1pPr marL="0" algn="l" defTabSz="914400" rtl="0" eaLnBrk="1" latinLnBrk="0" hangingPunct="1">
+      <a:defRPr sz="1200" kern="1200">
+        <a:solidFill>
+          <a:schemeClr val="tx1"/>
+        </a:solidFill>
+        <a:latin typeface="+mn-lt"/>
+        <a:ea typeface="+mn-ea"/>
+        <a:cs typeface="+mn-cs"/>
+      </a:defRPr>
+    </a:lvl1pPr>
+    <a:lvl2pPr marL="457200" algn="l" defTabSz="914400" rtl="0" eaLnBrk="1" latinLnBrk="0" hangingPunct="1">
+      <a:defRPr sz="1200" kern="1200">
+        <a:solidFill>
+          <a:schemeClr val="tx1"/>
+        </a:solidFill>
+        <a:latin typeface="+mn-lt"/>
+        <a:ea typeface="+mn-ea"/>
+        <a:cs typeface="+mn-cs"/>
+      </a:defRPr>
+    </a:lvl2pPr>
+    <a:lvl3pPr marL="914400" algn="l" defTabSz="914400" rtl="0" eaLnBrk="1" latinLnBrk="0" hangingPunct="1">
+      <a:defRPr sz="1200" kern="1200">
+        <a:solidFill>
+          <a:schemeClr val="tx1"/>
+        </a:solidFill>
+        <a:latin typeface="+mn-lt"/>
+        <a:ea typeface="+mn-ea"/>
+        <a:cs typeface="+mn-cs"/>
+      </a:defRPr>
+    </a:lvl3pPr>
+    <a:lvl4pPr marL="1371600" algn="l" defTabSz="914400" rtl="0" eaLnBrk="1" latinLnBrk="0" hangingPunct="1">
+      <a:defRPr sz="1200" kern="1200">
+        <a:solidFill>
+          <a:schemeClr val="tx1"/>
+        </a:solidFill>
+        <a:latin typeface="+mn-lt"/>
+        <a:ea typeface="+mn-ea"/>
+        <a:cs typeface="+mn-cs"/>
+      </a:defRPr>
+    </a:lvl4pPr>
+    <a:lvl5pPr marL="1828800" algn="l" defTabSz="914400" rtl="0" eaLnBrk="1" latinLnBrk="0" hangingPunct="1">
+      <a:defRPr sz="1200" kern="1200">
+        <a:solidFill>
+          <a:schemeClr val="tx1"/>
+        </a:solidFill>
+        <a:latin typeface="+mn-lt"/>
+        <a:ea typeface="+mn-ea"/>
+        <a:cs typeface="+mn-cs"/>
+      </a:defRPr>
+    </a:lvl5pPr>
+    <a:lvl6pPr marL="2286000" algn="l" defTabSz="914400" rtl="0" eaLnBrk="1" latinLnBrk="0" hangingPunct="1">
+      <a:defRPr sz="1200" kern="1200">
+        <a:solidFill>
+          <a:schemeClr val="tx1"/>
+        </a:solidFill>
+        <a:latin typeface="+mn-lt"/>
+        <a:ea typeface="+mn-ea"/>
+        <a:cs typeface="+mn-cs"/>
+      </a:defRPr>
+    </a:lvl6pPr>
+    <a:lvl7pPr marL="2743200" algn="l" defTabSz="914400" rtl="0" eaLnBrk="1" latinLnBrk="0" hangingPunct="1">
+      <a:defRPr sz="1200" kern="1200">
+        <a:solidFill>
+          <a:schemeClr val="tx1"/>
+        </a:solidFill>
+        <a:latin typeface="+mn-lt"/>
+        <a:ea typeface="+mn-ea"/>
+        <a:cs typeface="+mn-cs"/>
+      </a:defRPr>
+    </a:lvl7pPr>
+    <a:lvl8pPr marL="3200400" algn="l" defTabSz="914400" rtl="0" eaLnBrk="1" latinLnBrk="0" hangingPunct="1">
+      <a:defRPr sz="1200" kern="1200">
+        <a:solidFill>
+          <a:schemeClr val="tx1"/>
+        </a:solidFill>
+        <a:latin typeface="+mn-lt"/>
+        <a:ea typeface="+mn-ea"/>
+        <a:cs typeface="+mn-cs"/>
+      </a:defRPr>
+    </a:lvl8pPr>
+    <a:lvl9pPr marL="3657600" algn="l" defTabSz="914400" rtl="0" eaLnBrk="1" latinLnBrk="0" hangingPunct="1">
+      <a:defRPr sz="1200" kern="1200">
+        <a:solidFill>
+          <a:schemeClr val="tx1"/>
+        </a:solidFill>
+        <a:latin typeface="+mn-lt"/>
+        <a:ea typeface="+mn-ea"/>
+        <a:cs typeface="+mn-cs"/>
+      </a:defRPr>
+    </a:lvl9pPr>
+  </p:notesStyle>
+</p:notesMaster>
+</file>
+
+<file path=ppt/notesSlides/notesSlide1.xml><?xml version="1.0" encoding="utf-8"?>
+<p:notes xmlns:a="http://schemas.openxmlformats.org/drawingml/2006/main" xmlns:r="http://schemas.openxmlformats.org/officeDocument/2006/relationships" xmlns:p="http://schemas.openxmlformats.org/presentationml/2006/main">
+  <p:cSld>
+    <p:spTree>
+      <p:nvGrpSpPr>
+        <p:cNvPr id="1" name=""/>
+        <p:cNvGrpSpPr/>
+        <p:nvPr/>
+      </p:nvGrpSpPr>
+      <p:grpSpPr>
+        <a:xfrm>
+          <a:off x="0" y="0"/>
+          <a:ext cx="0" cy="0"/>
+          <a:chOff x="0" y="0"/>
+          <a:chExt cx="0" cy="0"/>
+        </a:xfrm>
+      </p:grpSpPr>
+      <p:sp>
+        <p:nvSpPr>
+          <p:cNvPr id="2" name="Slide Image Placeholder 1"/>
+          <p:cNvSpPr>
+            <a:spLocks noGrp="1" noRot="1" noChangeAspect="1"/>
+          </p:cNvSpPr>
+          <p:nvPr>
+            <p:ph type="sldImg"/>
+          </p:nvPr>
+        </p:nvSpPr>
+        <p:spPr/>
+      </p:sp>
+      <p:sp>
+        <p:nvSpPr>
+          <p:cNvPr id="3" name="Notes Placeholder 2"/>
+          <p:cNvSpPr>
+            <a:spLocks noGrp="1"/>
+          </p:cNvSpPr>
+          <p:nvPr>
+            <p:ph type="body" idx="1"/>
+          </p:nvPr>
+        </p:nvSpPr>
+        <p:spPr/>
+        <p:txBody>
+          <a:bodyPr/>
+          <a:lstStyle/>
+          <a:p>
+            <a:r>
+              <a:rPr lang="en-US" dirty="0"/>
+              <a:t>Joel</a:t>
+            </a:r>
+          </a:p>
+        </p:txBody>
+      </p:sp>
+      <p:sp>
+        <p:nvSpPr>
+          <p:cNvPr id="4" name="Slide Number Placeholder 3"/>
+          <p:cNvSpPr>
+            <a:spLocks noGrp="1"/>
+          </p:cNvSpPr>
+          <p:nvPr>
+            <p:ph type="sldNum" sz="quarter" idx="5"/>
+          </p:nvPr>
+        </p:nvSpPr>
+        <p:spPr/>
+        <p:txBody>
+          <a:bodyPr/>
+          <a:lstStyle/>
+          <a:p>
+            <a:fld id="{A2185CFA-6D28-4E27-A70B-CCF45ABD8690}" type="slidenum">
+              <a:rPr lang="en-US" smtClean="0"/>
+              <a:t>1</a:t>
+            </a:fld>
+            <a:endParaRPr lang="en-US"/>
+          </a:p>
+        </p:txBody>
+      </p:sp>
+    </p:spTree>
+    <p:extLst>
+      <p:ext uri="{BB962C8B-B14F-4D97-AF65-F5344CB8AC3E}">
+        <p14:creationId xmlns:p14="http://schemas.microsoft.com/office/powerpoint/2010/main" val="3684989028"/>
+      </p:ext>
+    </p:extLst>
+  </p:cSld>
+  <p:clrMapOvr>
+    <a:masterClrMapping/>
+  </p:clrMapOvr>
+</p:notes>
+</file>
+
+<file path=ppt/notesSlides/notesSlide10.xml><?xml version="1.0" encoding="utf-8"?>
+<p:notes xmlns:a="http://schemas.openxmlformats.org/drawingml/2006/main" xmlns:r="http://schemas.openxmlformats.org/officeDocument/2006/relationships" xmlns:p="http://schemas.openxmlformats.org/presentationml/2006/main">
+  <p:cSld>
+    <p:spTree>
+      <p:nvGrpSpPr>
+        <p:cNvPr id="1" name=""/>
+        <p:cNvGrpSpPr/>
+        <p:nvPr/>
+      </p:nvGrpSpPr>
+      <p:grpSpPr>
+        <a:xfrm>
+          <a:off x="0" y="0"/>
+          <a:ext cx="0" cy="0"/>
+          <a:chOff x="0" y="0"/>
+          <a:chExt cx="0" cy="0"/>
+        </a:xfrm>
+      </p:grpSpPr>
+      <p:sp>
+        <p:nvSpPr>
+          <p:cNvPr id="2" name="Slide Image Placeholder 1"/>
+          <p:cNvSpPr>
+            <a:spLocks noGrp="1" noRot="1" noChangeAspect="1"/>
+          </p:cNvSpPr>
+          <p:nvPr>
+            <p:ph type="sldImg"/>
+          </p:nvPr>
+        </p:nvSpPr>
+        <p:spPr/>
+      </p:sp>
+      <p:sp>
+        <p:nvSpPr>
+          <p:cNvPr id="3" name="Notes Placeholder 2"/>
+          <p:cNvSpPr>
+            <a:spLocks noGrp="1"/>
+          </p:cNvSpPr>
+          <p:nvPr>
+            <p:ph type="body" idx="1"/>
+          </p:nvPr>
+        </p:nvSpPr>
+        <p:spPr/>
+        <p:txBody>
+          <a:bodyPr/>
+          <a:lstStyle/>
+          <a:p>
+            <a:r>
+              <a:rPr lang="en-US" dirty="0"/>
+              <a:t>Patrick</a:t>
+            </a:r>
+          </a:p>
+        </p:txBody>
+      </p:sp>
+      <p:sp>
+        <p:nvSpPr>
+          <p:cNvPr id="4" name="Slide Number Placeholder 3"/>
+          <p:cNvSpPr>
+            <a:spLocks noGrp="1"/>
+          </p:cNvSpPr>
+          <p:nvPr>
+            <p:ph type="sldNum" sz="quarter" idx="5"/>
+          </p:nvPr>
+        </p:nvSpPr>
+        <p:spPr/>
+        <p:txBody>
+          <a:bodyPr/>
+          <a:lstStyle/>
+          <a:p>
+            <a:fld id="{A2185CFA-6D28-4E27-A70B-CCF45ABD8690}" type="slidenum">
+              <a:rPr lang="en-US" smtClean="0"/>
+              <a:t>10</a:t>
+            </a:fld>
+            <a:endParaRPr lang="en-US"/>
+          </a:p>
+        </p:txBody>
+      </p:sp>
+    </p:spTree>
+    <p:extLst>
+      <p:ext uri="{BB962C8B-B14F-4D97-AF65-F5344CB8AC3E}">
+        <p14:creationId xmlns:p14="http://schemas.microsoft.com/office/powerpoint/2010/main" val="2115149420"/>
+      </p:ext>
+    </p:extLst>
+  </p:cSld>
+  <p:clrMapOvr>
+    <a:masterClrMapping/>
+  </p:clrMapOvr>
+</p:notes>
+</file>
+
+<file path=ppt/notesSlides/notesSlide2.xml><?xml version="1.0" encoding="utf-8"?>
+<p:notes xmlns:a="http://schemas.openxmlformats.org/drawingml/2006/main" xmlns:r="http://schemas.openxmlformats.org/officeDocument/2006/relationships" xmlns:p="http://schemas.openxmlformats.org/presentationml/2006/main">
+  <p:cSld>
+    <p:spTree>
+      <p:nvGrpSpPr>
+        <p:cNvPr id="1" name=""/>
+        <p:cNvGrpSpPr/>
+        <p:nvPr/>
+      </p:nvGrpSpPr>
+      <p:grpSpPr>
+        <a:xfrm>
+          <a:off x="0" y="0"/>
+          <a:ext cx="0" cy="0"/>
+          <a:chOff x="0" y="0"/>
+          <a:chExt cx="0" cy="0"/>
+        </a:xfrm>
+      </p:grpSpPr>
+      <p:sp>
+        <p:nvSpPr>
+          <p:cNvPr id="2" name="Slide Image Placeholder 1"/>
+          <p:cNvSpPr>
+            <a:spLocks noGrp="1" noRot="1" noChangeAspect="1"/>
+          </p:cNvSpPr>
+          <p:nvPr>
+            <p:ph type="sldImg"/>
+          </p:nvPr>
+        </p:nvSpPr>
+        <p:spPr/>
+      </p:sp>
+      <p:sp>
+        <p:nvSpPr>
+          <p:cNvPr id="3" name="Notes Placeholder 2"/>
+          <p:cNvSpPr>
+            <a:spLocks noGrp="1"/>
+          </p:cNvSpPr>
+          <p:nvPr>
+            <p:ph type="body" idx="1"/>
+          </p:nvPr>
+        </p:nvSpPr>
+        <p:spPr/>
+        <p:txBody>
+          <a:bodyPr/>
+          <a:lstStyle/>
+          <a:p>
+            <a:r>
+              <a:rPr lang="en-US" dirty="0"/>
+              <a:t>Joel</a:t>
+            </a:r>
+          </a:p>
+        </p:txBody>
+      </p:sp>
+      <p:sp>
+        <p:nvSpPr>
+          <p:cNvPr id="4" name="Slide Number Placeholder 3"/>
+          <p:cNvSpPr>
+            <a:spLocks noGrp="1"/>
+          </p:cNvSpPr>
+          <p:nvPr>
+            <p:ph type="sldNum" sz="quarter" idx="5"/>
+          </p:nvPr>
+        </p:nvSpPr>
+        <p:spPr/>
+        <p:txBody>
+          <a:bodyPr/>
+          <a:lstStyle/>
+          <a:p>
+            <a:fld id="{A2185CFA-6D28-4E27-A70B-CCF45ABD8690}" type="slidenum">
+              <a:rPr lang="en-US" smtClean="0"/>
+              <a:t>2</a:t>
+            </a:fld>
+            <a:endParaRPr lang="en-US"/>
+          </a:p>
+        </p:txBody>
+      </p:sp>
+    </p:spTree>
+    <p:extLst>
+      <p:ext uri="{BB962C8B-B14F-4D97-AF65-F5344CB8AC3E}">
+        <p14:creationId xmlns:p14="http://schemas.microsoft.com/office/powerpoint/2010/main" val="1990427857"/>
+      </p:ext>
+    </p:extLst>
+  </p:cSld>
+  <p:clrMapOvr>
+    <a:masterClrMapping/>
+  </p:clrMapOvr>
+</p:notes>
+</file>
+
+<file path=ppt/notesSlides/notesSlide3.xml><?xml version="1.0" encoding="utf-8"?>
+<p:notes xmlns:a="http://schemas.openxmlformats.org/drawingml/2006/main" xmlns:r="http://schemas.openxmlformats.org/officeDocument/2006/relationships" xmlns:p="http://schemas.openxmlformats.org/presentationml/2006/main">
+  <p:cSld>
+    <p:spTree>
+      <p:nvGrpSpPr>
+        <p:cNvPr id="1" name=""/>
+        <p:cNvGrpSpPr/>
+        <p:nvPr/>
+      </p:nvGrpSpPr>
+      <p:grpSpPr>
+        <a:xfrm>
+          <a:off x="0" y="0"/>
+          <a:ext cx="0" cy="0"/>
+          <a:chOff x="0" y="0"/>
+          <a:chExt cx="0" cy="0"/>
+        </a:xfrm>
+      </p:grpSpPr>
+      <p:sp>
+        <p:nvSpPr>
+          <p:cNvPr id="2" name="Slide Image Placeholder 1"/>
+          <p:cNvSpPr>
+            <a:spLocks noGrp="1" noRot="1" noChangeAspect="1"/>
+          </p:cNvSpPr>
+          <p:nvPr>
+            <p:ph type="sldImg"/>
+          </p:nvPr>
+        </p:nvSpPr>
+        <p:spPr/>
+      </p:sp>
+      <p:sp>
+        <p:nvSpPr>
+          <p:cNvPr id="3" name="Notes Placeholder 2"/>
+          <p:cNvSpPr>
+            <a:spLocks noGrp="1"/>
+          </p:cNvSpPr>
+          <p:nvPr>
+            <p:ph type="body" idx="1"/>
+          </p:nvPr>
+        </p:nvSpPr>
+        <p:spPr/>
+        <p:txBody>
+          <a:bodyPr/>
+          <a:lstStyle/>
+          <a:p>
+            <a:r>
+              <a:rPr lang="en-US" dirty="0"/>
+              <a:t>Joel</a:t>
+            </a:r>
+          </a:p>
+        </p:txBody>
+      </p:sp>
+      <p:sp>
+        <p:nvSpPr>
+          <p:cNvPr id="4" name="Slide Number Placeholder 3"/>
+          <p:cNvSpPr>
+            <a:spLocks noGrp="1"/>
+          </p:cNvSpPr>
+          <p:nvPr>
+            <p:ph type="sldNum" sz="quarter" idx="5"/>
+          </p:nvPr>
+        </p:nvSpPr>
+        <p:spPr/>
+        <p:txBody>
+          <a:bodyPr/>
+          <a:lstStyle/>
+          <a:p>
+            <a:fld id="{A2185CFA-6D28-4E27-A70B-CCF45ABD8690}" type="slidenum">
+              <a:rPr lang="en-US" smtClean="0"/>
+              <a:t>3</a:t>
+            </a:fld>
+            <a:endParaRPr lang="en-US"/>
+          </a:p>
+        </p:txBody>
+      </p:sp>
+    </p:spTree>
+    <p:extLst>
+      <p:ext uri="{BB962C8B-B14F-4D97-AF65-F5344CB8AC3E}">
+        <p14:creationId xmlns:p14="http://schemas.microsoft.com/office/powerpoint/2010/main" val="2936063902"/>
+      </p:ext>
+    </p:extLst>
+  </p:cSld>
+  <p:clrMapOvr>
+    <a:masterClrMapping/>
+  </p:clrMapOvr>
+</p:notes>
+</file>
+
+<file path=ppt/notesSlides/notesSlide4.xml><?xml version="1.0" encoding="utf-8"?>
+<p:notes xmlns:a="http://schemas.openxmlformats.org/drawingml/2006/main" xmlns:r="http://schemas.openxmlformats.org/officeDocument/2006/relationships" xmlns:p="http://schemas.openxmlformats.org/presentationml/2006/main">
+  <p:cSld>
+    <p:spTree>
+      <p:nvGrpSpPr>
+        <p:cNvPr id="1" name=""/>
+        <p:cNvGrpSpPr/>
+        <p:nvPr/>
+      </p:nvGrpSpPr>
+      <p:grpSpPr>
+        <a:xfrm>
+          <a:off x="0" y="0"/>
+          <a:ext cx="0" cy="0"/>
+          <a:chOff x="0" y="0"/>
+          <a:chExt cx="0" cy="0"/>
+        </a:xfrm>
+      </p:grpSpPr>
+      <p:sp>
+        <p:nvSpPr>
+          <p:cNvPr id="2" name="Slide Image Placeholder 1"/>
+          <p:cNvSpPr>
+            <a:spLocks noGrp="1" noRot="1" noChangeAspect="1"/>
+          </p:cNvSpPr>
+          <p:nvPr>
+            <p:ph type="sldImg"/>
+          </p:nvPr>
+        </p:nvSpPr>
+        <p:spPr/>
+      </p:sp>
+      <p:sp>
+        <p:nvSpPr>
+          <p:cNvPr id="3" name="Notes Placeholder 2"/>
+          <p:cNvSpPr>
+            <a:spLocks noGrp="1"/>
+          </p:cNvSpPr>
+          <p:nvPr>
+            <p:ph type="body" idx="1"/>
+          </p:nvPr>
+        </p:nvSpPr>
+        <p:spPr/>
+        <p:txBody>
+          <a:bodyPr/>
+          <a:lstStyle/>
+          <a:p>
+            <a:r>
+              <a:rPr lang="en-US" dirty="0"/>
+              <a:t>Glen</a:t>
+            </a:r>
+          </a:p>
+        </p:txBody>
+      </p:sp>
+      <p:sp>
+        <p:nvSpPr>
+          <p:cNvPr id="4" name="Slide Number Placeholder 3"/>
+          <p:cNvSpPr>
+            <a:spLocks noGrp="1"/>
+          </p:cNvSpPr>
+          <p:nvPr>
+            <p:ph type="sldNum" sz="quarter" idx="5"/>
+          </p:nvPr>
+        </p:nvSpPr>
+        <p:spPr/>
+        <p:txBody>
+          <a:bodyPr/>
+          <a:lstStyle/>
+          <a:p>
+            <a:fld id="{A2185CFA-6D28-4E27-A70B-CCF45ABD8690}" type="slidenum">
+              <a:rPr lang="en-US" smtClean="0"/>
+              <a:t>4</a:t>
+            </a:fld>
+            <a:endParaRPr lang="en-US"/>
+          </a:p>
+        </p:txBody>
+      </p:sp>
+    </p:spTree>
+    <p:extLst>
+      <p:ext uri="{BB962C8B-B14F-4D97-AF65-F5344CB8AC3E}">
+        <p14:creationId xmlns:p14="http://schemas.microsoft.com/office/powerpoint/2010/main" val="2285492456"/>
+      </p:ext>
+    </p:extLst>
+  </p:cSld>
+  <p:clrMapOvr>
+    <a:masterClrMapping/>
+  </p:clrMapOvr>
+</p:notes>
+</file>
+
+<file path=ppt/notesSlides/notesSlide5.xml><?xml version="1.0" encoding="utf-8"?>
+<p:notes xmlns:a="http://schemas.openxmlformats.org/drawingml/2006/main" xmlns:r="http://schemas.openxmlformats.org/officeDocument/2006/relationships" xmlns:p="http://schemas.openxmlformats.org/presentationml/2006/main">
+  <p:cSld>
+    <p:spTree>
+      <p:nvGrpSpPr>
+        <p:cNvPr id="1" name=""/>
+        <p:cNvGrpSpPr/>
+        <p:nvPr/>
+      </p:nvGrpSpPr>
+      <p:grpSpPr>
+        <a:xfrm>
+          <a:off x="0" y="0"/>
+          <a:ext cx="0" cy="0"/>
+          <a:chOff x="0" y="0"/>
+          <a:chExt cx="0" cy="0"/>
+        </a:xfrm>
+      </p:grpSpPr>
+      <p:sp>
+        <p:nvSpPr>
+          <p:cNvPr id="2" name="Slide Image Placeholder 1"/>
+          <p:cNvSpPr>
+            <a:spLocks noGrp="1" noRot="1" noChangeAspect="1"/>
+          </p:cNvSpPr>
+          <p:nvPr>
+            <p:ph type="sldImg"/>
+          </p:nvPr>
+        </p:nvSpPr>
+        <p:spPr/>
+      </p:sp>
+      <p:sp>
+        <p:nvSpPr>
+          <p:cNvPr id="3" name="Notes Placeholder 2"/>
+          <p:cNvSpPr>
+            <a:spLocks noGrp="1"/>
+          </p:cNvSpPr>
+          <p:nvPr>
+            <p:ph type="body" idx="1"/>
+          </p:nvPr>
+        </p:nvSpPr>
+        <p:spPr/>
+        <p:txBody>
+          <a:bodyPr/>
+          <a:lstStyle/>
+          <a:p>
+            <a:r>
+              <a:rPr lang="en-US" dirty="0"/>
+              <a:t>Glen</a:t>
+            </a:r>
+          </a:p>
+        </p:txBody>
+      </p:sp>
+      <p:sp>
+        <p:nvSpPr>
+          <p:cNvPr id="4" name="Slide Number Placeholder 3"/>
+          <p:cNvSpPr>
+            <a:spLocks noGrp="1"/>
+          </p:cNvSpPr>
+          <p:nvPr>
+            <p:ph type="sldNum" sz="quarter" idx="5"/>
+          </p:nvPr>
+        </p:nvSpPr>
+        <p:spPr/>
+        <p:txBody>
+          <a:bodyPr/>
+          <a:lstStyle/>
+          <a:p>
+            <a:fld id="{A2185CFA-6D28-4E27-A70B-CCF45ABD8690}" type="slidenum">
+              <a:rPr lang="en-US" smtClean="0"/>
+              <a:t>5</a:t>
+            </a:fld>
+            <a:endParaRPr lang="en-US"/>
+          </a:p>
+        </p:txBody>
+      </p:sp>
+    </p:spTree>
+    <p:extLst>
+      <p:ext uri="{BB962C8B-B14F-4D97-AF65-F5344CB8AC3E}">
+        <p14:creationId xmlns:p14="http://schemas.microsoft.com/office/powerpoint/2010/main" val="2902578910"/>
+      </p:ext>
+    </p:extLst>
+  </p:cSld>
+  <p:clrMapOvr>
+    <a:masterClrMapping/>
+  </p:clrMapOvr>
+</p:notes>
+</file>
+
+<file path=ppt/notesSlides/notesSlide6.xml><?xml version="1.0" encoding="utf-8"?>
+<p:notes xmlns:a="http://schemas.openxmlformats.org/drawingml/2006/main" xmlns:r="http://schemas.openxmlformats.org/officeDocument/2006/relationships" xmlns:p="http://schemas.openxmlformats.org/presentationml/2006/main">
+  <p:cSld>
+    <p:spTree>
+      <p:nvGrpSpPr>
+        <p:cNvPr id="1" name=""/>
+        <p:cNvGrpSpPr/>
+        <p:nvPr/>
+      </p:nvGrpSpPr>
+      <p:grpSpPr>
+        <a:xfrm>
+          <a:off x="0" y="0"/>
+          <a:ext cx="0" cy="0"/>
+          <a:chOff x="0" y="0"/>
+          <a:chExt cx="0" cy="0"/>
+        </a:xfrm>
+      </p:grpSpPr>
+      <p:sp>
+        <p:nvSpPr>
+          <p:cNvPr id="2" name="Slide Image Placeholder 1"/>
+          <p:cNvSpPr>
+            <a:spLocks noGrp="1" noRot="1" noChangeAspect="1"/>
+          </p:cNvSpPr>
+          <p:nvPr>
+            <p:ph type="sldImg"/>
+          </p:nvPr>
+        </p:nvSpPr>
+        <p:spPr/>
+      </p:sp>
+      <p:sp>
+        <p:nvSpPr>
+          <p:cNvPr id="3" name="Notes Placeholder 2"/>
+          <p:cNvSpPr>
+            <a:spLocks noGrp="1"/>
+          </p:cNvSpPr>
+          <p:nvPr>
+            <p:ph type="body" idx="1"/>
+          </p:nvPr>
+        </p:nvSpPr>
+        <p:spPr/>
+        <p:txBody>
+          <a:bodyPr/>
+          <a:lstStyle/>
+          <a:p>
+            <a:r>
+              <a:rPr lang="en-US" dirty="0"/>
+              <a:t>Glen</a:t>
+            </a:r>
+          </a:p>
+        </p:txBody>
+      </p:sp>
+      <p:sp>
+        <p:nvSpPr>
+          <p:cNvPr id="4" name="Slide Number Placeholder 3"/>
+          <p:cNvSpPr>
+            <a:spLocks noGrp="1"/>
+          </p:cNvSpPr>
+          <p:nvPr>
+            <p:ph type="sldNum" sz="quarter" idx="5"/>
+          </p:nvPr>
+        </p:nvSpPr>
+        <p:spPr/>
+        <p:txBody>
+          <a:bodyPr/>
+          <a:lstStyle/>
+          <a:p>
+            <a:fld id="{A2185CFA-6D28-4E27-A70B-CCF45ABD8690}" type="slidenum">
+              <a:rPr lang="en-US" smtClean="0"/>
+              <a:t>6</a:t>
+            </a:fld>
+            <a:endParaRPr lang="en-US"/>
+          </a:p>
+        </p:txBody>
+      </p:sp>
+    </p:spTree>
+    <p:extLst>
+      <p:ext uri="{BB962C8B-B14F-4D97-AF65-F5344CB8AC3E}">
+        <p14:creationId xmlns:p14="http://schemas.microsoft.com/office/powerpoint/2010/main" val="1756336795"/>
+      </p:ext>
+    </p:extLst>
+  </p:cSld>
+  <p:clrMapOvr>
+    <a:masterClrMapping/>
+  </p:clrMapOvr>
+</p:notes>
+</file>
+
+<file path=ppt/notesSlides/notesSlide7.xml><?xml version="1.0" encoding="utf-8"?>
+<p:notes xmlns:a="http://schemas.openxmlformats.org/drawingml/2006/main" xmlns:r="http://schemas.openxmlformats.org/officeDocument/2006/relationships" xmlns:p="http://schemas.openxmlformats.org/presentationml/2006/main">
+  <p:cSld>
+    <p:spTree>
+      <p:nvGrpSpPr>
+        <p:cNvPr id="1" name=""/>
+        <p:cNvGrpSpPr/>
+        <p:nvPr/>
+      </p:nvGrpSpPr>
+      <p:grpSpPr>
+        <a:xfrm>
+          <a:off x="0" y="0"/>
+          <a:ext cx="0" cy="0"/>
+          <a:chOff x="0" y="0"/>
+          <a:chExt cx="0" cy="0"/>
+        </a:xfrm>
+      </p:grpSpPr>
+      <p:sp>
+        <p:nvSpPr>
+          <p:cNvPr id="2" name="Slide Image Placeholder 1"/>
+          <p:cNvSpPr>
+            <a:spLocks noGrp="1" noRot="1" noChangeAspect="1"/>
+          </p:cNvSpPr>
+          <p:nvPr>
+            <p:ph type="sldImg"/>
+          </p:nvPr>
+        </p:nvSpPr>
+        <p:spPr/>
+      </p:sp>
+      <p:sp>
+        <p:nvSpPr>
+          <p:cNvPr id="3" name="Notes Placeholder 2"/>
+          <p:cNvSpPr>
+            <a:spLocks noGrp="1"/>
+          </p:cNvSpPr>
+          <p:nvPr>
+            <p:ph type="body" idx="1"/>
+          </p:nvPr>
+        </p:nvSpPr>
+        <p:spPr/>
+        <p:txBody>
+          <a:bodyPr/>
+          <a:lstStyle/>
+          <a:p>
+            <a:r>
+              <a:rPr lang="en-US" dirty="0"/>
+              <a:t>Glen</a:t>
+            </a:r>
+          </a:p>
+        </p:txBody>
+      </p:sp>
+      <p:sp>
+        <p:nvSpPr>
+          <p:cNvPr id="4" name="Slide Number Placeholder 3"/>
+          <p:cNvSpPr>
+            <a:spLocks noGrp="1"/>
+          </p:cNvSpPr>
+          <p:nvPr>
+            <p:ph type="sldNum" sz="quarter" idx="5"/>
+          </p:nvPr>
+        </p:nvSpPr>
+        <p:spPr/>
+        <p:txBody>
+          <a:bodyPr/>
+          <a:lstStyle/>
+          <a:p>
+            <a:fld id="{A2185CFA-6D28-4E27-A70B-CCF45ABD8690}" type="slidenum">
+              <a:rPr lang="en-US" smtClean="0"/>
+              <a:t>7</a:t>
+            </a:fld>
+            <a:endParaRPr lang="en-US"/>
+          </a:p>
+        </p:txBody>
+      </p:sp>
+    </p:spTree>
+    <p:extLst>
+      <p:ext uri="{BB962C8B-B14F-4D97-AF65-F5344CB8AC3E}">
+        <p14:creationId xmlns:p14="http://schemas.microsoft.com/office/powerpoint/2010/main" val="1732876755"/>
+      </p:ext>
+    </p:extLst>
+  </p:cSld>
+  <p:clrMapOvr>
+    <a:masterClrMapping/>
+  </p:clrMapOvr>
+</p:notes>
+</file>
+
+<file path=ppt/notesSlides/notesSlide8.xml><?xml version="1.0" encoding="utf-8"?>
+<p:notes xmlns:a="http://schemas.openxmlformats.org/drawingml/2006/main" xmlns:r="http://schemas.openxmlformats.org/officeDocument/2006/relationships" xmlns:p="http://schemas.openxmlformats.org/presentationml/2006/main">
+  <p:cSld>
+    <p:spTree>
+      <p:nvGrpSpPr>
+        <p:cNvPr id="1" name=""/>
+        <p:cNvGrpSpPr/>
+        <p:nvPr/>
+      </p:nvGrpSpPr>
+      <p:grpSpPr>
+        <a:xfrm>
+          <a:off x="0" y="0"/>
+          <a:ext cx="0" cy="0"/>
+          <a:chOff x="0" y="0"/>
+          <a:chExt cx="0" cy="0"/>
+        </a:xfrm>
+      </p:grpSpPr>
+      <p:sp>
+        <p:nvSpPr>
+          <p:cNvPr id="2" name="Slide Image Placeholder 1"/>
+          <p:cNvSpPr>
+            <a:spLocks noGrp="1" noRot="1" noChangeAspect="1"/>
+          </p:cNvSpPr>
+          <p:nvPr>
+            <p:ph type="sldImg"/>
+          </p:nvPr>
+        </p:nvSpPr>
+        <p:spPr/>
+      </p:sp>
+      <p:sp>
+        <p:nvSpPr>
+          <p:cNvPr id="3" name="Notes Placeholder 2"/>
+          <p:cNvSpPr>
+            <a:spLocks noGrp="1"/>
+          </p:cNvSpPr>
+          <p:nvPr>
+            <p:ph type="body" idx="1"/>
+          </p:nvPr>
+        </p:nvSpPr>
+        <p:spPr/>
+        <p:txBody>
+          <a:bodyPr/>
+          <a:lstStyle/>
+          <a:p>
+            <a:r>
+              <a:rPr lang="en-US" dirty="0"/>
+              <a:t>Patrick</a:t>
+            </a:r>
+          </a:p>
+        </p:txBody>
+      </p:sp>
+      <p:sp>
+        <p:nvSpPr>
+          <p:cNvPr id="4" name="Slide Number Placeholder 3"/>
+          <p:cNvSpPr>
+            <a:spLocks noGrp="1"/>
+          </p:cNvSpPr>
+          <p:nvPr>
+            <p:ph type="sldNum" sz="quarter" idx="5"/>
+          </p:nvPr>
+        </p:nvSpPr>
+        <p:spPr/>
+        <p:txBody>
+          <a:bodyPr/>
+          <a:lstStyle/>
+          <a:p>
+            <a:fld id="{A2185CFA-6D28-4E27-A70B-CCF45ABD8690}" type="slidenum">
+              <a:rPr lang="en-US" smtClean="0"/>
+              <a:t>8</a:t>
+            </a:fld>
+            <a:endParaRPr lang="en-US"/>
+          </a:p>
+        </p:txBody>
+      </p:sp>
+    </p:spTree>
+    <p:extLst>
+      <p:ext uri="{BB962C8B-B14F-4D97-AF65-F5344CB8AC3E}">
+        <p14:creationId xmlns:p14="http://schemas.microsoft.com/office/powerpoint/2010/main" val="1060973593"/>
+      </p:ext>
+    </p:extLst>
+  </p:cSld>
+  <p:clrMapOvr>
+    <a:masterClrMapping/>
+  </p:clrMapOvr>
+</p:notes>
+</file>
+
+<file path=ppt/notesSlides/notesSlide9.xml><?xml version="1.0" encoding="utf-8"?>
+<p:notes xmlns:a="http://schemas.openxmlformats.org/drawingml/2006/main" xmlns:r="http://schemas.openxmlformats.org/officeDocument/2006/relationships" xmlns:p="http://schemas.openxmlformats.org/presentationml/2006/main">
+  <p:cSld>
+    <p:spTree>
+      <p:nvGrpSpPr>
+        <p:cNvPr id="1" name=""/>
+        <p:cNvGrpSpPr/>
+        <p:nvPr/>
+      </p:nvGrpSpPr>
+      <p:grpSpPr>
+        <a:xfrm>
+          <a:off x="0" y="0"/>
+          <a:ext cx="0" cy="0"/>
+          <a:chOff x="0" y="0"/>
+          <a:chExt cx="0" cy="0"/>
+        </a:xfrm>
+      </p:grpSpPr>
+      <p:sp>
+        <p:nvSpPr>
+          <p:cNvPr id="2" name="Slide Image Placeholder 1"/>
+          <p:cNvSpPr>
+            <a:spLocks noGrp="1" noRot="1" noChangeAspect="1"/>
+          </p:cNvSpPr>
+          <p:nvPr>
+            <p:ph type="sldImg"/>
+          </p:nvPr>
+        </p:nvSpPr>
+        <p:spPr/>
+      </p:sp>
+      <p:sp>
+        <p:nvSpPr>
+          <p:cNvPr id="3" name="Notes Placeholder 2"/>
+          <p:cNvSpPr>
+            <a:spLocks noGrp="1"/>
+          </p:cNvSpPr>
+          <p:nvPr>
+            <p:ph type="body" idx="1"/>
+          </p:nvPr>
+        </p:nvSpPr>
+        <p:spPr/>
+        <p:txBody>
+          <a:bodyPr/>
+          <a:lstStyle/>
+          <a:p>
+            <a:r>
+              <a:rPr lang="en-US" dirty="0"/>
+              <a:t>Patrick</a:t>
+            </a:r>
+          </a:p>
+        </p:txBody>
+      </p:sp>
+      <p:sp>
+        <p:nvSpPr>
+          <p:cNvPr id="4" name="Slide Number Placeholder 3"/>
+          <p:cNvSpPr>
+            <a:spLocks noGrp="1"/>
+          </p:cNvSpPr>
+          <p:nvPr>
+            <p:ph type="sldNum" sz="quarter" idx="5"/>
+          </p:nvPr>
+        </p:nvSpPr>
+        <p:spPr/>
+        <p:txBody>
+          <a:bodyPr/>
+          <a:lstStyle/>
+          <a:p>
+            <a:fld id="{A2185CFA-6D28-4E27-A70B-CCF45ABD8690}" type="slidenum">
+              <a:rPr lang="en-US" smtClean="0"/>
+              <a:t>9</a:t>
+            </a:fld>
+            <a:endParaRPr lang="en-US"/>
+          </a:p>
+        </p:txBody>
+      </p:sp>
+    </p:spTree>
+    <p:extLst>
+      <p:ext uri="{BB962C8B-B14F-4D97-AF65-F5344CB8AC3E}">
+        <p14:creationId xmlns:p14="http://schemas.microsoft.com/office/powerpoint/2010/main" val="1532237427"/>
+      </p:ext>
+    </p:extLst>
+  </p:cSld>
+  <p:clrMapOvr>
+    <a:masterClrMapping/>
+  </p:clrMapOvr>
+</p:notes>
+</file>
+
 <file path=ppt/slideLayouts/slideLayout1.xml><?xml version="1.0" encoding="utf-8"?>
 <p:sldLayout xmlns:a="http://schemas.openxmlformats.org/drawingml/2006/main" xmlns:r="http://schemas.openxmlformats.org/officeDocument/2006/relationships" xmlns:p="http://schemas.openxmlformats.org/presentationml/2006/main" type="title" preserve="1">
   <p:cSld name="Title Slide">
@@ -5930,7 +7152,7 @@
           <p:nvPr/>
         </p:nvPicPr>
         <p:blipFill>
-          <a:blip r:embed="rId2"/>
+          <a:blip r:embed="rId3"/>
           <a:srcRect r="11710" b="-1"/>
           <a:stretch>
             <a:fillRect/>
@@ -6295,31 +7517,6 @@
           <a:lstStyle/>
           <a:p>
             <a:pPr algn="ctr"/>
-            <a:endParaRPr lang="en-US"/>
-          </a:p>
-        </p:txBody>
-      </p:sp>
-      <p:sp>
-        <p:nvSpPr>
-          <p:cNvPr id="6" name="Subtitle 5">
-            <a:extLst>
-              <a:ext uri="{FF2B5EF4-FFF2-40B4-BE49-F238E27FC236}">
-                <a16:creationId xmlns:a16="http://schemas.microsoft.com/office/drawing/2014/main" id="{4129BCD1-513E-4320-B37C-8E2F2DCDA6CB}"/>
-              </a:ext>
-            </a:extLst>
-          </p:cNvPr>
-          <p:cNvSpPr>
-            <a:spLocks noGrp="1"/>
-          </p:cNvSpPr>
-          <p:nvPr>
-            <p:ph type="subTitle" idx="1"/>
-          </p:nvPr>
-        </p:nvSpPr>
-        <p:spPr/>
-        <p:txBody>
-          <a:bodyPr/>
-          <a:lstStyle/>
-          <a:p>
             <a:endParaRPr lang="en-US"/>
           </a:p>
         </p:txBody>
@@ -7410,7 +8607,7 @@
           <a:lstStyle/>
           <a:p>
             <a:r>
-              <a:rPr lang="en-US" sz="3500"/>
+              <a:rPr lang="en-US" dirty="0"/>
               <a:t>Overview</a:t>
             </a:r>
           </a:p>
@@ -7428,8 +8625,8 @@
         </p:nvSpPr>
         <p:spPr>
           <a:xfrm>
-            <a:off x="571351" y="2743200"/>
-            <a:ext cx="3485179" cy="3613149"/>
+            <a:off x="571351" y="2324912"/>
+            <a:ext cx="3485179" cy="4031437"/>
           </a:xfrm>
         </p:spPr>
         <p:txBody>
@@ -7439,8 +8636,14 @@
           <a:lstStyle/>
           <a:p>
             <a:r>
-              <a:rPr lang="en-US" sz="1700"/>
-              <a:t>This presentation summarizes the strengths and improvement areas of the baseball video detection pipeline, which uses Faster R‑CNN for detecting moving vs. non‑moving objects in baseball footage.</a:t>
+              <a:rPr lang="en-US" sz="2400" dirty="0"/>
+              <a:t>Summarizes the strengths and improvement areas of the baseball video detection pipeline</a:t>
+            </a:r>
+          </a:p>
+          <a:p>
+            <a:r>
+              <a:rPr lang="en-US" sz="2400" dirty="0"/>
+              <a:t>Using Faster R‑CNN for detecting moving vs. non‑moving objects in baseball footage.</a:t>
             </a:r>
           </a:p>
         </p:txBody>
@@ -7460,7 +8663,7 @@
           <p:nvPr/>
         </p:nvPicPr>
         <p:blipFill>
-          <a:blip r:embed="rId2"/>
+          <a:blip r:embed="rId3"/>
           <a:srcRect l="23363" r="24413" b="2"/>
           <a:stretch>
             <a:fillRect/>
@@ -7487,6 +8690,14 @@
 <file path=ppt/slides/slide3.xml><?xml version="1.0" encoding="utf-8"?>
 <p:sld xmlns:a="http://schemas.openxmlformats.org/drawingml/2006/main" xmlns:r="http://schemas.openxmlformats.org/officeDocument/2006/relationships" xmlns:p="http://schemas.openxmlformats.org/presentationml/2006/main">
   <p:cSld>
+    <p:bg>
+      <p:bgPr>
+        <a:solidFill>
+          <a:schemeClr val="bg1"/>
+        </a:solidFill>
+        <a:effectLst/>
+      </p:bgPr>
+    </p:bg>
     <p:spTree>
       <p:nvGrpSpPr>
         <p:cNvPr id="1" name=""/>
@@ -7501,6 +8712,66 @@
           <a:chExt cx="0" cy="0"/>
         </a:xfrm>
       </p:grpSpPr>
+      <p:sp useBgFill="1">
+        <p:nvSpPr>
+          <p:cNvPr id="16" name="Rectangle 15">
+            <a:extLst>
+              <a:ext uri="{FF2B5EF4-FFF2-40B4-BE49-F238E27FC236}">
+                <a16:creationId xmlns:a16="http://schemas.microsoft.com/office/drawing/2014/main" id="{BCED4D40-4B67-4331-AC48-79B82B4A47D8}"/>
+              </a:ext>
+              <a:ext uri="{C183D7F6-B498-43B3-948B-1728B52AA6E4}">
+                <adec:decorative xmlns:adec="http://schemas.microsoft.com/office/drawing/2017/decorative" val="1"/>
+              </a:ext>
+            </a:extLst>
+          </p:cNvPr>
+          <p:cNvSpPr>
+            <a:spLocks noGrp="1" noRot="1" noChangeAspect="1" noMove="1" noResize="1" noEditPoints="1" noAdjustHandles="1" noChangeArrowheads="1" noChangeShapeType="1" noTextEdit="1"/>
+          </p:cNvSpPr>
+          <p:nvPr>
+            <p:extLst>
+              <p:ext uri="{386F3935-93C4-4BCD-93E2-E3B085C9AB24}">
+                <p16:designElem xmlns:p16="http://schemas.microsoft.com/office/powerpoint/2015/main" val="1"/>
+              </p:ext>
+            </p:extLst>
+          </p:nvPr>
+        </p:nvSpPr>
+        <p:spPr>
+          <a:xfrm>
+            <a:off x="0" y="0"/>
+            <a:ext cx="9144000" cy="6858000"/>
+          </a:xfrm>
+          <a:prstGeom prst="rect">
+            <a:avLst/>
+          </a:prstGeom>
+          <a:ln>
+            <a:noFill/>
+          </a:ln>
+        </p:spPr>
+        <p:style>
+          <a:lnRef idx="2">
+            <a:schemeClr val="accent1">
+              <a:shade val="50000"/>
+            </a:schemeClr>
+          </a:lnRef>
+          <a:fillRef idx="1">
+            <a:schemeClr val="accent1"/>
+          </a:fillRef>
+          <a:effectRef idx="0">
+            <a:schemeClr val="accent1"/>
+          </a:effectRef>
+          <a:fontRef idx="minor">
+            <a:schemeClr val="lt1"/>
+          </a:fontRef>
+        </p:style>
+        <p:txBody>
+          <a:bodyPr rtlCol="0" anchor="ctr"/>
+          <a:lstStyle/>
+          <a:p>
+            <a:pPr algn="ctr"/>
+            <a:endParaRPr lang="en-US"/>
+          </a:p>
+        </p:txBody>
+      </p:sp>
       <p:sp>
         <p:nvSpPr>
           <p:cNvPr id="2" name="Title 1">
@@ -7517,13 +8788,32 @@
             <p:ph type="title"/>
           </p:nvPr>
         </p:nvSpPr>
-        <p:spPr/>
-        <p:txBody>
-          <a:bodyPr/>
+        <p:spPr>
+          <a:xfrm>
+            <a:off x="479160" y="417576"/>
+            <a:ext cx="8182230" cy="1249394"/>
+          </a:xfrm>
+        </p:spPr>
+        <p:txBody>
+          <a:bodyPr vert="horz" lIns="91440" tIns="45720" rIns="91440" bIns="45720" rtlCol="0" anchor="ctr">
+            <a:normAutofit/>
+          </a:bodyPr>
           <a:lstStyle/>
           <a:p>
-            <a:r>
-              <a:rPr lang="en-US" dirty="0"/>
+            <a:pPr defTabSz="914400">
+              <a:lnSpc>
+                <a:spcPct val="90000"/>
+              </a:lnSpc>
+            </a:pPr>
+            <a:r>
+              <a:rPr lang="en-US" sz="5700" kern="1200">
+                <a:solidFill>
+                  <a:schemeClr val="tx1"/>
+                </a:solidFill>
+                <a:latin typeface="+mj-lt"/>
+                <a:ea typeface="+mj-ea"/>
+                <a:cs typeface="+mj-cs"/>
+              </a:rPr>
               <a:t>Data Pipeline</a:t>
             </a:r>
           </a:p>
@@ -7531,32 +8821,317 @@
       </p:sp>
       <p:sp>
         <p:nvSpPr>
-          <p:cNvPr id="3" name="Content Placeholder 2">
+          <p:cNvPr id="18" name="sketch line">
             <a:extLst>
               <a:ext uri="{FF2B5EF4-FFF2-40B4-BE49-F238E27FC236}">
-                <a16:creationId xmlns:a16="http://schemas.microsoft.com/office/drawing/2014/main" id="{4BAA18AA-959A-29BA-CFFF-F32B3C3996A3}"/>
+                <a16:creationId xmlns:a16="http://schemas.microsoft.com/office/drawing/2014/main" id="{670CEDEF-4F34-412E-84EE-329C1E936AF5}"/>
+              </a:ext>
+              <a:ext uri="{C183D7F6-B498-43B3-948B-1728B52AA6E4}">
+                <adec:decorative xmlns:adec="http://schemas.microsoft.com/office/drawing/2017/decorative" val="1"/>
               </a:ext>
             </a:extLst>
           </p:cNvPr>
           <p:cNvSpPr>
-            <a:spLocks noGrp="1"/>
-          </p:cNvSpPr>
-          <p:nvPr>
-            <p:ph idx="1"/>
-          </p:nvPr>
-        </p:nvSpPr>
-        <p:spPr/>
-        <p:txBody>
-          <a:bodyPr/>
+            <a:spLocks noGrp="1" noRot="1" noChangeAspect="1" noMove="1" noResize="1" noEditPoints="1" noAdjustHandles="1" noChangeArrowheads="1" noChangeShapeType="1" noTextEdit="1"/>
+          </p:cNvSpPr>
+          <p:nvPr>
+            <p:extLst>
+              <p:ext uri="{386F3935-93C4-4BCD-93E2-E3B085C9AB24}">
+                <p16:designElem xmlns:p16="http://schemas.microsoft.com/office/powerpoint/2015/main" val="1"/>
+              </p:ext>
+            </p:extLst>
+          </p:nvPr>
+        </p:nvSpPr>
+        <p:spPr>
+          <a:xfrm>
+            <a:off x="2855776" y="1733454"/>
+            <a:ext cx="3429000" cy="18288"/>
+          </a:xfrm>
+          <a:custGeom>
+            <a:avLst/>
+            <a:gdLst>
+              <a:gd name="csX0" fmla="*/ 0 w 3429000"/>
+              <a:gd name="csY0" fmla="*/ 0 h 18288"/>
+              <a:gd name="csX1" fmla="*/ 685800 w 3429000"/>
+              <a:gd name="csY1" fmla="*/ 0 h 18288"/>
+              <a:gd name="csX2" fmla="*/ 1371600 w 3429000"/>
+              <a:gd name="csY2" fmla="*/ 0 h 18288"/>
+              <a:gd name="csX3" fmla="*/ 2057400 w 3429000"/>
+              <a:gd name="csY3" fmla="*/ 0 h 18288"/>
+              <a:gd name="csX4" fmla="*/ 2674620 w 3429000"/>
+              <a:gd name="csY4" fmla="*/ 0 h 18288"/>
+              <a:gd name="csX5" fmla="*/ 3429000 w 3429000"/>
+              <a:gd name="csY5" fmla="*/ 0 h 18288"/>
+              <a:gd name="csX6" fmla="*/ 3429000 w 3429000"/>
+              <a:gd name="csY6" fmla="*/ 18288 h 18288"/>
+              <a:gd name="csX7" fmla="*/ 2811780 w 3429000"/>
+              <a:gd name="csY7" fmla="*/ 18288 h 18288"/>
+              <a:gd name="csX8" fmla="*/ 2228850 w 3429000"/>
+              <a:gd name="csY8" fmla="*/ 18288 h 18288"/>
+              <a:gd name="csX9" fmla="*/ 1543050 w 3429000"/>
+              <a:gd name="csY9" fmla="*/ 18288 h 18288"/>
+              <a:gd name="csX10" fmla="*/ 925830 w 3429000"/>
+              <a:gd name="csY10" fmla="*/ 18288 h 18288"/>
+              <a:gd name="csX11" fmla="*/ 0 w 3429000"/>
+              <a:gd name="csY11" fmla="*/ 18288 h 18288"/>
+              <a:gd name="csX12" fmla="*/ 0 w 3429000"/>
+              <a:gd name="csY12" fmla="*/ 0 h 18288"/>
+            </a:gdLst>
+            <a:ahLst/>
+            <a:cxnLst>
+              <a:cxn ang="0">
+                <a:pos x="csX0" y="csY0"/>
+              </a:cxn>
+              <a:cxn ang="0">
+                <a:pos x="csX1" y="csY1"/>
+              </a:cxn>
+              <a:cxn ang="0">
+                <a:pos x="csX2" y="csY2"/>
+              </a:cxn>
+              <a:cxn ang="0">
+                <a:pos x="csX3" y="csY3"/>
+              </a:cxn>
+              <a:cxn ang="0">
+                <a:pos x="csX4" y="csY4"/>
+              </a:cxn>
+              <a:cxn ang="0">
+                <a:pos x="csX5" y="csY5"/>
+              </a:cxn>
+              <a:cxn ang="0">
+                <a:pos x="csX6" y="csY6"/>
+              </a:cxn>
+              <a:cxn ang="0">
+                <a:pos x="csX7" y="csY7"/>
+              </a:cxn>
+              <a:cxn ang="0">
+                <a:pos x="csX8" y="csY8"/>
+              </a:cxn>
+              <a:cxn ang="0">
+                <a:pos x="csX9" y="csY9"/>
+              </a:cxn>
+              <a:cxn ang="0">
+                <a:pos x="csX10" y="csY10"/>
+              </a:cxn>
+              <a:cxn ang="0">
+                <a:pos x="csX11" y="csY11"/>
+              </a:cxn>
+              <a:cxn ang="0">
+                <a:pos x="csX12" y="csY12"/>
+              </a:cxn>
+            </a:cxnLst>
+            <a:rect l="l" t="t" r="r" b="b"/>
+            <a:pathLst>
+              <a:path w="3429000" h="18288" fill="none" extrusionOk="0">
+                <a:moveTo>
+                  <a:pt x="0" y="0"/>
+                </a:moveTo>
+                <a:cubicBezTo>
+                  <a:pt x="219865" y="20479"/>
+                  <a:pt x="493281" y="26186"/>
+                  <a:pt x="685800" y="0"/>
+                </a:cubicBezTo>
+                <a:cubicBezTo>
+                  <a:pt x="878319" y="-26186"/>
+                  <a:pt x="1121382" y="-11869"/>
+                  <a:pt x="1371600" y="0"/>
+                </a:cubicBezTo>
+                <a:cubicBezTo>
+                  <a:pt x="1621818" y="11869"/>
+                  <a:pt x="1878793" y="32281"/>
+                  <a:pt x="2057400" y="0"/>
+                </a:cubicBezTo>
+                <a:cubicBezTo>
+                  <a:pt x="2236007" y="-32281"/>
+                  <a:pt x="2433797" y="-18251"/>
+                  <a:pt x="2674620" y="0"/>
+                </a:cubicBezTo>
+                <a:cubicBezTo>
+                  <a:pt x="2915443" y="18251"/>
+                  <a:pt x="3205923" y="-1443"/>
+                  <a:pt x="3429000" y="0"/>
+                </a:cubicBezTo>
+                <a:cubicBezTo>
+                  <a:pt x="3429442" y="4516"/>
+                  <a:pt x="3428173" y="12266"/>
+                  <a:pt x="3429000" y="18288"/>
+                </a:cubicBezTo>
+                <a:cubicBezTo>
+                  <a:pt x="3221081" y="48608"/>
+                  <a:pt x="3088001" y="8066"/>
+                  <a:pt x="2811780" y="18288"/>
+                </a:cubicBezTo>
+                <a:cubicBezTo>
+                  <a:pt x="2535559" y="28510"/>
+                  <a:pt x="2481355" y="24898"/>
+                  <a:pt x="2228850" y="18288"/>
+                </a:cubicBezTo>
+                <a:cubicBezTo>
+                  <a:pt x="1976345" y="11679"/>
+                  <a:pt x="1807520" y="48356"/>
+                  <a:pt x="1543050" y="18288"/>
+                </a:cubicBezTo>
+                <a:cubicBezTo>
+                  <a:pt x="1278580" y="-11780"/>
+                  <a:pt x="1181944" y="5123"/>
+                  <a:pt x="925830" y="18288"/>
+                </a:cubicBezTo>
+                <a:cubicBezTo>
+                  <a:pt x="669716" y="31453"/>
+                  <a:pt x="410304" y="34815"/>
+                  <a:pt x="0" y="18288"/>
+                </a:cubicBezTo>
+                <a:cubicBezTo>
+                  <a:pt x="-306" y="11477"/>
+                  <a:pt x="485" y="4355"/>
+                  <a:pt x="0" y="0"/>
+                </a:cubicBezTo>
+                <a:close/>
+              </a:path>
+              <a:path w="3429000" h="18288" stroke="0" extrusionOk="0">
+                <a:moveTo>
+                  <a:pt x="0" y="0"/>
+                </a:moveTo>
+                <a:cubicBezTo>
+                  <a:pt x="174095" y="-12874"/>
+                  <a:pt x="443087" y="-14090"/>
+                  <a:pt x="617220" y="0"/>
+                </a:cubicBezTo>
+                <a:cubicBezTo>
+                  <a:pt x="791353" y="14090"/>
+                  <a:pt x="1072677" y="8451"/>
+                  <a:pt x="1200150" y="0"/>
+                </a:cubicBezTo>
+                <a:cubicBezTo>
+                  <a:pt x="1327623" y="-8451"/>
+                  <a:pt x="1526638" y="19866"/>
+                  <a:pt x="1817370" y="0"/>
+                </a:cubicBezTo>
+                <a:cubicBezTo>
+                  <a:pt x="2108102" y="-19866"/>
+                  <a:pt x="2221289" y="26161"/>
+                  <a:pt x="2503170" y="0"/>
+                </a:cubicBezTo>
+                <a:cubicBezTo>
+                  <a:pt x="2785051" y="-26161"/>
+                  <a:pt x="3022134" y="39178"/>
+                  <a:pt x="3429000" y="0"/>
+                </a:cubicBezTo>
+                <a:cubicBezTo>
+                  <a:pt x="3429577" y="4624"/>
+                  <a:pt x="3429819" y="11191"/>
+                  <a:pt x="3429000" y="18288"/>
+                </a:cubicBezTo>
+                <a:cubicBezTo>
+                  <a:pt x="3103464" y="593"/>
+                  <a:pt x="2887909" y="22940"/>
+                  <a:pt x="2743200" y="18288"/>
+                </a:cubicBezTo>
+                <a:cubicBezTo>
+                  <a:pt x="2598491" y="13636"/>
+                  <a:pt x="2362615" y="10656"/>
+                  <a:pt x="1988820" y="18288"/>
+                </a:cubicBezTo>
+                <a:cubicBezTo>
+                  <a:pt x="1615025" y="25920"/>
+                  <a:pt x="1580494" y="3693"/>
+                  <a:pt x="1405890" y="18288"/>
+                </a:cubicBezTo>
+                <a:cubicBezTo>
+                  <a:pt x="1231286" y="32884"/>
+                  <a:pt x="885259" y="-16285"/>
+                  <a:pt x="651510" y="18288"/>
+                </a:cubicBezTo>
+                <a:cubicBezTo>
+                  <a:pt x="417761" y="52861"/>
+                  <a:pt x="138362" y="-13856"/>
+                  <a:pt x="0" y="18288"/>
+                </a:cubicBezTo>
+                <a:cubicBezTo>
+                  <a:pt x="-171" y="12755"/>
+                  <a:pt x="-690" y="7930"/>
+                  <a:pt x="0" y="0"/>
+                </a:cubicBezTo>
+                <a:close/>
+              </a:path>
+            </a:pathLst>
+          </a:custGeom>
+          <a:solidFill>
+            <a:schemeClr val="accent2"/>
+          </a:solidFill>
+          <a:ln w="41275" cap="rnd">
+            <a:solidFill>
+              <a:schemeClr val="accent2"/>
+            </a:solidFill>
+            <a:round/>
+            <a:extLst>
+              <a:ext uri="{C807C97D-BFC1-408E-A445-0C87EB9F89A2}">
+                <ask:lineSketchStyleProps xmlns:ask="http://schemas.microsoft.com/office/drawing/2018/sketchyshapes" sd="2727557108">
+                  <a:prstGeom prst="rect">
+                    <a:avLst/>
+                  </a:prstGeom>
+                  <ask:type>
+                    <ask:lineSketchFreehand/>
+                  </ask:type>
+                </ask:lineSketchStyleProps>
+              </a:ext>
+            </a:extLst>
+          </a:ln>
+        </p:spPr>
+        <p:style>
+          <a:lnRef idx="2">
+            <a:schemeClr val="accent1">
+              <a:shade val="50000"/>
+            </a:schemeClr>
+          </a:lnRef>
+          <a:fillRef idx="1">
+            <a:schemeClr val="accent1"/>
+          </a:fillRef>
+          <a:effectRef idx="0">
+            <a:schemeClr val="accent1"/>
+          </a:effectRef>
+          <a:fontRef idx="minor">
+            <a:schemeClr val="lt1"/>
+          </a:fontRef>
+        </p:style>
+        <p:txBody>
+          <a:bodyPr rtlCol="0" anchor="ctr"/>
           <a:lstStyle/>
           <a:p>
-            <a:r>
-              <a:rPr lang="en-US" dirty="0"/>
-              <a:t>3288 annotated frames across 76 videos</a:t>
-            </a:r>
-          </a:p>
-        </p:txBody>
-      </p:sp>
+            <a:pPr algn="ctr"/>
+            <a:endParaRPr lang="en-US"/>
+          </a:p>
+        </p:txBody>
+      </p:sp>
+      <p:pic>
+        <p:nvPicPr>
+          <p:cNvPr id="6" name="Picture 5" descr="A diagram of a process&#10;&#10;AI-generated content may be incorrect.">
+            <a:extLst>
+              <a:ext uri="{FF2B5EF4-FFF2-40B4-BE49-F238E27FC236}">
+                <a16:creationId xmlns:a16="http://schemas.microsoft.com/office/drawing/2014/main" id="{661DFE2E-FC6E-1375-AFC1-6494B756FC5C}"/>
+              </a:ext>
+            </a:extLst>
+          </p:cNvPr>
+          <p:cNvPicPr>
+            <a:picLocks noChangeAspect="1"/>
+          </p:cNvPicPr>
+          <p:nvPr/>
+        </p:nvPicPr>
+        <p:blipFill>
+          <a:blip r:embed="rId3"/>
+          <a:stretch>
+            <a:fillRect/>
+          </a:stretch>
+        </p:blipFill>
+        <p:spPr>
+          <a:xfrm>
+            <a:off x="424784" y="2084546"/>
+            <a:ext cx="8292146" cy="3586353"/>
+          </a:xfrm>
+          <a:prstGeom prst="rect">
+            <a:avLst/>
+          </a:prstGeom>
+        </p:spPr>
+      </p:pic>
     </p:spTree>
     <p:extLst>
       <p:ext uri="{BB962C8B-B14F-4D97-AF65-F5344CB8AC3E}">
@@ -7573,6 +9148,14 @@
 <file path=ppt/slides/slide4.xml><?xml version="1.0" encoding="utf-8"?>
 <p:sld xmlns:a="http://schemas.openxmlformats.org/drawingml/2006/main" xmlns:r="http://schemas.openxmlformats.org/officeDocument/2006/relationships" xmlns:p="http://schemas.openxmlformats.org/presentationml/2006/main">
   <p:cSld>
+    <p:bg>
+      <p:bgPr>
+        <a:solidFill>
+          <a:schemeClr val="bg1"/>
+        </a:solidFill>
+        <a:effectLst/>
+      </p:bgPr>
+    </p:bg>
     <p:spTree>
       <p:nvGrpSpPr>
         <p:cNvPr id="1" name=""/>
@@ -7587,6 +9170,66 @@
           <a:chExt cx="0" cy="0"/>
         </a:xfrm>
       </p:grpSpPr>
+      <p:sp useBgFill="1">
+        <p:nvSpPr>
+          <p:cNvPr id="9" name="Slide Background">
+            <a:extLst>
+              <a:ext uri="{FF2B5EF4-FFF2-40B4-BE49-F238E27FC236}">
+                <a16:creationId xmlns:a16="http://schemas.microsoft.com/office/drawing/2014/main" id="{9F7D5CDA-D291-4307-BF55-1381FED29634}"/>
+              </a:ext>
+              <a:ext uri="{C183D7F6-B498-43B3-948B-1728B52AA6E4}">
+                <adec:decorative xmlns:adec="http://schemas.microsoft.com/office/drawing/2017/decorative" val="1"/>
+              </a:ext>
+            </a:extLst>
+          </p:cNvPr>
+          <p:cNvSpPr>
+            <a:spLocks noGrp="1" noRot="1" noChangeAspect="1" noMove="1" noResize="1" noEditPoints="1" noAdjustHandles="1" noChangeArrowheads="1" noChangeShapeType="1" noTextEdit="1"/>
+          </p:cNvSpPr>
+          <p:nvPr>
+            <p:extLst>
+              <p:ext uri="{386F3935-93C4-4BCD-93E2-E3B085C9AB24}">
+                <p16:designElem xmlns:p16="http://schemas.microsoft.com/office/powerpoint/2015/main" val="1"/>
+              </p:ext>
+            </p:extLst>
+          </p:nvPr>
+        </p:nvSpPr>
+        <p:spPr>
+          <a:xfrm>
+            <a:off x="0" y="0"/>
+            <a:ext cx="9144000" cy="6858000"/>
+          </a:xfrm>
+          <a:prstGeom prst="rect">
+            <a:avLst/>
+          </a:prstGeom>
+          <a:ln>
+            <a:noFill/>
+          </a:ln>
+        </p:spPr>
+        <p:style>
+          <a:lnRef idx="2">
+            <a:schemeClr val="accent1">
+              <a:shade val="50000"/>
+            </a:schemeClr>
+          </a:lnRef>
+          <a:fillRef idx="1">
+            <a:schemeClr val="accent1"/>
+          </a:fillRef>
+          <a:effectRef idx="0">
+            <a:schemeClr val="accent1"/>
+          </a:effectRef>
+          <a:fontRef idx="minor">
+            <a:schemeClr val="lt1"/>
+          </a:fontRef>
+        </p:style>
+        <p:txBody>
+          <a:bodyPr rtlCol="0" anchor="ctr"/>
+          <a:lstStyle/>
+          <a:p>
+            <a:pPr algn="ctr"/>
+            <a:endParaRPr lang="en-US"/>
+          </a:p>
+        </p:txBody>
+      </p:sp>
       <p:sp>
         <p:nvSpPr>
           <p:cNvPr id="2" name="Title 1">
@@ -7603,13 +9246,20 @@
             <p:ph type="title"/>
           </p:nvPr>
         </p:nvSpPr>
-        <p:spPr/>
-        <p:txBody>
-          <a:bodyPr/>
+        <p:spPr>
+          <a:xfrm>
+            <a:off x="571350" y="762001"/>
+            <a:ext cx="4000647" cy="629919"/>
+          </a:xfrm>
+        </p:spPr>
+        <p:txBody>
+          <a:bodyPr anchor="ctr">
+            <a:normAutofit/>
+          </a:bodyPr>
           <a:lstStyle/>
           <a:p>
             <a:r>
-              <a:rPr lang="en-US" dirty="0"/>
+              <a:rPr lang="en-US" sz="3500" dirty="0"/>
               <a:t>Model Architecture</a:t>
             </a:r>
           </a:p>
@@ -7633,106 +9283,193 @@
         </p:nvSpPr>
         <p:spPr>
           <a:xfrm>
-            <a:off x="457200" y="1600200"/>
-            <a:ext cx="8229600" cy="4983162"/>
+            <a:off x="571350" y="1391920"/>
+            <a:ext cx="4000647" cy="4848159"/>
           </a:xfrm>
         </p:spPr>
         <p:txBody>
-          <a:bodyPr>
-            <a:normAutofit lnSpcReduction="10000"/>
+          <a:bodyPr anchor="ctr">
+            <a:normAutofit/>
           </a:bodyPr>
           <a:lstStyle/>
           <a:p>
-            <a:r>
-              <a:rPr lang="en-US" sz="2400" dirty="0"/>
+            <a:pPr>
+              <a:lnSpc>
+                <a:spcPct val="90000"/>
+              </a:lnSpc>
+            </a:pPr>
+            <a:r>
+              <a:rPr lang="en-US" sz="1400" dirty="0"/>
               <a:t>ResNet-50 as our backbone</a:t>
             </a:r>
           </a:p>
           <a:p>
-            <a:pPr lvl="1"/>
-            <a:r>
-              <a:rPr lang="en-US" sz="2000" dirty="0"/>
+            <a:pPr lvl="1">
+              <a:lnSpc>
+                <a:spcPct val="90000"/>
+              </a:lnSpc>
+            </a:pPr>
+            <a:r>
+              <a:rPr lang="en-US" sz="1400" dirty="0"/>
               <a:t>ResNet-50 is a deep Convolutional Neural Network created by Microsoft in 2015</a:t>
             </a:r>
           </a:p>
           <a:p>
-            <a:pPr lvl="1"/>
-            <a:r>
-              <a:rPr lang="en-US" sz="2000" dirty="0"/>
+            <a:pPr lvl="1">
+              <a:lnSpc>
+                <a:spcPct val="90000"/>
+              </a:lnSpc>
+            </a:pPr>
+            <a:r>
+              <a:rPr lang="en-US" sz="1400" dirty="0"/>
               <a:t>Uses Residual Blocks to solve the vanishing/exploding gradient problem</a:t>
             </a:r>
           </a:p>
           <a:p>
-            <a:pPr lvl="2"/>
-            <a:r>
-              <a:rPr lang="en-US" sz="1600" dirty="0"/>
+            <a:pPr lvl="2">
+              <a:lnSpc>
+                <a:spcPct val="90000"/>
+              </a:lnSpc>
+            </a:pPr>
+            <a:r>
+              <a:rPr lang="en-US" sz="1400" dirty="0"/>
               <a:t>Activations skip layers to form residual block</a:t>
             </a:r>
           </a:p>
           <a:p>
-            <a:pPr lvl="1"/>
-            <a:r>
-              <a:rPr lang="en-US" sz="2000" dirty="0"/>
+            <a:pPr lvl="1">
+              <a:lnSpc>
+                <a:spcPct val="90000"/>
+              </a:lnSpc>
+            </a:pPr>
+            <a:r>
+              <a:rPr lang="en-US" sz="1400" dirty="0"/>
               <a:t>Extracts feature maps</a:t>
             </a:r>
           </a:p>
           <a:p>
-            <a:r>
-              <a:rPr lang="en-US" sz="2400" dirty="0"/>
+            <a:pPr>
+              <a:lnSpc>
+                <a:spcPct val="90000"/>
+              </a:lnSpc>
+            </a:pPr>
+            <a:r>
+              <a:rPr lang="en-US" sz="1400" dirty="0"/>
               <a:t>Faster R-CNN as our feature proposal framework</a:t>
             </a:r>
-            <a:endParaRPr lang="en-US" sz="2000" dirty="0"/>
-          </a:p>
-          <a:p>
-            <a:r>
-              <a:rPr lang="en-US" sz="2400" dirty="0"/>
+          </a:p>
+          <a:p>
+            <a:pPr>
+              <a:lnSpc>
+                <a:spcPct val="90000"/>
+              </a:lnSpc>
+            </a:pPr>
+            <a:r>
+              <a:rPr lang="en-US" sz="1400" dirty="0"/>
               <a:t>Faster R-CNN’s main improvement over other Convolutional Neural Networks was Region Proposal Networks</a:t>
             </a:r>
           </a:p>
           <a:p>
-            <a:pPr lvl="1"/>
-            <a:r>
-              <a:rPr lang="en-US" sz="2000" dirty="0"/>
+            <a:pPr lvl="1">
+              <a:lnSpc>
+                <a:spcPct val="90000"/>
+              </a:lnSpc>
+            </a:pPr>
+            <a:r>
+              <a:rPr lang="en-US" sz="1400" dirty="0"/>
               <a:t>Integrates object proposals directly within the model</a:t>
             </a:r>
           </a:p>
           <a:p>
-            <a:pPr lvl="2"/>
-            <a:r>
-              <a:rPr lang="en-US" sz="1600" dirty="0"/>
+            <a:pPr lvl="2">
+              <a:lnSpc>
+                <a:spcPct val="90000"/>
+              </a:lnSpc>
+            </a:pPr>
+            <a:r>
+              <a:rPr lang="en-US" sz="1400" dirty="0"/>
               <a:t>Small network that slides over a feature map to decide an “</a:t>
             </a:r>
             <a:r>
-              <a:rPr lang="en-US" sz="1600" dirty="0" err="1"/>
+              <a:rPr lang="en-US" sz="1400" dirty="0" err="1"/>
               <a:t>Objectness</a:t>
             </a:r>
             <a:r>
-              <a:rPr lang="en-US" sz="1600" dirty="0"/>
+              <a:rPr lang="en-US" sz="1400" dirty="0"/>
               <a:t>” Score and bounding box coordinates</a:t>
             </a:r>
           </a:p>
           <a:p>
-            <a:pPr lvl="1"/>
-            <a:r>
-              <a:rPr lang="en-US" sz="2000" dirty="0"/>
+            <a:pPr lvl="1">
+              <a:lnSpc>
+                <a:spcPct val="90000"/>
+              </a:lnSpc>
+            </a:pPr>
+            <a:r>
+              <a:rPr lang="en-US" sz="1400" dirty="0"/>
               <a:t>Faster R-CNN pools the feature maps (Region of Interest pooling)</a:t>
             </a:r>
           </a:p>
           <a:p>
-            <a:pPr lvl="1"/>
-            <a:r>
-              <a:rPr lang="en-US" sz="2000" dirty="0"/>
+            <a:pPr lvl="1">
+              <a:lnSpc>
+                <a:spcPct val="90000"/>
+              </a:lnSpc>
+            </a:pPr>
+            <a:r>
+              <a:rPr lang="en-US" sz="1400" dirty="0"/>
               <a:t>Passes pooled feature maps to </a:t>
             </a:r>
           </a:p>
           <a:p>
             <a:pPr marL="0" indent="0">
+              <a:lnSpc>
+                <a:spcPct val="90000"/>
+              </a:lnSpc>
               <a:buNone/>
             </a:pPr>
-            <a:endParaRPr lang="en-US" dirty="0"/>
-          </a:p>
-        </p:txBody>
-      </p:sp>
+            <a:endParaRPr lang="en-US" sz="1400" dirty="0"/>
+          </a:p>
+        </p:txBody>
+      </p:sp>
+      <p:pic>
+        <p:nvPicPr>
+          <p:cNvPr id="5" name="Picture 4" descr="Cubes connected with a red line">
+            <a:extLst>
+              <a:ext uri="{FF2B5EF4-FFF2-40B4-BE49-F238E27FC236}">
+                <a16:creationId xmlns:a16="http://schemas.microsoft.com/office/drawing/2014/main" id="{BEDD004D-9C20-46B6-AAA8-5D5AFCFCDA36}"/>
+              </a:ext>
+            </a:extLst>
+          </p:cNvPr>
+          <p:cNvPicPr>
+            <a:picLocks noChangeAspect="1"/>
+          </p:cNvPicPr>
+          <p:nvPr/>
+        </p:nvPicPr>
+        <p:blipFill>
+          <a:blip r:embed="rId3"/>
+          <a:srcRect l="33290" r="21863" b="2"/>
+          <a:stretch>
+            <a:fillRect/>
+          </a:stretch>
+        </p:blipFill>
+        <p:spPr>
+          <a:xfrm>
+            <a:off x="5143347" y="-10886"/>
+            <a:ext cx="4000653" cy="6868886"/>
+          </a:xfrm>
+          <a:prstGeom prst="rect">
+            <a:avLst/>
+          </a:prstGeom>
+          <a:effectLst>
+            <a:outerShdw blurRad="127000" dist="50800" dir="10800000" sx="99000" sy="99000" algn="r" rotWithShape="0">
+              <a:prstClr val="black">
+                <a:alpha val="40000"/>
+              </a:prstClr>
+            </a:outerShdw>
+          </a:effectLst>
+        </p:spPr>
+      </p:pic>
     </p:spTree>
     <p:extLst>
       <p:ext uri="{BB962C8B-B14F-4D97-AF65-F5344CB8AC3E}">
@@ -7853,7 +9590,7 @@
           <p:nvPr/>
         </p:nvPicPr>
         <p:blipFill>
-          <a:blip r:embed="rId2"/>
+          <a:blip r:embed="rId3"/>
           <a:srcRect l="758" r="1349"/>
           <a:stretch>
             <a:fillRect/>
@@ -7889,7 +9626,7 @@
           <p:nvPr/>
         </p:nvPicPr>
         <p:blipFill>
-          <a:blip r:embed="rId3">
+          <a:blip r:embed="rId4">
             <a:extLst>
               <a:ext uri="{28A0092B-C50C-407E-A947-70E740481C1C}">
                 <a14:useLocalDpi xmlns:a14="http://schemas.microsoft.com/office/drawing/2010/main" val="0"/>
@@ -8183,7 +9920,7 @@
           <p:nvPr/>
         </p:nvPicPr>
         <p:blipFill>
-          <a:blip r:embed="rId2"/>
+          <a:blip r:embed="rId3"/>
           <a:srcRect l="638" t="1371" r="1059" b="690"/>
           <a:stretch>
             <a:fillRect/>
@@ -8219,7 +9956,7 @@
           <p:nvPr/>
         </p:nvPicPr>
         <p:blipFill>
-          <a:blip r:embed="rId3"/>
+          <a:blip r:embed="rId4"/>
           <a:srcRect l="638" t="2308" r="1059" b="1867"/>
           <a:stretch>
             <a:fillRect/>
@@ -8401,7 +10138,7 @@
           </p:nvPr>
         </p:nvPicPr>
         <p:blipFill>
-          <a:blip r:embed="rId2"/>
+          <a:blip r:embed="rId3"/>
           <a:srcRect l="726" t="1373" r="820" b="2323"/>
           <a:stretch>
             <a:fillRect/>
@@ -8693,7 +10430,7 @@
         </p:xfrm>
         <a:graphic>
           <a:graphicData uri="http://schemas.openxmlformats.org/drawingml/2006/diagram">
-            <dgm:relIds xmlns:dgm="http://schemas.openxmlformats.org/drawingml/2006/diagram" xmlns:r="http://schemas.openxmlformats.org/officeDocument/2006/relationships" r:dm="rId2" r:lo="rId3" r:qs="rId4" r:cs="rId5"/>
+            <dgm:relIds xmlns:dgm="http://schemas.openxmlformats.org/drawingml/2006/diagram" xmlns:r="http://schemas.openxmlformats.org/officeDocument/2006/relationships" r:dm="rId3" r:lo="rId4" r:qs="rId5" r:cs="rId6"/>
           </a:graphicData>
         </a:graphic>
       </p:graphicFrame>
@@ -8999,13 +10736,13 @@
           <p:nvPr/>
         </p:nvPicPr>
         <p:blipFill>
-          <a:blip r:embed="rId2">
+          <a:blip r:embed="rId3">
             <a:extLst>
               <a:ext uri="{28A0092B-C50C-407E-A947-70E740481C1C}">
                 <a14:useLocalDpi xmlns:a14="http://schemas.microsoft.com/office/drawing/2010/main" val="0"/>
               </a:ext>
               <a:ext uri="{96DAC541-7B7A-43D3-8B79-37D633B846F1}">
-                <asvg:svgBlip xmlns:asvg="http://schemas.microsoft.com/office/drawing/2016/SVG/main" r:embed="rId3"/>
+                <asvg:svgBlip xmlns:asvg="http://schemas.microsoft.com/office/drawing/2016/SVG/main" r:embed="rId4"/>
               </a:ext>
             </a:extLst>
           </a:blip>
@@ -9349,4 +11086,319 @@
   </a:objectDefaults>
   <a:extraClrSchemeLst/>
 </a:theme>
+</file>
+
+<file path=ppt/theme/theme2.xml><?xml version="1.0" encoding="utf-8"?>
+<a:theme xmlns:a="http://schemas.openxmlformats.org/drawingml/2006/main" name="Office Theme">
+  <a:themeElements>
+    <a:clrScheme name="Office">
+      <a:dk1>
+        <a:sysClr val="windowText" lastClr="000000"/>
+      </a:dk1>
+      <a:lt1>
+        <a:sysClr val="window" lastClr="FFFFFF"/>
+      </a:lt1>
+      <a:dk2>
+        <a:srgbClr val="0E2841"/>
+      </a:dk2>
+      <a:lt2>
+        <a:srgbClr val="E8E8E8"/>
+      </a:lt2>
+      <a:accent1>
+        <a:srgbClr val="156082"/>
+      </a:accent1>
+      <a:accent2>
+        <a:srgbClr val="E97132"/>
+      </a:accent2>
+      <a:accent3>
+        <a:srgbClr val="196B24"/>
+      </a:accent3>
+      <a:accent4>
+        <a:srgbClr val="0F9ED5"/>
+      </a:accent4>
+      <a:accent5>
+        <a:srgbClr val="A02B93"/>
+      </a:accent5>
+      <a:accent6>
+        <a:srgbClr val="4EA72E"/>
+      </a:accent6>
+      <a:hlink>
+        <a:srgbClr val="467886"/>
+      </a:hlink>
+      <a:folHlink>
+        <a:srgbClr val="96607D"/>
+      </a:folHlink>
+    </a:clrScheme>
+    <a:fontScheme name="Office">
+      <a:majorFont>
+        <a:latin typeface="Aptos Display" panose="02110004020202020204"/>
+        <a:ea typeface=""/>
+        <a:cs typeface=""/>
+        <a:font script="Jpan" typeface="游ゴシック Light"/>
+        <a:font script="Hang" typeface="맑은 고딕"/>
+        <a:font script="Hans" typeface="等线 Light"/>
+        <a:font script="Hant" typeface="新細明體"/>
+        <a:font script="Arab" typeface="Times New Roman"/>
+        <a:font script="Hebr" typeface="Times New Roman"/>
+        <a:font script="Thai" typeface="Angsana New"/>
+        <a:font script="Ethi" typeface="Nyala"/>
+        <a:font script="Beng" typeface="Vrinda"/>
+        <a:font script="Gujr" typeface="Shruti"/>
+        <a:font script="Khmr" typeface="MoolBoran"/>
+        <a:font script="Knda" typeface="Tunga"/>
+        <a:font script="Guru" typeface="Raavi"/>
+        <a:font script="Cans" typeface="Euphemia"/>
+        <a:font script="Cher" typeface="Plantagenet Cherokee"/>
+        <a:font script="Yiii" typeface="Microsoft Yi Baiti"/>
+        <a:font script="Tibt" typeface="Microsoft Himalaya"/>
+        <a:font script="Thaa" typeface="MV Boli"/>
+        <a:font script="Deva" typeface="Mangal"/>
+        <a:font script="Telu" typeface="Gautami"/>
+        <a:font script="Taml" typeface="Latha"/>
+        <a:font script="Syrc" typeface="Estrangelo Edessa"/>
+        <a:font script="Orya" typeface="Kalinga"/>
+        <a:font script="Mlym" typeface="Kartika"/>
+        <a:font script="Laoo" typeface="DokChampa"/>
+        <a:font script="Sinh" typeface="Iskoola Pota"/>
+        <a:font script="Mong" typeface="Mongolian Baiti"/>
+        <a:font script="Viet" typeface="Times New Roman"/>
+        <a:font script="Uigh" typeface="Microsoft Uighur"/>
+        <a:font script="Geor" typeface="Sylfaen"/>
+        <a:font script="Armn" typeface="Arial"/>
+        <a:font script="Bugi" typeface="Leelawadee UI"/>
+        <a:font script="Bopo" typeface="Microsoft JhengHei"/>
+        <a:font script="Java" typeface="Javanese Text"/>
+        <a:font script="Lisu" typeface="Segoe UI"/>
+        <a:font script="Mymr" typeface="Myanmar Text"/>
+        <a:font script="Nkoo" typeface="Ebrima"/>
+        <a:font script="Olck" typeface="Nirmala UI"/>
+        <a:font script="Osma" typeface="Ebrima"/>
+        <a:font script="Phag" typeface="Phagspa"/>
+        <a:font script="Syrn" typeface="Estrangelo Edessa"/>
+        <a:font script="Syrj" typeface="Estrangelo Edessa"/>
+        <a:font script="Syre" typeface="Estrangelo Edessa"/>
+        <a:font script="Sora" typeface="Nirmala UI"/>
+        <a:font script="Tale" typeface="Microsoft Tai Le"/>
+        <a:font script="Talu" typeface="Microsoft New Tai Lue"/>
+        <a:font script="Tfng" typeface="Ebrima"/>
+      </a:majorFont>
+      <a:minorFont>
+        <a:latin typeface="Aptos" panose="02110004020202020204"/>
+        <a:ea typeface=""/>
+        <a:cs typeface=""/>
+        <a:font script="Jpan" typeface="游ゴシック"/>
+        <a:font script="Hang" typeface="맑은 고딕"/>
+        <a:font script="Hans" typeface="等线"/>
+        <a:font script="Hant" typeface="新細明體"/>
+        <a:font script="Arab" typeface="Arial"/>
+        <a:font script="Hebr" typeface="Arial"/>
+        <a:font script="Thai" typeface="Cordia New"/>
+        <a:font script="Ethi" typeface="Nyala"/>
+        <a:font script="Beng" typeface="Vrinda"/>
+        <a:font script="Gujr" typeface="Shruti"/>
+        <a:font script="Khmr" typeface="DaunPenh"/>
+        <a:font script="Knda" typeface="Tunga"/>
+        <a:font script="Guru" typeface="Raavi"/>
+        <a:font script="Cans" typeface="Euphemia"/>
+        <a:font script="Cher" typeface="Plantagenet Cherokee"/>
+        <a:font script="Yiii" typeface="Microsoft Yi Baiti"/>
+        <a:font script="Tibt" typeface="Microsoft Himalaya"/>
+        <a:font script="Thaa" typeface="MV Boli"/>
+        <a:font script="Deva" typeface="Mangal"/>
+        <a:font script="Telu" typeface="Gautami"/>
+        <a:font script="Taml" typeface="Latha"/>
+        <a:font script="Syrc" typeface="Estrangelo Edessa"/>
+        <a:font script="Orya" typeface="Kalinga"/>
+        <a:font script="Mlym" typeface="Kartika"/>
+        <a:font script="Laoo" typeface="DokChampa"/>
+        <a:font script="Sinh" typeface="Iskoola Pota"/>
+        <a:font script="Mong" typeface="Mongolian Baiti"/>
+        <a:font script="Viet" typeface="Arial"/>
+        <a:font script="Uigh" typeface="Microsoft Uighur"/>
+        <a:font script="Geor" typeface="Sylfaen"/>
+        <a:font script="Armn" typeface="Arial"/>
+        <a:font script="Bugi" typeface="Leelawadee UI"/>
+        <a:font script="Bopo" typeface="Microsoft JhengHei"/>
+        <a:font script="Java" typeface="Javanese Text"/>
+        <a:font script="Lisu" typeface="Segoe UI"/>
+        <a:font script="Mymr" typeface="Myanmar Text"/>
+        <a:font script="Nkoo" typeface="Ebrima"/>
+        <a:font script="Olck" typeface="Nirmala UI"/>
+        <a:font script="Osma" typeface="Ebrima"/>
+        <a:font script="Phag" typeface="Phagspa"/>
+        <a:font script="Syrn" typeface="Estrangelo Edessa"/>
+        <a:font script="Syrj" typeface="Estrangelo Edessa"/>
+        <a:font script="Syre" typeface="Estrangelo Edessa"/>
+        <a:font script="Sora" typeface="Nirmala UI"/>
+        <a:font script="Tale" typeface="Microsoft Tai Le"/>
+        <a:font script="Talu" typeface="Microsoft New Tai Lue"/>
+        <a:font script="Tfng" typeface="Ebrima"/>
+      </a:minorFont>
+    </a:fontScheme>
+    <a:fmtScheme name="Office">
+      <a:fillStyleLst>
+        <a:solidFill>
+          <a:schemeClr val="phClr"/>
+        </a:solidFill>
+        <a:gradFill rotWithShape="1">
+          <a:gsLst>
+            <a:gs pos="0">
+              <a:schemeClr val="phClr">
+                <a:lumMod val="110000"/>
+                <a:satMod val="105000"/>
+                <a:tint val="67000"/>
+              </a:schemeClr>
+            </a:gs>
+            <a:gs pos="50000">
+              <a:schemeClr val="phClr">
+                <a:lumMod val="105000"/>
+                <a:satMod val="103000"/>
+                <a:tint val="73000"/>
+              </a:schemeClr>
+            </a:gs>
+            <a:gs pos="100000">
+              <a:schemeClr val="phClr">
+                <a:lumMod val="105000"/>
+                <a:satMod val="109000"/>
+                <a:tint val="81000"/>
+              </a:schemeClr>
+            </a:gs>
+          </a:gsLst>
+          <a:lin ang="5400000" scaled="0"/>
+        </a:gradFill>
+        <a:gradFill rotWithShape="1">
+          <a:gsLst>
+            <a:gs pos="0">
+              <a:schemeClr val="phClr">
+                <a:satMod val="103000"/>
+                <a:lumMod val="102000"/>
+                <a:tint val="94000"/>
+              </a:schemeClr>
+            </a:gs>
+            <a:gs pos="50000">
+              <a:schemeClr val="phClr">
+                <a:satMod val="110000"/>
+                <a:lumMod val="100000"/>
+                <a:shade val="100000"/>
+              </a:schemeClr>
+            </a:gs>
+            <a:gs pos="100000">
+              <a:schemeClr val="phClr">
+                <a:lumMod val="99000"/>
+                <a:satMod val="120000"/>
+                <a:shade val="78000"/>
+              </a:schemeClr>
+            </a:gs>
+          </a:gsLst>
+          <a:lin ang="5400000" scaled="0"/>
+        </a:gradFill>
+      </a:fillStyleLst>
+      <a:lnStyleLst>
+        <a:ln w="12700" cap="flat" cmpd="sng" algn="ctr">
+          <a:solidFill>
+            <a:schemeClr val="phClr"/>
+          </a:solidFill>
+          <a:prstDash val="solid"/>
+          <a:miter lim="800000"/>
+        </a:ln>
+        <a:ln w="19050" cap="flat" cmpd="sng" algn="ctr">
+          <a:solidFill>
+            <a:schemeClr val="phClr"/>
+          </a:solidFill>
+          <a:prstDash val="solid"/>
+          <a:miter lim="800000"/>
+        </a:ln>
+        <a:ln w="25400" cap="flat" cmpd="sng" algn="ctr">
+          <a:solidFill>
+            <a:schemeClr val="phClr"/>
+          </a:solidFill>
+          <a:prstDash val="solid"/>
+          <a:miter lim="800000"/>
+        </a:ln>
+      </a:lnStyleLst>
+      <a:effectStyleLst>
+        <a:effectStyle>
+          <a:effectLst/>
+        </a:effectStyle>
+        <a:effectStyle>
+          <a:effectLst/>
+        </a:effectStyle>
+        <a:effectStyle>
+          <a:effectLst>
+            <a:outerShdw blurRad="57150" dist="19050" dir="5400000" algn="ctr" rotWithShape="0">
+              <a:srgbClr val="000000">
+                <a:alpha val="63000"/>
+              </a:srgbClr>
+            </a:outerShdw>
+          </a:effectLst>
+        </a:effectStyle>
+      </a:effectStyleLst>
+      <a:bgFillStyleLst>
+        <a:solidFill>
+          <a:schemeClr val="phClr"/>
+        </a:solidFill>
+        <a:solidFill>
+          <a:schemeClr val="phClr">
+            <a:tint val="95000"/>
+            <a:satMod val="170000"/>
+          </a:schemeClr>
+        </a:solidFill>
+        <a:gradFill rotWithShape="1">
+          <a:gsLst>
+            <a:gs pos="0">
+              <a:schemeClr val="phClr">
+                <a:tint val="93000"/>
+                <a:satMod val="150000"/>
+                <a:shade val="98000"/>
+                <a:lumMod val="102000"/>
+              </a:schemeClr>
+            </a:gs>
+            <a:gs pos="50000">
+              <a:schemeClr val="phClr">
+                <a:tint val="98000"/>
+                <a:satMod val="130000"/>
+                <a:shade val="90000"/>
+                <a:lumMod val="103000"/>
+              </a:schemeClr>
+            </a:gs>
+            <a:gs pos="100000">
+              <a:schemeClr val="phClr">
+                <a:shade val="63000"/>
+                <a:satMod val="120000"/>
+              </a:schemeClr>
+            </a:gs>
+          </a:gsLst>
+          <a:lin ang="5400000" scaled="0"/>
+        </a:gradFill>
+      </a:bgFillStyleLst>
+    </a:fmtScheme>
+  </a:themeElements>
+  <a:objectDefaults>
+    <a:lnDef>
+      <a:spPr/>
+      <a:bodyPr/>
+      <a:lstStyle/>
+      <a:style>
+        <a:lnRef idx="2">
+          <a:schemeClr val="accent1"/>
+        </a:lnRef>
+        <a:fillRef idx="0">
+          <a:schemeClr val="accent1"/>
+        </a:fillRef>
+        <a:effectRef idx="1">
+          <a:schemeClr val="accent1"/>
+        </a:effectRef>
+        <a:fontRef idx="minor">
+          <a:schemeClr val="tx1"/>
+        </a:fontRef>
+      </a:style>
+    </a:lnDef>
+  </a:objectDefaults>
+  <a:extraClrSchemeLst/>
+  <a:extLst>
+    <a:ext uri="{05A4C25C-085E-4340-85A3-A5531E510DB2}">
+      <thm15:themeFamily xmlns:thm15="http://schemas.microsoft.com/office/thememl/2012/main" name="Office Theme" id="{2E142A2C-CD16-42D6-873A-C26D2A0506FA}" vid="{1BDDFF52-6CD6-40A5-AB3C-68EB2F1E4D0A}"/>
+    </a:ext>
+  </a:extLst>
+</a:theme>
 </file>
--- a/Baseball_Detection_Presentation.pptx
+++ b/Baseball_Detection_Presentation.pptx
@@ -3025,7 +3025,7 @@
           <a:p>
             <a:fld id="{F17FC36D-3C7C-4D22-BF03-9D8688A1C323}" type="datetimeFigureOut">
               <a:rPr lang="en-US" smtClean="0"/>
-              <a:t>12/15/2025</a:t>
+              <a:t>12/18/2025</a:t>
             </a:fld>
             <a:endParaRPr lang="en-US"/>
           </a:p>
@@ -4341,7 +4341,7 @@
           <a:p>
             <a:fld id="{5BCAD085-E8A6-8845-BD4E-CB4CCA059FC4}" type="datetimeFigureOut">
               <a:rPr lang="en-US" smtClean="0"/>
-              <a:t>12/15/2025</a:t>
+              <a:t>12/18/2025</a:t>
             </a:fld>
             <a:endParaRPr lang="en-US"/>
           </a:p>
@@ -4509,7 +4509,7 @@
           <a:p>
             <a:fld id="{5BCAD085-E8A6-8845-BD4E-CB4CCA059FC4}" type="datetimeFigureOut">
               <a:rPr lang="en-US" smtClean="0"/>
-              <a:t>12/15/2025</a:t>
+              <a:t>12/18/2025</a:t>
             </a:fld>
             <a:endParaRPr lang="en-US"/>
           </a:p>
@@ -4687,7 +4687,7 @@
           <a:p>
             <a:fld id="{5BCAD085-E8A6-8845-BD4E-CB4CCA059FC4}" type="datetimeFigureOut">
               <a:rPr lang="en-US" smtClean="0"/>
-              <a:t>12/15/2025</a:t>
+              <a:t>12/18/2025</a:t>
             </a:fld>
             <a:endParaRPr lang="en-US"/>
           </a:p>
@@ -4855,7 +4855,7 @@
           <a:p>
             <a:fld id="{5BCAD085-E8A6-8845-BD4E-CB4CCA059FC4}" type="datetimeFigureOut">
               <a:rPr lang="en-US" smtClean="0"/>
-              <a:t>12/15/2025</a:t>
+              <a:t>12/18/2025</a:t>
             </a:fld>
             <a:endParaRPr lang="en-US"/>
           </a:p>
@@ -5100,7 +5100,7 @@
           <a:p>
             <a:fld id="{5BCAD085-E8A6-8845-BD4E-CB4CCA059FC4}" type="datetimeFigureOut">
               <a:rPr lang="en-US" smtClean="0"/>
-              <a:t>12/15/2025</a:t>
+              <a:t>12/18/2025</a:t>
             </a:fld>
             <a:endParaRPr lang="en-US"/>
           </a:p>
@@ -5385,7 +5385,7 @@
           <a:p>
             <a:fld id="{5BCAD085-E8A6-8845-BD4E-CB4CCA059FC4}" type="datetimeFigureOut">
               <a:rPr lang="en-US" smtClean="0"/>
-              <a:t>12/15/2025</a:t>
+              <a:t>12/18/2025</a:t>
             </a:fld>
             <a:endParaRPr lang="en-US"/>
           </a:p>
@@ -5804,7 +5804,7 @@
           <a:p>
             <a:fld id="{5BCAD085-E8A6-8845-BD4E-CB4CCA059FC4}" type="datetimeFigureOut">
               <a:rPr lang="en-US" smtClean="0"/>
-              <a:t>12/15/2025</a:t>
+              <a:t>12/18/2025</a:t>
             </a:fld>
             <a:endParaRPr lang="en-US"/>
           </a:p>
@@ -5921,7 +5921,7 @@
           <a:p>
             <a:fld id="{5BCAD085-E8A6-8845-BD4E-CB4CCA059FC4}" type="datetimeFigureOut">
               <a:rPr lang="en-US" smtClean="0"/>
-              <a:t>12/15/2025</a:t>
+              <a:t>12/18/2025</a:t>
             </a:fld>
             <a:endParaRPr lang="en-US"/>
           </a:p>
@@ -6016,7 +6016,7 @@
           <a:p>
             <a:fld id="{5BCAD085-E8A6-8845-BD4E-CB4CCA059FC4}" type="datetimeFigureOut">
               <a:rPr lang="en-US" smtClean="0"/>
-              <a:t>12/15/2025</a:t>
+              <a:t>12/18/2025</a:t>
             </a:fld>
             <a:endParaRPr lang="en-US"/>
           </a:p>
@@ -6291,7 +6291,7 @@
           <a:p>
             <a:fld id="{5BCAD085-E8A6-8845-BD4E-CB4CCA059FC4}" type="datetimeFigureOut">
               <a:rPr lang="en-US" smtClean="0"/>
-              <a:t>12/15/2025</a:t>
+              <a:t>12/18/2025</a:t>
             </a:fld>
             <a:endParaRPr lang="en-US"/>
           </a:p>
@@ -6543,7 +6543,7 @@
           <a:p>
             <a:fld id="{5BCAD085-E8A6-8845-BD4E-CB4CCA059FC4}" type="datetimeFigureOut">
               <a:rPr lang="en-US" smtClean="0"/>
-              <a:t>12/15/2025</a:t>
+              <a:t>12/18/2025</a:t>
             </a:fld>
             <a:endParaRPr lang="en-US"/>
           </a:p>
@@ -6754,7 +6754,7 @@
           <a:p>
             <a:fld id="{5BCAD085-E8A6-8845-BD4E-CB4CCA059FC4}" type="datetimeFigureOut">
               <a:rPr lang="en-US" smtClean="0"/>
-              <a:t>12/15/2025</a:t>
+              <a:t>12/18/2025</a:t>
             </a:fld>
             <a:endParaRPr lang="en-US"/>
           </a:p>
@@ -7424,7 +7424,7 @@
           <a:p>
             <a:pPr algn="l"/>
             <a:r>
-              <a:rPr lang="en-US" sz="3100">
+              <a:rPr lang="en-US" sz="3100" dirty="0">
                 <a:solidFill>
                   <a:srgbClr val="FFFFFF"/>
                 </a:solidFill>
@@ -7435,7 +7435,7 @@
           <a:p>
             <a:pPr algn="l"/>
             <a:r>
-              <a:rPr lang="en-US" sz="3100">
+              <a:rPr lang="en-US" sz="3100" dirty="0">
                 <a:solidFill>
                   <a:srgbClr val="FFFFFF"/>
                 </a:solidFill>
@@ -7518,6 +7518,53 @@
           <a:p>
             <a:pPr algn="ctr"/>
             <a:endParaRPr lang="en-US"/>
+          </a:p>
+        </p:txBody>
+      </p:sp>
+      <p:sp>
+        <p:nvSpPr>
+          <p:cNvPr id="3" name="TextBox 2">
+            <a:extLst>
+              <a:ext uri="{FF2B5EF4-FFF2-40B4-BE49-F238E27FC236}">
+                <a16:creationId xmlns:a16="http://schemas.microsoft.com/office/drawing/2014/main" id="{24EE49F2-9B9C-4947-B9F8-A754BA54A0AC}"/>
+              </a:ext>
+            </a:extLst>
+          </p:cNvPr>
+          <p:cNvSpPr txBox="1"/>
+          <p:nvPr/>
+        </p:nvSpPr>
+        <p:spPr>
+          <a:xfrm>
+            <a:off x="486137" y="5150734"/>
+            <a:ext cx="7511969" cy="369332"/>
+          </a:xfrm>
+          <a:prstGeom prst="rect">
+            <a:avLst/>
+          </a:prstGeom>
+          <a:noFill/>
+        </p:spPr>
+        <p:txBody>
+          <a:bodyPr wrap="square" rtlCol="0">
+            <a:spAutoFit/>
+          </a:bodyPr>
+          <a:lstStyle/>
+          <a:p>
+            <a:r>
+              <a:rPr lang="en-US" dirty="0" err="1">
+                <a:solidFill>
+                  <a:schemeClr val="bg1"/>
+                </a:solidFill>
+              </a:rPr>
+              <a:t>Soulymane</a:t>
+            </a:r>
+            <a:r>
+              <a:rPr lang="en-US" dirty="0">
+                <a:solidFill>
+                  <a:schemeClr val="bg1"/>
+                </a:solidFill>
+              </a:rPr>
+              <a:t> Diawara, Patrick Stacey-Vargas, Glen Williams, Joel Williams</a:t>
+            </a:r>
           </a:p>
         </p:txBody>
       </p:sp>
@@ -8289,6 +8336,14 @@
               <a:buNone/>
             </a:pPr>
             <a:r>
+              <a:rPr lang="en-US" sz="1400" dirty="0" err="1"/>
+              <a:t>GeeksforGeeks</a:t>
+            </a:r>
+            <a:r>
+              <a:rPr lang="en-US" sz="1400" dirty="0"/>
+              <a:t>. (2025, August 25). Faster R-CNN: ML. </a:t>
+            </a:r>
+            <a:r>
               <a:rPr lang="en-US" sz="1400" dirty="0">
                 <a:hlinkClick r:id="rId3"/>
               </a:rPr>
@@ -8307,21 +8362,31 @@
               <a:buNone/>
             </a:pPr>
             <a:r>
+              <a:rPr lang="en-US" sz="1400" dirty="0" err="1"/>
+              <a:t>GeeksforGeeks</a:t>
+            </a:r>
+            <a:r>
               <a:rPr lang="en-US" sz="1400" dirty="0"/>
+              <a:t>. (2025a, July 12). Residual networks (</a:t>
+            </a:r>
+            <a:r>
+              <a:rPr lang="en-US" sz="1400" dirty="0" err="1"/>
+              <a:t>resnet</a:t>
+            </a:r>
+            <a:r>
+              <a:rPr lang="en-US" sz="1400" dirty="0"/>
+              <a:t>) - deep learning. </a:t>
+            </a:r>
+            <a:r>
+              <a:rPr lang="en-US" sz="1400" dirty="0">
+                <a:hlinkClick r:id="rId4"/>
+              </a:rPr>
               <a:t>https://www.geeksforgeeks.org/deep-learning/residual-networks-resnet-deep-learning/</a:t>
             </a:r>
-          </a:p>
-          <a:p>
-            <a:pPr marL="0" indent="0">
-              <a:buNone/>
-            </a:pPr>
-            <a:endParaRPr lang="en-US" sz="1400" dirty="0"/>
-          </a:p>
-          <a:p>
-            <a:pPr marL="0" indent="0">
-              <a:buNone/>
-            </a:pPr>
-            <a:endParaRPr lang="en-US" sz="1400" dirty="0"/>
+            <a:r>
+              <a:rPr lang="en-US" sz="1400" dirty="0"/>
+              <a:t> </a:t>
+            </a:r>
           </a:p>
         </p:txBody>
       </p:sp>
@@ -8850,73 +8915,73 @@
           <a:custGeom>
             <a:avLst/>
             <a:gdLst>
-              <a:gd name="csX0" fmla="*/ 0 w 3429000"/>
-              <a:gd name="csY0" fmla="*/ 0 h 18288"/>
-              <a:gd name="csX1" fmla="*/ 685800 w 3429000"/>
-              <a:gd name="csY1" fmla="*/ 0 h 18288"/>
-              <a:gd name="csX2" fmla="*/ 1371600 w 3429000"/>
-              <a:gd name="csY2" fmla="*/ 0 h 18288"/>
-              <a:gd name="csX3" fmla="*/ 2057400 w 3429000"/>
-              <a:gd name="csY3" fmla="*/ 0 h 18288"/>
-              <a:gd name="csX4" fmla="*/ 2674620 w 3429000"/>
-              <a:gd name="csY4" fmla="*/ 0 h 18288"/>
-              <a:gd name="csX5" fmla="*/ 3429000 w 3429000"/>
-              <a:gd name="csY5" fmla="*/ 0 h 18288"/>
-              <a:gd name="csX6" fmla="*/ 3429000 w 3429000"/>
-              <a:gd name="csY6" fmla="*/ 18288 h 18288"/>
-              <a:gd name="csX7" fmla="*/ 2811780 w 3429000"/>
-              <a:gd name="csY7" fmla="*/ 18288 h 18288"/>
-              <a:gd name="csX8" fmla="*/ 2228850 w 3429000"/>
-              <a:gd name="csY8" fmla="*/ 18288 h 18288"/>
-              <a:gd name="csX9" fmla="*/ 1543050 w 3429000"/>
-              <a:gd name="csY9" fmla="*/ 18288 h 18288"/>
-              <a:gd name="csX10" fmla="*/ 925830 w 3429000"/>
-              <a:gd name="csY10" fmla="*/ 18288 h 18288"/>
-              <a:gd name="csX11" fmla="*/ 0 w 3429000"/>
-              <a:gd name="csY11" fmla="*/ 18288 h 18288"/>
-              <a:gd name="csX12" fmla="*/ 0 w 3429000"/>
-              <a:gd name="csY12" fmla="*/ 0 h 18288"/>
+              <a:gd name="connsiteX0" fmla="*/ 0 w 3429000"/>
+              <a:gd name="connsiteY0" fmla="*/ 0 h 18288"/>
+              <a:gd name="connsiteX1" fmla="*/ 685800 w 3429000"/>
+              <a:gd name="connsiteY1" fmla="*/ 0 h 18288"/>
+              <a:gd name="connsiteX2" fmla="*/ 1371600 w 3429000"/>
+              <a:gd name="connsiteY2" fmla="*/ 0 h 18288"/>
+              <a:gd name="connsiteX3" fmla="*/ 2057400 w 3429000"/>
+              <a:gd name="connsiteY3" fmla="*/ 0 h 18288"/>
+              <a:gd name="connsiteX4" fmla="*/ 2674620 w 3429000"/>
+              <a:gd name="connsiteY4" fmla="*/ 0 h 18288"/>
+              <a:gd name="connsiteX5" fmla="*/ 3429000 w 3429000"/>
+              <a:gd name="connsiteY5" fmla="*/ 0 h 18288"/>
+              <a:gd name="connsiteX6" fmla="*/ 3429000 w 3429000"/>
+              <a:gd name="connsiteY6" fmla="*/ 18288 h 18288"/>
+              <a:gd name="connsiteX7" fmla="*/ 2811780 w 3429000"/>
+              <a:gd name="connsiteY7" fmla="*/ 18288 h 18288"/>
+              <a:gd name="connsiteX8" fmla="*/ 2228850 w 3429000"/>
+              <a:gd name="connsiteY8" fmla="*/ 18288 h 18288"/>
+              <a:gd name="connsiteX9" fmla="*/ 1543050 w 3429000"/>
+              <a:gd name="connsiteY9" fmla="*/ 18288 h 18288"/>
+              <a:gd name="connsiteX10" fmla="*/ 925830 w 3429000"/>
+              <a:gd name="connsiteY10" fmla="*/ 18288 h 18288"/>
+              <a:gd name="connsiteX11" fmla="*/ 0 w 3429000"/>
+              <a:gd name="connsiteY11" fmla="*/ 18288 h 18288"/>
+              <a:gd name="connsiteX12" fmla="*/ 0 w 3429000"/>
+              <a:gd name="connsiteY12" fmla="*/ 0 h 18288"/>
             </a:gdLst>
             <a:ahLst/>
             <a:cxnLst>
               <a:cxn ang="0">
-                <a:pos x="csX0" y="csY0"/>
+                <a:pos x="connsiteX0" y="connsiteY0"/>
               </a:cxn>
               <a:cxn ang="0">
-                <a:pos x="csX1" y="csY1"/>
+                <a:pos x="connsiteX1" y="connsiteY1"/>
               </a:cxn>
               <a:cxn ang="0">
-                <a:pos x="csX2" y="csY2"/>
+                <a:pos x="connsiteX2" y="connsiteY2"/>
               </a:cxn>
               <a:cxn ang="0">
-                <a:pos x="csX3" y="csY3"/>
+                <a:pos x="connsiteX3" y="connsiteY3"/>
               </a:cxn>
               <a:cxn ang="0">
-                <a:pos x="csX4" y="csY4"/>
+                <a:pos x="connsiteX4" y="connsiteY4"/>
               </a:cxn>
               <a:cxn ang="0">
-                <a:pos x="csX5" y="csY5"/>
+                <a:pos x="connsiteX5" y="connsiteY5"/>
               </a:cxn>
               <a:cxn ang="0">
-                <a:pos x="csX6" y="csY6"/>
+                <a:pos x="connsiteX6" y="connsiteY6"/>
               </a:cxn>
               <a:cxn ang="0">
-                <a:pos x="csX7" y="csY7"/>
+                <a:pos x="connsiteX7" y="connsiteY7"/>
               </a:cxn>
               <a:cxn ang="0">
-                <a:pos x="csX8" y="csY8"/>
+                <a:pos x="connsiteX8" y="connsiteY8"/>
               </a:cxn>
               <a:cxn ang="0">
-                <a:pos x="csX9" y="csY9"/>
+                <a:pos x="connsiteX9" y="connsiteY9"/>
               </a:cxn>
               <a:cxn ang="0">
-                <a:pos x="csX10" y="csY10"/>
+                <a:pos x="connsiteX10" y="connsiteY10"/>
               </a:cxn>
               <a:cxn ang="0">
-                <a:pos x="csX11" y="csY11"/>
+                <a:pos x="connsiteX11" y="connsiteY11"/>
               </a:cxn>
               <a:cxn ang="0">
-                <a:pos x="csX12" y="csY12"/>
+                <a:pos x="connsiteX12" y="connsiteY12"/>
               </a:cxn>
             </a:cxnLst>
             <a:rect l="l" t="t" r="r" b="b"/>
